--- a/doc/ResizeLab gif.pptx
+++ b/doc/ResizeLab gif.pptx
@@ -5,32 +5,31 @@
     <p:sldMasterId id="2147483660" r:id="rId1"/>
   </p:sldMasterIdLst>
   <p:sldIdLst>
-    <p:sldId id="363" r:id="rId2"/>
-    <p:sldId id="337" r:id="rId3"/>
-    <p:sldId id="358" r:id="rId4"/>
-    <p:sldId id="357" r:id="rId5"/>
-    <p:sldId id="356" r:id="rId6"/>
-    <p:sldId id="344" r:id="rId7"/>
-    <p:sldId id="343" r:id="rId8"/>
-    <p:sldId id="345" r:id="rId9"/>
-    <p:sldId id="347" r:id="rId10"/>
-    <p:sldId id="346" r:id="rId11"/>
-    <p:sldId id="350" r:id="rId12"/>
-    <p:sldId id="360" r:id="rId13"/>
-    <p:sldId id="359" r:id="rId14"/>
-    <p:sldId id="364" r:id="rId15"/>
-    <p:sldId id="361" r:id="rId16"/>
-    <p:sldId id="336" r:id="rId17"/>
+    <p:sldId id="337" r:id="rId2"/>
+    <p:sldId id="358" r:id="rId3"/>
+    <p:sldId id="357" r:id="rId4"/>
+    <p:sldId id="356" r:id="rId5"/>
+    <p:sldId id="344" r:id="rId6"/>
+    <p:sldId id="343" r:id="rId7"/>
+    <p:sldId id="345" r:id="rId8"/>
+    <p:sldId id="347" r:id="rId9"/>
+    <p:sldId id="346" r:id="rId10"/>
+    <p:sldId id="350" r:id="rId11"/>
+    <p:sldId id="360" r:id="rId12"/>
+    <p:sldId id="359" r:id="rId13"/>
+    <p:sldId id="364" r:id="rId14"/>
+    <p:sldId id="361" r:id="rId15"/>
+    <p:sldId id="336" r:id="rId16"/>
   </p:sldIdLst>
   <p:sldSz cx="9144000" cy="6858000" type="screen4x3"/>
   <p:notesSz cx="6858000" cy="9144000"/>
   <p:embeddedFontLst>
     <p:embeddedFont>
       <p:font typeface="Calibri" panose="020F0502020204030204" pitchFamily="34" charset="0"/>
-      <p:regular r:id="rId18"/>
-      <p:bold r:id="rId19"/>
-      <p:italic r:id="rId20"/>
-      <p:boldItalic r:id="rId21"/>
+      <p:regular r:id="rId17"/>
+      <p:bold r:id="rId18"/>
+      <p:italic r:id="rId19"/>
+      <p:boldItalic r:id="rId20"/>
     </p:embeddedFont>
   </p:embeddedFontLst>
   <p:defaultTextStyle>
@@ -128,8 +127,27 @@
       </a:defRPr>
     </a:lvl9pPr>
   </p:defaultTextStyle>
-  <p:extLst/>
+  <p:extLst>
+    <p:ext uri="{EFAFB233-063F-42B5-8137-9DF3F51BA10A}">
+      <p15:sldGuideLst xmlns:p15="http://schemas.microsoft.com/office/powerpoint/2012/main">
+        <p15:guide id="1" orient="horz" pos="2160">
+          <p15:clr>
+            <a:srgbClr val="A4A3A4"/>
+          </p15:clr>
+        </p15:guide>
+        <p15:guide id="2" pos="2880">
+          <p15:clr>
+            <a:srgbClr val="A4A3A4"/>
+          </p15:clr>
+        </p15:guide>
+      </p15:sldGuideLst>
+    </p:ext>
+  </p:extLst>
 </p:presentation>
+</file>
+
+<file path=ppt/revisionInfo.xml><?xml version="1.0" encoding="utf-8"?>
+<p1510:revInfo xmlns:a="http://schemas.openxmlformats.org/drawingml/2006/main" xmlns:r="http://schemas.openxmlformats.org/officeDocument/2006/relationships" xmlns:p1510="http://schemas.microsoft.com/office/powerpoint/2015/10/main"/>
 </file>
 
 <file path=ppt/slideLayouts/slideLayout1.xml><?xml version="1.0" encoding="utf-8"?>
@@ -170,10 +188,9 @@
           <a:lstStyle/>
           <a:p>
             <a:r>
-              <a:rPr lang="en-US" smtClean="0"/>
+              <a:rPr lang="en-US"/>
               <a:t>Click to edit Master title style</a:t>
             </a:r>
-            <a:endParaRPr lang="en-US"/>
           </a:p>
         </p:txBody>
       </p:sp>
@@ -289,10 +306,9 @@
           </a:lstStyle>
           <a:p>
             <a:r>
-              <a:rPr lang="en-US" smtClean="0"/>
+              <a:rPr lang="en-US"/>
               <a:t>Click to edit Master subtitle style</a:t>
             </a:r>
-            <a:endParaRPr lang="en-US"/>
           </a:p>
         </p:txBody>
       </p:sp>
@@ -320,7 +336,7 @@
                 </a:solidFill>
               </a:rPr>
               <a:pPr/>
-              <a:t>4/24/2016</a:t>
+              <a:t>6/29/2017</a:t>
             </a:fld>
             <a:endParaRPr lang="en-US">
               <a:solidFill>
@@ -439,10 +455,9 @@
           <a:lstStyle/>
           <a:p>
             <a:r>
-              <a:rPr lang="en-US" smtClean="0"/>
+              <a:rPr lang="en-US"/>
               <a:t>Click to edit Master title style</a:t>
             </a:r>
-            <a:endParaRPr lang="en-US"/>
           </a:p>
         </p:txBody>
       </p:sp>
@@ -463,38 +478,37 @@
           <a:p>
             <a:pPr lvl="0"/>
             <a:r>
-              <a:rPr lang="en-US" smtClean="0"/>
+              <a:rPr lang="en-US"/>
               <a:t>Click to edit Master text styles</a:t>
             </a:r>
           </a:p>
           <a:p>
             <a:pPr lvl="1"/>
             <a:r>
-              <a:rPr lang="en-US" smtClean="0"/>
+              <a:rPr lang="en-US"/>
               <a:t>Second level</a:t>
             </a:r>
           </a:p>
           <a:p>
             <a:pPr lvl="2"/>
             <a:r>
-              <a:rPr lang="en-US" smtClean="0"/>
+              <a:rPr lang="en-US"/>
               <a:t>Third level</a:t>
             </a:r>
           </a:p>
           <a:p>
             <a:pPr lvl="3"/>
             <a:r>
-              <a:rPr lang="en-US" smtClean="0"/>
+              <a:rPr lang="en-US"/>
               <a:t>Fourth level</a:t>
             </a:r>
           </a:p>
           <a:p>
             <a:pPr lvl="4"/>
             <a:r>
-              <a:rPr lang="en-US" smtClean="0"/>
+              <a:rPr lang="en-US"/>
               <a:t>Fifth level</a:t>
             </a:r>
-            <a:endParaRPr lang="en-US"/>
           </a:p>
         </p:txBody>
       </p:sp>
@@ -522,7 +536,7 @@
                 </a:solidFill>
               </a:rPr>
               <a:pPr/>
-              <a:t>4/24/2016</a:t>
+              <a:t>6/29/2017</a:t>
             </a:fld>
             <a:endParaRPr lang="en-US">
               <a:solidFill>
@@ -646,10 +660,9 @@
           <a:lstStyle/>
           <a:p>
             <a:r>
-              <a:rPr lang="en-US" smtClean="0"/>
+              <a:rPr lang="en-US"/>
               <a:t>Click to edit Master title style</a:t>
             </a:r>
-            <a:endParaRPr lang="en-US"/>
           </a:p>
         </p:txBody>
       </p:sp>
@@ -675,38 +688,37 @@
           <a:p>
             <a:pPr lvl="0"/>
             <a:r>
-              <a:rPr lang="en-US" smtClean="0"/>
+              <a:rPr lang="en-US"/>
               <a:t>Click to edit Master text styles</a:t>
             </a:r>
           </a:p>
           <a:p>
             <a:pPr lvl="1"/>
             <a:r>
-              <a:rPr lang="en-US" smtClean="0"/>
+              <a:rPr lang="en-US"/>
               <a:t>Second level</a:t>
             </a:r>
           </a:p>
           <a:p>
             <a:pPr lvl="2"/>
             <a:r>
-              <a:rPr lang="en-US" smtClean="0"/>
+              <a:rPr lang="en-US"/>
               <a:t>Third level</a:t>
             </a:r>
           </a:p>
           <a:p>
             <a:pPr lvl="3"/>
             <a:r>
-              <a:rPr lang="en-US" smtClean="0"/>
+              <a:rPr lang="en-US"/>
               <a:t>Fourth level</a:t>
             </a:r>
           </a:p>
           <a:p>
             <a:pPr lvl="4"/>
             <a:r>
-              <a:rPr lang="en-US" smtClean="0"/>
+              <a:rPr lang="en-US"/>
               <a:t>Fifth level</a:t>
             </a:r>
-            <a:endParaRPr lang="en-US"/>
           </a:p>
         </p:txBody>
       </p:sp>
@@ -734,7 +746,7 @@
                 </a:solidFill>
               </a:rPr>
               <a:pPr/>
-              <a:t>4/24/2016</a:t>
+              <a:t>6/29/2017</a:t>
             </a:fld>
             <a:endParaRPr lang="en-US">
               <a:solidFill>
@@ -853,7 +865,7 @@
           <a:lstStyle/>
           <a:p>
             <a:r>
-              <a:rPr lang="en-US" smtClean="0"/>
+              <a:rPr lang="en-US"/>
               <a:t>Click to edit Master title style</a:t>
             </a:r>
             <a:endParaRPr lang="en-SG"/>
@@ -877,35 +889,35 @@
           <a:p>
             <a:pPr lvl="0"/>
             <a:r>
-              <a:rPr lang="en-US" smtClean="0"/>
+              <a:rPr lang="en-US"/>
               <a:t>Click to edit Master text styles</a:t>
             </a:r>
           </a:p>
           <a:p>
             <a:pPr lvl="1"/>
             <a:r>
-              <a:rPr lang="en-US" smtClean="0"/>
+              <a:rPr lang="en-US"/>
               <a:t>Second level</a:t>
             </a:r>
           </a:p>
           <a:p>
             <a:pPr lvl="2"/>
             <a:r>
-              <a:rPr lang="en-US" smtClean="0"/>
+              <a:rPr lang="en-US"/>
               <a:t>Third level</a:t>
             </a:r>
           </a:p>
           <a:p>
             <a:pPr lvl="3"/>
             <a:r>
-              <a:rPr lang="en-US" smtClean="0"/>
+              <a:rPr lang="en-US"/>
               <a:t>Fourth level</a:t>
             </a:r>
           </a:p>
           <a:p>
             <a:pPr lvl="4"/>
             <a:r>
-              <a:rPr lang="en-US" smtClean="0"/>
+              <a:rPr lang="en-US"/>
               <a:t>Fifth level</a:t>
             </a:r>
             <a:endParaRPr lang="en-SG"/>
@@ -936,7 +948,7 @@
                 </a:solidFill>
               </a:rPr>
               <a:pPr/>
-              <a:t>4/24/2016</a:t>
+              <a:t>6/29/2017</a:t>
             </a:fld>
             <a:endParaRPr lang="en-US">
               <a:solidFill>
@@ -1055,10 +1067,9 @@
           <a:lstStyle/>
           <a:p>
             <a:r>
-              <a:rPr lang="en-US" smtClean="0"/>
+              <a:rPr lang="en-US"/>
               <a:t>Click to edit Master title style</a:t>
             </a:r>
-            <a:endParaRPr lang="en-US"/>
           </a:p>
         </p:txBody>
       </p:sp>
@@ -1079,38 +1090,37 @@
           <a:p>
             <a:pPr lvl="0"/>
             <a:r>
-              <a:rPr lang="en-US" smtClean="0"/>
+              <a:rPr lang="en-US"/>
               <a:t>Click to edit Master text styles</a:t>
             </a:r>
           </a:p>
           <a:p>
             <a:pPr lvl="1"/>
             <a:r>
-              <a:rPr lang="en-US" smtClean="0"/>
+              <a:rPr lang="en-US"/>
               <a:t>Second level</a:t>
             </a:r>
           </a:p>
           <a:p>
             <a:pPr lvl="2"/>
             <a:r>
-              <a:rPr lang="en-US" smtClean="0"/>
+              <a:rPr lang="en-US"/>
               <a:t>Third level</a:t>
             </a:r>
           </a:p>
           <a:p>
             <a:pPr lvl="3"/>
             <a:r>
-              <a:rPr lang="en-US" smtClean="0"/>
+              <a:rPr lang="en-US"/>
               <a:t>Fourth level</a:t>
             </a:r>
           </a:p>
           <a:p>
             <a:pPr lvl="4"/>
             <a:r>
-              <a:rPr lang="en-US" smtClean="0"/>
+              <a:rPr lang="en-US"/>
               <a:t>Fifth level</a:t>
             </a:r>
-            <a:endParaRPr lang="en-US"/>
           </a:p>
         </p:txBody>
       </p:sp>
@@ -1138,7 +1148,7 @@
                 </a:solidFill>
               </a:rPr>
               <a:pPr/>
-              <a:t>4/24/2016</a:t>
+              <a:t>6/29/2017</a:t>
             </a:fld>
             <a:endParaRPr lang="en-US">
               <a:solidFill>
@@ -1221,13 +1231,6 @@
   <p:clrMapOvr>
     <a:masterClrMapping/>
   </p:clrMapOvr>
-  <p:timing>
-    <p:tnLst>
-      <p:par>
-        <p:cTn id="1" dur="indefinite" restart="never" nodeType="tmRoot"/>
-      </p:par>
-    </p:tnLst>
-  </p:timing>
 </p:sldLayout>
 </file>
 
@@ -1273,10 +1276,9 @@
           </a:lstStyle>
           <a:p>
             <a:r>
-              <a:rPr lang="en-US" smtClean="0"/>
+              <a:rPr lang="en-US"/>
               <a:t>Click to edit Master title style</a:t>
             </a:r>
-            <a:endParaRPr lang="en-US"/>
           </a:p>
         </p:txBody>
       </p:sp>
@@ -1393,7 +1395,7 @@
           <a:p>
             <a:pPr lvl="0"/>
             <a:r>
-              <a:rPr lang="en-US" smtClean="0"/>
+              <a:rPr lang="en-US"/>
               <a:t>Click to edit Master text styles</a:t>
             </a:r>
           </a:p>
@@ -1423,7 +1425,7 @@
                 </a:solidFill>
               </a:rPr>
               <a:pPr/>
-              <a:t>4/24/2016</a:t>
+              <a:t>6/29/2017</a:t>
             </a:fld>
             <a:endParaRPr lang="en-US">
               <a:solidFill>
@@ -1542,10 +1544,9 @@
           <a:lstStyle/>
           <a:p>
             <a:r>
-              <a:rPr lang="en-US" smtClean="0"/>
+              <a:rPr lang="en-US"/>
               <a:t>Click to edit Master title style</a:t>
             </a:r>
-            <a:endParaRPr lang="en-US"/>
           </a:p>
         </p:txBody>
       </p:sp>
@@ -1599,38 +1600,37 @@
           <a:p>
             <a:pPr lvl="0"/>
             <a:r>
-              <a:rPr lang="en-US" smtClean="0"/>
+              <a:rPr lang="en-US"/>
               <a:t>Click to edit Master text styles</a:t>
             </a:r>
           </a:p>
           <a:p>
             <a:pPr lvl="1"/>
             <a:r>
-              <a:rPr lang="en-US" smtClean="0"/>
+              <a:rPr lang="en-US"/>
               <a:t>Second level</a:t>
             </a:r>
           </a:p>
           <a:p>
             <a:pPr lvl="2"/>
             <a:r>
-              <a:rPr lang="en-US" smtClean="0"/>
+              <a:rPr lang="en-US"/>
               <a:t>Third level</a:t>
             </a:r>
           </a:p>
           <a:p>
             <a:pPr lvl="3"/>
             <a:r>
-              <a:rPr lang="en-US" smtClean="0"/>
+              <a:rPr lang="en-US"/>
               <a:t>Fourth level</a:t>
             </a:r>
           </a:p>
           <a:p>
             <a:pPr lvl="4"/>
             <a:r>
-              <a:rPr lang="en-US" smtClean="0"/>
+              <a:rPr lang="en-US"/>
               <a:t>Fifth level</a:t>
             </a:r>
-            <a:endParaRPr lang="en-US"/>
           </a:p>
         </p:txBody>
       </p:sp>
@@ -1684,38 +1684,37 @@
           <a:p>
             <a:pPr lvl="0"/>
             <a:r>
-              <a:rPr lang="en-US" smtClean="0"/>
+              <a:rPr lang="en-US"/>
               <a:t>Click to edit Master text styles</a:t>
             </a:r>
           </a:p>
           <a:p>
             <a:pPr lvl="1"/>
             <a:r>
-              <a:rPr lang="en-US" smtClean="0"/>
+              <a:rPr lang="en-US"/>
               <a:t>Second level</a:t>
             </a:r>
           </a:p>
           <a:p>
             <a:pPr lvl="2"/>
             <a:r>
-              <a:rPr lang="en-US" smtClean="0"/>
+              <a:rPr lang="en-US"/>
               <a:t>Third level</a:t>
             </a:r>
           </a:p>
           <a:p>
             <a:pPr lvl="3"/>
             <a:r>
-              <a:rPr lang="en-US" smtClean="0"/>
+              <a:rPr lang="en-US"/>
               <a:t>Fourth level</a:t>
             </a:r>
           </a:p>
           <a:p>
             <a:pPr lvl="4"/>
             <a:r>
-              <a:rPr lang="en-US" smtClean="0"/>
+              <a:rPr lang="en-US"/>
               <a:t>Fifth level</a:t>
             </a:r>
-            <a:endParaRPr lang="en-US"/>
           </a:p>
         </p:txBody>
       </p:sp>
@@ -1743,7 +1742,7 @@
                 </a:solidFill>
               </a:rPr>
               <a:pPr/>
-              <a:t>4/24/2016</a:t>
+              <a:t>6/29/2017</a:t>
             </a:fld>
             <a:endParaRPr lang="en-US">
               <a:solidFill>
@@ -1871,10 +1870,9 @@
           </a:lstStyle>
           <a:p>
             <a:r>
-              <a:rPr lang="en-US" smtClean="0"/>
+              <a:rPr lang="en-US"/>
               <a:t>Click to edit Master title style</a:t>
             </a:r>
-            <a:endParaRPr lang="en-US"/>
           </a:p>
         </p:txBody>
       </p:sp>
@@ -1937,7 +1935,7 @@
           <a:p>
             <a:pPr lvl="0"/>
             <a:r>
-              <a:rPr lang="en-US" smtClean="0"/>
+              <a:rPr lang="en-US"/>
               <a:t>Click to edit Master text styles</a:t>
             </a:r>
           </a:p>
@@ -1993,38 +1991,37 @@
           <a:p>
             <a:pPr lvl="0"/>
             <a:r>
-              <a:rPr lang="en-US" smtClean="0"/>
+              <a:rPr lang="en-US"/>
               <a:t>Click to edit Master text styles</a:t>
             </a:r>
           </a:p>
           <a:p>
             <a:pPr lvl="1"/>
             <a:r>
-              <a:rPr lang="en-US" smtClean="0"/>
+              <a:rPr lang="en-US"/>
               <a:t>Second level</a:t>
             </a:r>
           </a:p>
           <a:p>
             <a:pPr lvl="2"/>
             <a:r>
-              <a:rPr lang="en-US" smtClean="0"/>
+              <a:rPr lang="en-US"/>
               <a:t>Third level</a:t>
             </a:r>
           </a:p>
           <a:p>
             <a:pPr lvl="3"/>
             <a:r>
-              <a:rPr lang="en-US" smtClean="0"/>
+              <a:rPr lang="en-US"/>
               <a:t>Fourth level</a:t>
             </a:r>
           </a:p>
           <a:p>
             <a:pPr lvl="4"/>
             <a:r>
-              <a:rPr lang="en-US" smtClean="0"/>
+              <a:rPr lang="en-US"/>
               <a:t>Fifth level</a:t>
             </a:r>
-            <a:endParaRPr lang="en-US"/>
           </a:p>
         </p:txBody>
       </p:sp>
@@ -2087,7 +2084,7 @@
           <a:p>
             <a:pPr lvl="0"/>
             <a:r>
-              <a:rPr lang="en-US" smtClean="0"/>
+              <a:rPr lang="en-US"/>
               <a:t>Click to edit Master text styles</a:t>
             </a:r>
           </a:p>
@@ -2143,38 +2140,37 @@
           <a:p>
             <a:pPr lvl="0"/>
             <a:r>
-              <a:rPr lang="en-US" smtClean="0"/>
+              <a:rPr lang="en-US"/>
               <a:t>Click to edit Master text styles</a:t>
             </a:r>
           </a:p>
           <a:p>
             <a:pPr lvl="1"/>
             <a:r>
-              <a:rPr lang="en-US" smtClean="0"/>
+              <a:rPr lang="en-US"/>
               <a:t>Second level</a:t>
             </a:r>
           </a:p>
           <a:p>
             <a:pPr lvl="2"/>
             <a:r>
-              <a:rPr lang="en-US" smtClean="0"/>
+              <a:rPr lang="en-US"/>
               <a:t>Third level</a:t>
             </a:r>
           </a:p>
           <a:p>
             <a:pPr lvl="3"/>
             <a:r>
-              <a:rPr lang="en-US" smtClean="0"/>
+              <a:rPr lang="en-US"/>
               <a:t>Fourth level</a:t>
             </a:r>
           </a:p>
           <a:p>
             <a:pPr lvl="4"/>
             <a:r>
-              <a:rPr lang="en-US" smtClean="0"/>
+              <a:rPr lang="en-US"/>
               <a:t>Fifth level</a:t>
             </a:r>
-            <a:endParaRPr lang="en-US"/>
           </a:p>
         </p:txBody>
       </p:sp>
@@ -2202,7 +2198,7 @@
                 </a:solidFill>
               </a:rPr>
               <a:pPr/>
-              <a:t>4/24/2016</a:t>
+              <a:t>6/29/2017</a:t>
             </a:fld>
             <a:endParaRPr lang="en-US">
               <a:solidFill>
@@ -2321,10 +2317,9 @@
           <a:lstStyle/>
           <a:p>
             <a:r>
-              <a:rPr lang="en-US" smtClean="0"/>
+              <a:rPr lang="en-US"/>
               <a:t>Click to edit Master title style</a:t>
             </a:r>
-            <a:endParaRPr lang="en-US"/>
           </a:p>
         </p:txBody>
       </p:sp>
@@ -2352,7 +2347,7 @@
                 </a:solidFill>
               </a:rPr>
               <a:pPr/>
-              <a:t>4/24/2016</a:t>
+              <a:t>6/29/2017</a:t>
             </a:fld>
             <a:endParaRPr lang="en-US">
               <a:solidFill>
@@ -2479,7 +2474,7 @@
                 </a:solidFill>
               </a:rPr>
               <a:pPr/>
-              <a:t>4/24/2016</a:t>
+              <a:t>6/29/2017</a:t>
             </a:fld>
             <a:endParaRPr lang="en-US">
               <a:solidFill>
@@ -2607,10 +2602,9 @@
           </a:lstStyle>
           <a:p>
             <a:r>
-              <a:rPr lang="en-US" smtClean="0"/>
+              <a:rPr lang="en-US"/>
               <a:t>Click to edit Master title style</a:t>
             </a:r>
-            <a:endParaRPr lang="en-US"/>
           </a:p>
         </p:txBody>
       </p:sp>
@@ -2664,38 +2658,37 @@
           <a:p>
             <a:pPr lvl="0"/>
             <a:r>
-              <a:rPr lang="en-US" smtClean="0"/>
+              <a:rPr lang="en-US"/>
               <a:t>Click to edit Master text styles</a:t>
             </a:r>
           </a:p>
           <a:p>
             <a:pPr lvl="1"/>
             <a:r>
-              <a:rPr lang="en-US" smtClean="0"/>
+              <a:rPr lang="en-US"/>
               <a:t>Second level</a:t>
             </a:r>
           </a:p>
           <a:p>
             <a:pPr lvl="2"/>
             <a:r>
-              <a:rPr lang="en-US" smtClean="0"/>
+              <a:rPr lang="en-US"/>
               <a:t>Third level</a:t>
             </a:r>
           </a:p>
           <a:p>
             <a:pPr lvl="3"/>
             <a:r>
-              <a:rPr lang="en-US" smtClean="0"/>
+              <a:rPr lang="en-US"/>
               <a:t>Fourth level</a:t>
             </a:r>
           </a:p>
           <a:p>
             <a:pPr lvl="4"/>
             <a:r>
-              <a:rPr lang="en-US" smtClean="0"/>
+              <a:rPr lang="en-US"/>
               <a:t>Fifth level</a:t>
             </a:r>
-            <a:endParaRPr lang="en-US"/>
           </a:p>
         </p:txBody>
       </p:sp>
@@ -2758,7 +2751,7 @@
           <a:p>
             <a:pPr lvl="0"/>
             <a:r>
-              <a:rPr lang="en-US" smtClean="0"/>
+              <a:rPr lang="en-US"/>
               <a:t>Click to edit Master text styles</a:t>
             </a:r>
           </a:p>
@@ -2788,7 +2781,7 @@
                 </a:solidFill>
               </a:rPr>
               <a:pPr/>
-              <a:t>4/24/2016</a:t>
+              <a:t>6/29/2017</a:t>
             </a:fld>
             <a:endParaRPr lang="en-US">
               <a:solidFill>
@@ -2916,10 +2909,9 @@
           </a:lstStyle>
           <a:p>
             <a:r>
-              <a:rPr lang="en-US" smtClean="0"/>
+              <a:rPr lang="en-US"/>
               <a:t>Click to edit Master title style</a:t>
             </a:r>
-            <a:endParaRPr lang="en-US"/>
           </a:p>
         </p:txBody>
       </p:sp>
@@ -3043,7 +3035,7 @@
           <a:p>
             <a:pPr lvl="0"/>
             <a:r>
-              <a:rPr lang="en-US" smtClean="0"/>
+              <a:rPr lang="en-US"/>
               <a:t>Click to edit Master text styles</a:t>
             </a:r>
           </a:p>
@@ -3073,7 +3065,7 @@
                 </a:solidFill>
               </a:rPr>
               <a:pPr/>
-              <a:t>4/24/2016</a:t>
+              <a:t>6/29/2017</a:t>
             </a:fld>
             <a:endParaRPr lang="en-US">
               <a:solidFill>
@@ -3210,10 +3202,9 @@
           <a:lstStyle/>
           <a:p>
             <a:r>
-              <a:rPr lang="en-US" smtClean="0"/>
+              <a:rPr lang="en-US"/>
               <a:t>Click to edit Master title style</a:t>
             </a:r>
-            <a:endParaRPr lang="en-US"/>
           </a:p>
         </p:txBody>
       </p:sp>
@@ -3244,38 +3235,37 @@
           <a:p>
             <a:pPr lvl="0"/>
             <a:r>
-              <a:rPr lang="en-US" smtClean="0"/>
+              <a:rPr lang="en-US"/>
               <a:t>Click to edit Master text styles</a:t>
             </a:r>
           </a:p>
           <a:p>
             <a:pPr lvl="1"/>
             <a:r>
-              <a:rPr lang="en-US" smtClean="0"/>
+              <a:rPr lang="en-US"/>
               <a:t>Second level</a:t>
             </a:r>
           </a:p>
           <a:p>
             <a:pPr lvl="2"/>
             <a:r>
-              <a:rPr lang="en-US" smtClean="0"/>
+              <a:rPr lang="en-US"/>
               <a:t>Third level</a:t>
             </a:r>
           </a:p>
           <a:p>
             <a:pPr lvl="3"/>
             <a:r>
-              <a:rPr lang="en-US" smtClean="0"/>
+              <a:rPr lang="en-US"/>
               <a:t>Fourth level</a:t>
             </a:r>
           </a:p>
           <a:p>
             <a:pPr lvl="4"/>
             <a:r>
-              <a:rPr lang="en-US" smtClean="0"/>
+              <a:rPr lang="en-US"/>
               <a:t>Fifth level</a:t>
             </a:r>
-            <a:endParaRPr lang="en-US"/>
           </a:p>
         </p:txBody>
       </p:sp>
@@ -3321,7 +3311,7 @@
                 </a:solidFill>
               </a:rPr>
               <a:pPr/>
-              <a:t>4/24/2016</a:t>
+              <a:t>6/29/2017</a:t>
             </a:fld>
             <a:endParaRPr lang="en-US">
               <a:solidFill>
@@ -3504,13 +3494,6 @@
     <p:sldLayoutId id="2147483671" r:id="rId11"/>
     <p:sldLayoutId id="2147483672" r:id="rId12"/>
   </p:sldLayoutIdLst>
-  <p:timing>
-    <p:tnLst>
-      <p:par>
-        <p:cTn id="1" dur="indefinite" restart="never" nodeType="tmRoot"/>
-      </p:par>
-    </p:tnLst>
-  </p:timing>
   <p:txStyles>
     <p:titleStyle>
       <a:lvl1pPr algn="ctr" defTabSz="914400" rtl="0" eaLnBrk="1" latinLnBrk="0" hangingPunct="1">
@@ -3766,4134 +3749,6 @@
 
 <file path=ppt/slides/slide1.xml><?xml version="1.0" encoding="utf-8"?>
 <p:sld xmlns:a="http://schemas.openxmlformats.org/drawingml/2006/main" xmlns:r="http://schemas.openxmlformats.org/officeDocument/2006/relationships" xmlns:p="http://schemas.openxmlformats.org/presentationml/2006/main">
-  <p:cSld>
-    <p:spTree>
-      <p:nvGrpSpPr>
-        <p:cNvPr id="1" name=""/>
-        <p:cNvGrpSpPr/>
-        <p:nvPr/>
-      </p:nvGrpSpPr>
-      <p:grpSpPr>
-        <a:xfrm>
-          <a:off x="0" y="0"/>
-          <a:ext cx="0" cy="0"/>
-          <a:chOff x="0" y="0"/>
-          <a:chExt cx="0" cy="0"/>
-        </a:xfrm>
-      </p:grpSpPr>
-      <p:sp>
-        <p:nvSpPr>
-          <p:cNvPr id="2" name="v"/>
-          <p:cNvSpPr/>
-          <p:nvPr/>
-        </p:nvSpPr>
-        <p:spPr>
-          <a:xfrm>
-            <a:off x="1543542" y="1412776"/>
-            <a:ext cx="954501" cy="3953203"/>
-          </a:xfrm>
-          <a:prstGeom prst="rect">
-            <a:avLst/>
-          </a:prstGeom>
-          <a:solidFill>
-            <a:schemeClr val="accent1">
-              <a:lumMod val="20000"/>
-              <a:lumOff val="80000"/>
-            </a:schemeClr>
-          </a:solidFill>
-          <a:ln>
-            <a:noFill/>
-          </a:ln>
-        </p:spPr>
-        <p:style>
-          <a:lnRef idx="2">
-            <a:schemeClr val="accent1">
-              <a:shade val="50000"/>
-            </a:schemeClr>
-          </a:lnRef>
-          <a:fillRef idx="1">
-            <a:schemeClr val="accent1"/>
-          </a:fillRef>
-          <a:effectRef idx="0">
-            <a:schemeClr val="accent1"/>
-          </a:effectRef>
-          <a:fontRef idx="minor">
-            <a:schemeClr val="lt1"/>
-          </a:fontRef>
-        </p:style>
-        <p:txBody>
-          <a:bodyPr rtlCol="0" anchor="ctr"/>
-          <a:lstStyle/>
-          <a:p>
-            <a:pPr algn="ctr"/>
-            <a:endParaRPr lang="en-SG"/>
-          </a:p>
-        </p:txBody>
-      </p:sp>
-      <p:sp>
-        <p:nvSpPr>
-          <p:cNvPr id="4" name="TextBox 5"/>
-          <p:cNvSpPr txBox="1"/>
-          <p:nvPr/>
-        </p:nvSpPr>
-        <p:spPr>
-          <a:xfrm>
-            <a:off x="2467662" y="2465020"/>
-            <a:ext cx="5992770" cy="1107996"/>
-          </a:xfrm>
-          <a:prstGeom prst="rect">
-            <a:avLst/>
-          </a:prstGeom>
-          <a:noFill/>
-        </p:spPr>
-        <p:txBody>
-          <a:bodyPr wrap="square" rtlCol="0">
-            <a:spAutoFit/>
-          </a:bodyPr>
-          <a:lstStyle/>
-          <a:p>
-            <a:r>
-              <a:rPr lang="en-US" sz="6600" b="1" dirty="0" smtClean="0">
-                <a:solidFill>
-                  <a:schemeClr val="tx2">
-                    <a:lumMod val="60000"/>
-                    <a:lumOff val="40000"/>
-                  </a:schemeClr>
-                </a:solidFill>
-              </a:rPr>
-              <a:t>… and more!</a:t>
-            </a:r>
-            <a:endParaRPr lang="en-SG" sz="6600" b="1" dirty="0">
-              <a:solidFill>
-                <a:schemeClr val="tx2">
-                  <a:lumMod val="60000"/>
-                  <a:lumOff val="40000"/>
-                </a:schemeClr>
-              </a:solidFill>
-            </a:endParaRPr>
-          </a:p>
-        </p:txBody>
-      </p:sp>
-      <p:sp>
-        <p:nvSpPr>
-          <p:cNvPr id="6" name="Rectangle 5"/>
-          <p:cNvSpPr/>
-          <p:nvPr/>
-        </p:nvSpPr>
-        <p:spPr>
-          <a:xfrm>
-            <a:off x="855535" y="3698027"/>
-            <a:ext cx="6452770" cy="974114"/>
-          </a:xfrm>
-          <a:prstGeom prst="rect">
-            <a:avLst/>
-          </a:prstGeom>
-          <a:solidFill>
-            <a:schemeClr val="accent1">
-              <a:lumMod val="20000"/>
-              <a:lumOff val="80000"/>
-            </a:schemeClr>
-          </a:solidFill>
-          <a:ln>
-            <a:noFill/>
-          </a:ln>
-        </p:spPr>
-        <p:style>
-          <a:lnRef idx="2">
-            <a:schemeClr val="accent1">
-              <a:shade val="50000"/>
-            </a:schemeClr>
-          </a:lnRef>
-          <a:fillRef idx="1">
-            <a:schemeClr val="accent1"/>
-          </a:fillRef>
-          <a:effectRef idx="0">
-            <a:schemeClr val="accent1"/>
-          </a:effectRef>
-          <a:fontRef idx="minor">
-            <a:schemeClr val="lt1"/>
-          </a:fontRef>
-        </p:style>
-        <p:txBody>
-          <a:bodyPr rtlCol="0" anchor="ctr"/>
-          <a:lstStyle/>
-          <a:p>
-            <a:pPr algn="ctr"/>
-            <a:endParaRPr lang="en-SG"/>
-          </a:p>
-        </p:txBody>
-      </p:sp>
-      <p:sp>
-        <p:nvSpPr>
-          <p:cNvPr id="7" name="Down Arrow 6"/>
-          <p:cNvSpPr/>
-          <p:nvPr/>
-        </p:nvSpPr>
-        <p:spPr>
-          <a:xfrm rot="5400000">
-            <a:off x="-76157" y="3820992"/>
-            <a:ext cx="1871385" cy="734554"/>
-          </a:xfrm>
-          <a:prstGeom prst="downArrow">
-            <a:avLst/>
-          </a:prstGeom>
-          <a:solidFill>
-            <a:schemeClr val="accent1">
-              <a:lumMod val="20000"/>
-              <a:lumOff val="80000"/>
-            </a:schemeClr>
-          </a:solidFill>
-          <a:ln>
-            <a:noFill/>
-          </a:ln>
-        </p:spPr>
-        <p:style>
-          <a:lnRef idx="2">
-            <a:schemeClr val="accent1">
-              <a:shade val="50000"/>
-            </a:schemeClr>
-          </a:lnRef>
-          <a:fillRef idx="1">
-            <a:schemeClr val="accent1"/>
-          </a:fillRef>
-          <a:effectRef idx="0">
-            <a:schemeClr val="accent1"/>
-          </a:effectRef>
-          <a:fontRef idx="minor">
-            <a:schemeClr val="lt1"/>
-          </a:fontRef>
-        </p:style>
-        <p:txBody>
-          <a:bodyPr rtlCol="0" anchor="ctr"/>
-          <a:lstStyle/>
-          <a:p>
-            <a:pPr algn="ctr"/>
-            <a:endParaRPr lang="en-SG"/>
-          </a:p>
-        </p:txBody>
-      </p:sp>
-      <p:sp>
-        <p:nvSpPr>
-          <p:cNvPr id="8" name="Down Arrow 7"/>
-          <p:cNvSpPr/>
-          <p:nvPr/>
-        </p:nvSpPr>
-        <p:spPr>
-          <a:xfrm rot="16200000">
-            <a:off x="6353723" y="3817807"/>
-            <a:ext cx="1871385" cy="734554"/>
-          </a:xfrm>
-          <a:prstGeom prst="downArrow">
-            <a:avLst/>
-          </a:prstGeom>
-          <a:solidFill>
-            <a:schemeClr val="accent1">
-              <a:lumMod val="20000"/>
-              <a:lumOff val="80000"/>
-            </a:schemeClr>
-          </a:solidFill>
-          <a:ln>
-            <a:noFill/>
-          </a:ln>
-        </p:spPr>
-        <p:style>
-          <a:lnRef idx="2">
-            <a:schemeClr val="accent1">
-              <a:shade val="50000"/>
-            </a:schemeClr>
-          </a:lnRef>
-          <a:fillRef idx="1">
-            <a:schemeClr val="accent1"/>
-          </a:fillRef>
-          <a:effectRef idx="0">
-            <a:schemeClr val="accent1"/>
-          </a:effectRef>
-          <a:fontRef idx="minor">
-            <a:schemeClr val="lt1"/>
-          </a:fontRef>
-        </p:style>
-        <p:txBody>
-          <a:bodyPr rtlCol="0" anchor="ctr"/>
-          <a:lstStyle/>
-          <a:p>
-            <a:pPr algn="ctr"/>
-            <a:endParaRPr lang="en-SG"/>
-          </a:p>
-        </p:txBody>
-      </p:sp>
-      <p:sp>
-        <p:nvSpPr>
-          <p:cNvPr id="9" name="Down Arrow 8"/>
-          <p:cNvSpPr/>
-          <p:nvPr/>
-        </p:nvSpPr>
-        <p:spPr>
-          <a:xfrm>
-            <a:off x="1085100" y="5000113"/>
-            <a:ext cx="1871385" cy="734554"/>
-          </a:xfrm>
-          <a:prstGeom prst="downArrow">
-            <a:avLst/>
-          </a:prstGeom>
-          <a:solidFill>
-            <a:schemeClr val="accent1">
-              <a:lumMod val="20000"/>
-              <a:lumOff val="80000"/>
-            </a:schemeClr>
-          </a:solidFill>
-          <a:ln>
-            <a:noFill/>
-          </a:ln>
-        </p:spPr>
-        <p:style>
-          <a:lnRef idx="2">
-            <a:schemeClr val="accent1">
-              <a:shade val="50000"/>
-            </a:schemeClr>
-          </a:lnRef>
-          <a:fillRef idx="1">
-            <a:schemeClr val="accent1"/>
-          </a:fillRef>
-          <a:effectRef idx="0">
-            <a:schemeClr val="accent1"/>
-          </a:effectRef>
-          <a:fontRef idx="minor">
-            <a:schemeClr val="lt1"/>
-          </a:fontRef>
-        </p:style>
-        <p:txBody>
-          <a:bodyPr rtlCol="0" anchor="ctr"/>
-          <a:lstStyle/>
-          <a:p>
-            <a:pPr algn="ctr"/>
-            <a:endParaRPr lang="en-SG"/>
-          </a:p>
-        </p:txBody>
-      </p:sp>
-      <p:sp>
-        <p:nvSpPr>
-          <p:cNvPr id="10" name="Down Arrow 9"/>
-          <p:cNvSpPr/>
-          <p:nvPr/>
-        </p:nvSpPr>
-        <p:spPr>
-          <a:xfrm rot="10800000">
-            <a:off x="1079907" y="1131437"/>
-            <a:ext cx="1871385" cy="734554"/>
-          </a:xfrm>
-          <a:prstGeom prst="downArrow">
-            <a:avLst/>
-          </a:prstGeom>
-          <a:solidFill>
-            <a:schemeClr val="accent1">
-              <a:lumMod val="20000"/>
-              <a:lumOff val="80000"/>
-            </a:schemeClr>
-          </a:solidFill>
-          <a:ln>
-            <a:noFill/>
-          </a:ln>
-        </p:spPr>
-        <p:style>
-          <a:lnRef idx="2">
-            <a:schemeClr val="accent1">
-              <a:shade val="50000"/>
-            </a:schemeClr>
-          </a:lnRef>
-          <a:fillRef idx="1">
-            <a:schemeClr val="accent1"/>
-          </a:fillRef>
-          <a:effectRef idx="0">
-            <a:schemeClr val="accent1"/>
-          </a:effectRef>
-          <a:fontRef idx="minor">
-            <a:schemeClr val="lt1"/>
-          </a:fontRef>
-        </p:style>
-        <p:txBody>
-          <a:bodyPr rtlCol="0" anchor="ctr"/>
-          <a:lstStyle/>
-          <a:p>
-            <a:pPr algn="ctr"/>
-            <a:endParaRPr lang="en-SG"/>
-          </a:p>
-        </p:txBody>
-      </p:sp>
-    </p:spTree>
-    <p:extLst>
-      <p:ext uri="{BB962C8B-B14F-4D97-AF65-F5344CB8AC3E}">
-        <p14:creationId xmlns:p14="http://schemas.microsoft.com/office/powerpoint/2010/main" val="4196072680"/>
-      </p:ext>
-    </p:extLst>
-  </p:cSld>
-  <p:clrMapOvr>
-    <a:masterClrMapping/>
-  </p:clrMapOvr>
-  <mc:AlternateContent xmlns:mc="http://schemas.openxmlformats.org/markup-compatibility/2006" xmlns:p14="http://schemas.microsoft.com/office/powerpoint/2010/main">
-    <mc:Choice Requires="p14">
-      <p:transition p14:dur="0" advTm="1000"/>
-    </mc:Choice>
-    <mc:Fallback xmlns="">
-      <p:transition advTm="1000"/>
-    </mc:Fallback>
-  </mc:AlternateContent>
-  <p:timing>
-    <p:tnLst>
-      <p:par>
-        <p:cTn id="1" dur="indefinite" restart="never" nodeType="tmRoot"/>
-      </p:par>
-    </p:tnLst>
-  </p:timing>
-</p:sld>
-</file>
-
-<file path=ppt/slides/slide10.xml><?xml version="1.0" encoding="utf-8"?>
-<p:sld xmlns:a="http://schemas.openxmlformats.org/drawingml/2006/main" xmlns:r="http://schemas.openxmlformats.org/officeDocument/2006/relationships" xmlns:p="http://schemas.openxmlformats.org/presentationml/2006/main">
-  <p:cSld name="PPSlideEnd_201604241831307581_7564a0a">
-    <p:spTree>
-      <p:nvGrpSpPr>
-        <p:cNvPr id="1" name=""/>
-        <p:cNvGrpSpPr/>
-        <p:nvPr/>
-      </p:nvGrpSpPr>
-      <p:grpSpPr>
-        <a:xfrm>
-          <a:off x="0" y="0"/>
-          <a:ext cx="0" cy="0"/>
-          <a:chOff x="0" y="0"/>
-          <a:chExt cx="0" cy="0"/>
-        </a:xfrm>
-      </p:grpSpPr>
-      <p:pic>
-        <p:nvPicPr>
-          <p:cNvPr id="3" name="Picture 5" descr="C:\Users\dcsdcr\AppData\Local\Microsoft\Windows\Temporary Internet Files\Content.IE5\GG0SFF8P\box-cartone[1].png"/>
-          <p:cNvPicPr>
-            <a:picLocks noChangeArrowheads="1"/>
-          </p:cNvPicPr>
-          <p:nvPr/>
-        </p:nvPicPr>
-        <p:blipFill rotWithShape="1">
-          <a:blip r:embed="rId2" cstate="email">
-            <a:duotone>
-              <a:schemeClr val="accent1">
-                <a:shade val="45000"/>
-                <a:satMod val="135000"/>
-              </a:schemeClr>
-              <a:prstClr val="white"/>
-            </a:duotone>
-            <a:extLst>
-              <a:ext uri="{BEBA8EAE-BF5A-486C-A8C5-ECC9F3942E4B}">
-                <a14:imgProps xmlns:a14="http://schemas.microsoft.com/office/drawing/2010/main">
-                  <a14:imgLayer r:embed="rId3">
-                    <a14:imgEffect>
-                      <a14:brightnessContrast bright="40000"/>
-                    </a14:imgEffect>
-                  </a14:imgLayer>
-                </a14:imgProps>
-              </a:ext>
-              <a:ext uri="{28A0092B-C50C-407E-A947-70E740481C1C}">
-                <a14:useLocalDpi xmlns:a14="http://schemas.microsoft.com/office/drawing/2010/main"/>
-              </a:ext>
-            </a:extLst>
-          </a:blip>
-          <a:srcRect/>
-          <a:stretch/>
-        </p:blipFill>
-        <p:spPr bwMode="auto">
-          <a:xfrm>
-            <a:off x="3059832" y="3823321"/>
-            <a:ext cx="2232248" cy="1681804"/>
-          </a:xfrm>
-          <a:prstGeom prst="rect">
-            <a:avLst/>
-          </a:prstGeom>
-          <a:noFill/>
-          <a:effectLst>
-            <a:outerShdw blurRad="63500" sx="102000" sy="102000" algn="ctr" rotWithShape="0">
-              <a:prstClr val="black">
-                <a:alpha val="40000"/>
-              </a:prstClr>
-            </a:outerShdw>
-          </a:effectLst>
-          <a:extLst>
-            <a:ext uri="{909E8E84-426E-40DD-AFC4-6F175D3DCCD1}">
-              <a14:hiddenFill xmlns:a14="http://schemas.microsoft.com/office/drawing/2010/main">
-                <a:solidFill>
-                  <a:srgbClr val="FFFFFF"/>
-                </a:solidFill>
-              </a14:hiddenFill>
-            </a:ext>
-          </a:extLst>
-        </p:spPr>
-      </p:pic>
-      <p:pic>
-        <p:nvPicPr>
-          <p:cNvPr id="4" name="Picture 6" descr="C:\Users\dcsdcr\AppData\Local\Microsoft\Windows\Temporary Internet Files\Content.IE5\QX27U4HQ\Open-Cardboard-Box[1].png"/>
-          <p:cNvPicPr>
-            <a:picLocks noChangeArrowheads="1"/>
-          </p:cNvPicPr>
-          <p:nvPr/>
-        </p:nvPicPr>
-        <p:blipFill>
-          <a:blip r:embed="rId4" cstate="email">
-            <a:duotone>
-              <a:prstClr val="black"/>
-              <a:schemeClr val="accent1">
-                <a:tint val="45000"/>
-                <a:satMod val="400000"/>
-              </a:schemeClr>
-            </a:duotone>
-            <a:extLst>
-              <a:ext uri="{28A0092B-C50C-407E-A947-70E740481C1C}">
-                <a14:useLocalDpi xmlns:a14="http://schemas.microsoft.com/office/drawing/2010/main"/>
-              </a:ext>
-            </a:extLst>
-          </a:blip>
-          <a:srcRect/>
-          <a:stretch>
-            <a:fillRect/>
-          </a:stretch>
-        </p:blipFill>
-        <p:spPr bwMode="auto">
-          <a:xfrm>
-            <a:off x="539552" y="3823320"/>
-            <a:ext cx="2232248" cy="1681804"/>
-          </a:xfrm>
-          <a:prstGeom prst="rect">
-            <a:avLst/>
-          </a:prstGeom>
-          <a:noFill/>
-          <a:effectLst>
-            <a:outerShdw blurRad="63500" sx="102000" sy="102000" algn="ctr" rotWithShape="0">
-              <a:prstClr val="black">
-                <a:alpha val="40000"/>
-              </a:prstClr>
-            </a:outerShdw>
-          </a:effectLst>
-          <a:extLst>
-            <a:ext uri="{909E8E84-426E-40DD-AFC4-6F175D3DCCD1}">
-              <a14:hiddenFill xmlns:a14="http://schemas.microsoft.com/office/drawing/2010/main">
-                <a:solidFill>
-                  <a:srgbClr val="FFFFFF"/>
-                </a:solidFill>
-              </a14:hiddenFill>
-            </a:ext>
-          </a:extLst>
-        </p:spPr>
-      </p:pic>
-      <p:pic>
-        <p:nvPicPr>
-          <p:cNvPr id="5" name="Picture 7" descr="C:\Users\dcsdcr\AppData\Local\Microsoft\Windows\Temporary Internet Files\Content.IE5\ERLOFNC8\open-box[1].png"/>
-          <p:cNvPicPr>
-            <a:picLocks noChangeArrowheads="1"/>
-          </p:cNvPicPr>
-          <p:nvPr/>
-        </p:nvPicPr>
-        <p:blipFill>
-          <a:blip r:embed="rId5" cstate="email">
-            <a:duotone>
-              <a:schemeClr val="accent1">
-                <a:shade val="45000"/>
-                <a:satMod val="135000"/>
-              </a:schemeClr>
-              <a:prstClr val="white"/>
-            </a:duotone>
-            <a:extLst>
-              <a:ext uri="{28A0092B-C50C-407E-A947-70E740481C1C}">
-                <a14:useLocalDpi xmlns:a14="http://schemas.microsoft.com/office/drawing/2010/main"/>
-              </a:ext>
-            </a:extLst>
-          </a:blip>
-          <a:srcRect/>
-          <a:stretch>
-            <a:fillRect/>
-          </a:stretch>
-        </p:blipFill>
-        <p:spPr bwMode="auto">
-          <a:xfrm>
-            <a:off x="6111357" y="3796400"/>
-            <a:ext cx="2232248" cy="1681804"/>
-          </a:xfrm>
-          <a:prstGeom prst="rect">
-            <a:avLst/>
-          </a:prstGeom>
-          <a:noFill/>
-          <a:effectLst>
-            <a:outerShdw blurRad="63500" sx="102000" sy="102000" algn="ctr" rotWithShape="0">
-              <a:prstClr val="black">
-                <a:alpha val="40000"/>
-              </a:prstClr>
-            </a:outerShdw>
-          </a:effectLst>
-          <a:extLst>
-            <a:ext uri="{909E8E84-426E-40DD-AFC4-6F175D3DCCD1}">
-              <a14:hiddenFill xmlns:a14="http://schemas.microsoft.com/office/drawing/2010/main">
-                <a:solidFill>
-                  <a:srgbClr val="FFFFFF"/>
-                </a:solidFill>
-              </a14:hiddenFill>
-            </a:ext>
-          </a:extLst>
-        </p:spPr>
-      </p:pic>
-      <p:sp>
-        <p:nvSpPr>
-          <p:cNvPr id="6" name="TextBox 5"/>
-          <p:cNvSpPr txBox="1"/>
-          <p:nvPr/>
-        </p:nvSpPr>
-        <p:spPr>
-          <a:xfrm>
-            <a:off x="827584" y="332656"/>
-            <a:ext cx="7488832" cy="1107996"/>
-          </a:xfrm>
-          <a:prstGeom prst="rect">
-            <a:avLst/>
-          </a:prstGeom>
-          <a:noFill/>
-        </p:spPr>
-        <p:txBody>
-          <a:bodyPr wrap="square" rtlCol="0">
-            <a:spAutoFit/>
-          </a:bodyPr>
-          <a:lstStyle/>
-          <a:p>
-            <a:r>
-              <a:rPr lang="en-US" sz="6600" b="1" dirty="0" smtClean="0">
-                <a:solidFill>
-                  <a:schemeClr val="tx2">
-                    <a:lumMod val="60000"/>
-                    <a:lumOff val="40000"/>
-                  </a:schemeClr>
-                </a:solidFill>
-              </a:rPr>
-              <a:t>Same width</a:t>
-            </a:r>
-            <a:endParaRPr lang="en-SG" sz="6600" b="1" dirty="0">
-              <a:solidFill>
-                <a:schemeClr val="tx2">
-                  <a:lumMod val="60000"/>
-                  <a:lumOff val="40000"/>
-                </a:schemeClr>
-              </a:solidFill>
-            </a:endParaRPr>
-          </a:p>
-        </p:txBody>
-      </p:sp>
-      <p:cxnSp>
-        <p:nvCxnSpPr>
-          <p:cNvPr id="12" name="Straight Connector 7"/>
-          <p:cNvCxnSpPr/>
-          <p:nvPr/>
-        </p:nvCxnSpPr>
-        <p:spPr>
-          <a:xfrm flipH="1">
-            <a:off x="539552" y="3573016"/>
-            <a:ext cx="2232248" cy="0"/>
-          </a:xfrm>
-          <a:prstGeom prst="line">
-            <a:avLst/>
-          </a:prstGeom>
-          <a:ln w="76200">
-            <a:headEnd type="triangle" w="med" len="med"/>
-            <a:tailEnd type="triangle" w="med" len="med"/>
-          </a:ln>
-        </p:spPr>
-        <p:style>
-          <a:lnRef idx="1">
-            <a:schemeClr val="accent1"/>
-          </a:lnRef>
-          <a:fillRef idx="0">
-            <a:schemeClr val="accent1"/>
-          </a:fillRef>
-          <a:effectRef idx="0">
-            <a:schemeClr val="accent1"/>
-          </a:effectRef>
-          <a:fontRef idx="minor">
-            <a:schemeClr val="tx1"/>
-          </a:fontRef>
-        </p:style>
-      </p:cxnSp>
-      <p:cxnSp>
-        <p:nvCxnSpPr>
-          <p:cNvPr id="14" name="Straight Connector 12"/>
-          <p:cNvCxnSpPr/>
-          <p:nvPr/>
-        </p:nvCxnSpPr>
-        <p:spPr>
-          <a:xfrm rot="16200000">
-            <a:off x="1799692" y="4467061"/>
-            <a:ext cx="1944216" cy="0"/>
-          </a:xfrm>
-          <a:prstGeom prst="line">
-            <a:avLst/>
-          </a:prstGeom>
-          <a:ln w="57150">
-            <a:prstDash val="sysDot"/>
-          </a:ln>
-        </p:spPr>
-        <p:style>
-          <a:lnRef idx="1">
-            <a:schemeClr val="accent1"/>
-          </a:lnRef>
-          <a:fillRef idx="0">
-            <a:schemeClr val="accent1"/>
-          </a:fillRef>
-          <a:effectRef idx="0">
-            <a:schemeClr val="accent1"/>
-          </a:effectRef>
-          <a:fontRef idx="minor">
-            <a:schemeClr val="tx1"/>
-          </a:fontRef>
-        </p:style>
-      </p:cxnSp>
-      <p:cxnSp>
-        <p:nvCxnSpPr>
-          <p:cNvPr id="17" name="Straight Connector 12"/>
-          <p:cNvCxnSpPr/>
-          <p:nvPr/>
-        </p:nvCxnSpPr>
-        <p:spPr>
-          <a:xfrm rot="16200000">
-            <a:off x="-432556" y="4473116"/>
-            <a:ext cx="1944216" cy="0"/>
-          </a:xfrm>
-          <a:prstGeom prst="line">
-            <a:avLst/>
-          </a:prstGeom>
-          <a:ln w="57150">
-            <a:prstDash val="sysDot"/>
-          </a:ln>
-        </p:spPr>
-        <p:style>
-          <a:lnRef idx="1">
-            <a:schemeClr val="accent1"/>
-          </a:lnRef>
-          <a:fillRef idx="0">
-            <a:schemeClr val="accent1"/>
-          </a:fillRef>
-          <a:effectRef idx="0">
-            <a:schemeClr val="accent1"/>
-          </a:effectRef>
-          <a:fontRef idx="minor">
-            <a:schemeClr val="tx1"/>
-          </a:fontRef>
-        </p:style>
-      </p:cxnSp>
-      <p:cxnSp>
-        <p:nvCxnSpPr>
-          <p:cNvPr id="9" name="Straight Connector 7"/>
-          <p:cNvCxnSpPr/>
-          <p:nvPr/>
-        </p:nvCxnSpPr>
-        <p:spPr>
-          <a:xfrm flipH="1">
-            <a:off x="3059832" y="3573016"/>
-            <a:ext cx="2232248" cy="0"/>
-          </a:xfrm>
-          <a:prstGeom prst="line">
-            <a:avLst/>
-          </a:prstGeom>
-          <a:ln w="76200">
-            <a:headEnd type="triangle" w="med" len="med"/>
-            <a:tailEnd type="triangle" w="med" len="med"/>
-          </a:ln>
-        </p:spPr>
-        <p:style>
-          <a:lnRef idx="1">
-            <a:schemeClr val="accent1"/>
-          </a:lnRef>
-          <a:fillRef idx="0">
-            <a:schemeClr val="accent1"/>
-          </a:fillRef>
-          <a:effectRef idx="0">
-            <a:schemeClr val="accent1"/>
-          </a:effectRef>
-          <a:fontRef idx="minor">
-            <a:schemeClr val="tx1"/>
-          </a:fontRef>
-        </p:style>
-      </p:cxnSp>
-      <p:cxnSp>
-        <p:nvCxnSpPr>
-          <p:cNvPr id="10" name="Straight Connector 12"/>
-          <p:cNvCxnSpPr/>
-          <p:nvPr/>
-        </p:nvCxnSpPr>
-        <p:spPr>
-          <a:xfrm rot="16200000">
-            <a:off x="4319972" y="4467061"/>
-            <a:ext cx="1944216" cy="0"/>
-          </a:xfrm>
-          <a:prstGeom prst="line">
-            <a:avLst/>
-          </a:prstGeom>
-          <a:ln w="57150">
-            <a:prstDash val="sysDot"/>
-          </a:ln>
-        </p:spPr>
-        <p:style>
-          <a:lnRef idx="1">
-            <a:schemeClr val="accent1"/>
-          </a:lnRef>
-          <a:fillRef idx="0">
-            <a:schemeClr val="accent1"/>
-          </a:fillRef>
-          <a:effectRef idx="0">
-            <a:schemeClr val="accent1"/>
-          </a:effectRef>
-          <a:fontRef idx="minor">
-            <a:schemeClr val="tx1"/>
-          </a:fontRef>
-        </p:style>
-      </p:cxnSp>
-      <p:cxnSp>
-        <p:nvCxnSpPr>
-          <p:cNvPr id="11" name="Straight Connector 12"/>
-          <p:cNvCxnSpPr/>
-          <p:nvPr/>
-        </p:nvCxnSpPr>
-        <p:spPr>
-          <a:xfrm rot="16200000">
-            <a:off x="2087724" y="4473116"/>
-            <a:ext cx="1944216" cy="0"/>
-          </a:xfrm>
-          <a:prstGeom prst="line">
-            <a:avLst/>
-          </a:prstGeom>
-          <a:ln w="57150">
-            <a:prstDash val="sysDot"/>
-          </a:ln>
-        </p:spPr>
-        <p:style>
-          <a:lnRef idx="1">
-            <a:schemeClr val="accent1"/>
-          </a:lnRef>
-          <a:fillRef idx="0">
-            <a:schemeClr val="accent1"/>
-          </a:fillRef>
-          <a:effectRef idx="0">
-            <a:schemeClr val="accent1"/>
-          </a:effectRef>
-          <a:fontRef idx="minor">
-            <a:schemeClr val="tx1"/>
-          </a:fontRef>
-        </p:style>
-      </p:cxnSp>
-      <p:cxnSp>
-        <p:nvCxnSpPr>
-          <p:cNvPr id="13" name="Straight Connector 7"/>
-          <p:cNvCxnSpPr/>
-          <p:nvPr/>
-        </p:nvCxnSpPr>
-        <p:spPr>
-          <a:xfrm flipH="1">
-            <a:off x="6101585" y="3573016"/>
-            <a:ext cx="2232248" cy="0"/>
-          </a:xfrm>
-          <a:prstGeom prst="line">
-            <a:avLst/>
-          </a:prstGeom>
-          <a:ln w="76200">
-            <a:headEnd type="triangle" w="med" len="med"/>
-            <a:tailEnd type="triangle" w="med" len="med"/>
-          </a:ln>
-        </p:spPr>
-        <p:style>
-          <a:lnRef idx="1">
-            <a:schemeClr val="accent1"/>
-          </a:lnRef>
-          <a:fillRef idx="0">
-            <a:schemeClr val="accent1"/>
-          </a:fillRef>
-          <a:effectRef idx="0">
-            <a:schemeClr val="accent1"/>
-          </a:effectRef>
-          <a:fontRef idx="minor">
-            <a:schemeClr val="tx1"/>
-          </a:fontRef>
-        </p:style>
-      </p:cxnSp>
-      <p:cxnSp>
-        <p:nvCxnSpPr>
-          <p:cNvPr id="15" name="Straight Connector 12"/>
-          <p:cNvCxnSpPr/>
-          <p:nvPr/>
-        </p:nvCxnSpPr>
-        <p:spPr>
-          <a:xfrm rot="16200000">
-            <a:off x="7361725" y="4467061"/>
-            <a:ext cx="1944216" cy="0"/>
-          </a:xfrm>
-          <a:prstGeom prst="line">
-            <a:avLst/>
-          </a:prstGeom>
-          <a:ln w="57150">
-            <a:prstDash val="sysDot"/>
-          </a:ln>
-        </p:spPr>
-        <p:style>
-          <a:lnRef idx="1">
-            <a:schemeClr val="accent1"/>
-          </a:lnRef>
-          <a:fillRef idx="0">
-            <a:schemeClr val="accent1"/>
-          </a:fillRef>
-          <a:effectRef idx="0">
-            <a:schemeClr val="accent1"/>
-          </a:effectRef>
-          <a:fontRef idx="minor">
-            <a:schemeClr val="tx1"/>
-          </a:fontRef>
-        </p:style>
-      </p:cxnSp>
-      <p:cxnSp>
-        <p:nvCxnSpPr>
-          <p:cNvPr id="16" name="Straight Connector 12"/>
-          <p:cNvCxnSpPr/>
-          <p:nvPr/>
-        </p:nvCxnSpPr>
-        <p:spPr>
-          <a:xfrm rot="16200000">
-            <a:off x="5129477" y="4473116"/>
-            <a:ext cx="1944216" cy="0"/>
-          </a:xfrm>
-          <a:prstGeom prst="line">
-            <a:avLst/>
-          </a:prstGeom>
-          <a:ln w="57150">
-            <a:prstDash val="sysDot"/>
-          </a:ln>
-        </p:spPr>
-        <p:style>
-          <a:lnRef idx="1">
-            <a:schemeClr val="accent1"/>
-          </a:lnRef>
-          <a:fillRef idx="0">
-            <a:schemeClr val="accent1"/>
-          </a:fillRef>
-          <a:effectRef idx="0">
-            <a:schemeClr val="accent1"/>
-          </a:effectRef>
-          <a:fontRef idx="minor">
-            <a:schemeClr val="tx1"/>
-          </a:fontRef>
-        </p:style>
-      </p:cxnSp>
-    </p:spTree>
-    <p:extLst>
-      <p:ext uri="{BB962C8B-B14F-4D97-AF65-F5344CB8AC3E}">
-        <p14:creationId xmlns:p14="http://schemas.microsoft.com/office/powerpoint/2010/main" val="2584794426"/>
-      </p:ext>
-    </p:extLst>
-  </p:cSld>
-  <p:clrMapOvr>
-    <a:masterClrMapping/>
-  </p:clrMapOvr>
-  <mc:AlternateContent xmlns:mc="http://schemas.openxmlformats.org/markup-compatibility/2006" xmlns:p14="http://schemas.microsoft.com/office/powerpoint/2010/main">
-    <mc:Choice Requires="p14">
-      <p:transition spd="med" p14:dur="700" advTm="2000">
-        <p:fade/>
-      </p:transition>
-    </mc:Choice>
-    <mc:Fallback xmlns="">
-      <p:transition spd="med" advTm="2000">
-        <p:fade/>
-      </p:transition>
-    </mc:Fallback>
-  </mc:AlternateContent>
-  <p:timing>
-    <p:tnLst>
-      <p:par>
-        <p:cTn id="1" dur="indefinite" restart="never" nodeType="tmRoot">
-          <p:childTnLst>
-            <p:seq concurrent="1" nextAc="seek">
-              <p:cTn id="2" dur="indefinite" nodeType="mainSeq">
-                <p:childTnLst>
-                  <p:par>
-                    <p:cTn id="3" fill="hold">
-                      <p:stCondLst>
-                        <p:cond delay="indefinite"/>
-                        <p:cond evt="onBegin" delay="0">
-                          <p:tn val="2"/>
-                        </p:cond>
-                      </p:stCondLst>
-                      <p:childTnLst>
-                        <p:par>
-                          <p:cTn id="4" fill="hold">
-                            <p:stCondLst>
-                              <p:cond delay="0"/>
-                            </p:stCondLst>
-                            <p:childTnLst>
-                              <p:par>
-                                <p:cTn id="5" presetID="10" presetClass="entr" presetSubtype="0" fill="hold" nodeType="afterEffect">
-                                  <p:stCondLst>
-                                    <p:cond delay="0"/>
-                                  </p:stCondLst>
-                                  <p:childTnLst>
-                                    <p:set>
-                                      <p:cBhvr>
-                                        <p:cTn id="6" dur="1" fill="hold">
-                                          <p:stCondLst>
-                                            <p:cond delay="0"/>
-                                          </p:stCondLst>
-                                        </p:cTn>
-                                        <p:tgtEl>
-                                          <p:spTgt spid="11"/>
-                                        </p:tgtEl>
-                                        <p:attrNameLst>
-                                          <p:attrName>style.visibility</p:attrName>
-                                        </p:attrNameLst>
-                                      </p:cBhvr>
-                                      <p:to>
-                                        <p:strVal val="visible"/>
-                                      </p:to>
-                                    </p:set>
-                                    <p:animEffect transition="in" filter="fade">
-                                      <p:cBhvr>
-                                        <p:cTn id="7" dur="500"/>
-                                        <p:tgtEl>
-                                          <p:spTgt spid="11"/>
-                                        </p:tgtEl>
-                                      </p:cBhvr>
-                                    </p:animEffect>
-                                  </p:childTnLst>
-                                </p:cTn>
-                              </p:par>
-                              <p:par>
-                                <p:cTn id="8" presetID="10" presetClass="entr" presetSubtype="0" fill="hold" nodeType="withEffect">
-                                  <p:stCondLst>
-                                    <p:cond delay="0"/>
-                                  </p:stCondLst>
-                                  <p:childTnLst>
-                                    <p:set>
-                                      <p:cBhvr>
-                                        <p:cTn id="9" dur="1" fill="hold">
-                                          <p:stCondLst>
-                                            <p:cond delay="0"/>
-                                          </p:stCondLst>
-                                        </p:cTn>
-                                        <p:tgtEl>
-                                          <p:spTgt spid="9"/>
-                                        </p:tgtEl>
-                                        <p:attrNameLst>
-                                          <p:attrName>style.visibility</p:attrName>
-                                        </p:attrNameLst>
-                                      </p:cBhvr>
-                                      <p:to>
-                                        <p:strVal val="visible"/>
-                                      </p:to>
-                                    </p:set>
-                                    <p:animEffect transition="in" filter="fade">
-                                      <p:cBhvr>
-                                        <p:cTn id="10" dur="500"/>
-                                        <p:tgtEl>
-                                          <p:spTgt spid="9"/>
-                                        </p:tgtEl>
-                                      </p:cBhvr>
-                                    </p:animEffect>
-                                  </p:childTnLst>
-                                </p:cTn>
-                              </p:par>
-                              <p:par>
-                                <p:cTn id="11" presetID="10" presetClass="entr" presetSubtype="0" fill="hold" nodeType="withEffect">
-                                  <p:stCondLst>
-                                    <p:cond delay="0"/>
-                                  </p:stCondLst>
-                                  <p:childTnLst>
-                                    <p:set>
-                                      <p:cBhvr>
-                                        <p:cTn id="12" dur="1" fill="hold">
-                                          <p:stCondLst>
-                                            <p:cond delay="0"/>
-                                          </p:stCondLst>
-                                        </p:cTn>
-                                        <p:tgtEl>
-                                          <p:spTgt spid="10"/>
-                                        </p:tgtEl>
-                                        <p:attrNameLst>
-                                          <p:attrName>style.visibility</p:attrName>
-                                        </p:attrNameLst>
-                                      </p:cBhvr>
-                                      <p:to>
-                                        <p:strVal val="visible"/>
-                                      </p:to>
-                                    </p:set>
-                                    <p:animEffect transition="in" filter="fade">
-                                      <p:cBhvr>
-                                        <p:cTn id="13" dur="500"/>
-                                        <p:tgtEl>
-                                          <p:spTgt spid="10"/>
-                                        </p:tgtEl>
-                                      </p:cBhvr>
-                                    </p:animEffect>
-                                  </p:childTnLst>
-                                </p:cTn>
-                              </p:par>
-                              <p:par>
-                                <p:cTn id="14" presetID="10" presetClass="entr" presetSubtype="0" fill="hold" nodeType="withEffect">
-                                  <p:stCondLst>
-                                    <p:cond delay="0"/>
-                                  </p:stCondLst>
-                                  <p:childTnLst>
-                                    <p:set>
-                                      <p:cBhvr>
-                                        <p:cTn id="15" dur="1" fill="hold">
-                                          <p:stCondLst>
-                                            <p:cond delay="0"/>
-                                          </p:stCondLst>
-                                        </p:cTn>
-                                        <p:tgtEl>
-                                          <p:spTgt spid="16"/>
-                                        </p:tgtEl>
-                                        <p:attrNameLst>
-                                          <p:attrName>style.visibility</p:attrName>
-                                        </p:attrNameLst>
-                                      </p:cBhvr>
-                                      <p:to>
-                                        <p:strVal val="visible"/>
-                                      </p:to>
-                                    </p:set>
-                                    <p:animEffect transition="in" filter="fade">
-                                      <p:cBhvr>
-                                        <p:cTn id="16" dur="500"/>
-                                        <p:tgtEl>
-                                          <p:spTgt spid="16"/>
-                                        </p:tgtEl>
-                                      </p:cBhvr>
-                                    </p:animEffect>
-                                  </p:childTnLst>
-                                </p:cTn>
-                              </p:par>
-                              <p:par>
-                                <p:cTn id="17" presetID="10" presetClass="entr" presetSubtype="0" fill="hold" nodeType="withEffect">
-                                  <p:stCondLst>
-                                    <p:cond delay="0"/>
-                                  </p:stCondLst>
-                                  <p:childTnLst>
-                                    <p:set>
-                                      <p:cBhvr>
-                                        <p:cTn id="18" dur="1" fill="hold">
-                                          <p:stCondLst>
-                                            <p:cond delay="0"/>
-                                          </p:stCondLst>
-                                        </p:cTn>
-                                        <p:tgtEl>
-                                          <p:spTgt spid="13"/>
-                                        </p:tgtEl>
-                                        <p:attrNameLst>
-                                          <p:attrName>style.visibility</p:attrName>
-                                        </p:attrNameLst>
-                                      </p:cBhvr>
-                                      <p:to>
-                                        <p:strVal val="visible"/>
-                                      </p:to>
-                                    </p:set>
-                                    <p:animEffect transition="in" filter="fade">
-                                      <p:cBhvr>
-                                        <p:cTn id="19" dur="500"/>
-                                        <p:tgtEl>
-                                          <p:spTgt spid="13"/>
-                                        </p:tgtEl>
-                                      </p:cBhvr>
-                                    </p:animEffect>
-                                  </p:childTnLst>
-                                </p:cTn>
-                              </p:par>
-                              <p:par>
-                                <p:cTn id="20" presetID="10" presetClass="entr" presetSubtype="0" fill="hold" nodeType="withEffect">
-                                  <p:stCondLst>
-                                    <p:cond delay="0"/>
-                                  </p:stCondLst>
-                                  <p:childTnLst>
-                                    <p:set>
-                                      <p:cBhvr>
-                                        <p:cTn id="21" dur="1" fill="hold">
-                                          <p:stCondLst>
-                                            <p:cond delay="0"/>
-                                          </p:stCondLst>
-                                        </p:cTn>
-                                        <p:tgtEl>
-                                          <p:spTgt spid="15"/>
-                                        </p:tgtEl>
-                                        <p:attrNameLst>
-                                          <p:attrName>style.visibility</p:attrName>
-                                        </p:attrNameLst>
-                                      </p:cBhvr>
-                                      <p:to>
-                                        <p:strVal val="visible"/>
-                                      </p:to>
-                                    </p:set>
-                                    <p:animEffect transition="in" filter="fade">
-                                      <p:cBhvr>
-                                        <p:cTn id="22" dur="500"/>
-                                        <p:tgtEl>
-                                          <p:spTgt spid="15"/>
-                                        </p:tgtEl>
-                                      </p:cBhvr>
-                                    </p:animEffect>
-                                  </p:childTnLst>
-                                </p:cTn>
-                              </p:par>
-                            </p:childTnLst>
-                          </p:cTn>
-                        </p:par>
-                      </p:childTnLst>
-                    </p:cTn>
-                  </p:par>
-                </p:childTnLst>
-              </p:cTn>
-              <p:prevCondLst>
-                <p:cond evt="onPrev" delay="0">
-                  <p:tgtEl>
-                    <p:sldTgt/>
-                  </p:tgtEl>
-                </p:cond>
-              </p:prevCondLst>
-              <p:nextCondLst>
-                <p:cond evt="onNext" delay="0">
-                  <p:tgtEl>
-                    <p:sldTgt/>
-                  </p:tgtEl>
-                </p:cond>
-              </p:nextCondLst>
-            </p:seq>
-          </p:childTnLst>
-        </p:cTn>
-      </p:par>
-    </p:tnLst>
-  </p:timing>
-</p:sld>
-</file>
-
-<file path=ppt/slides/slide11.xml><?xml version="1.0" encoding="utf-8"?>
-<p:sld xmlns:a="http://schemas.openxmlformats.org/drawingml/2006/main" xmlns:r="http://schemas.openxmlformats.org/officeDocument/2006/relationships" xmlns:p="http://schemas.openxmlformats.org/presentationml/2006/main">
-  <p:cSld name="PPSlideStart_201604241932214235_12a22da">
-    <p:spTree>
-      <p:nvGrpSpPr>
-        <p:cNvPr id="1" name=""/>
-        <p:cNvGrpSpPr/>
-        <p:nvPr/>
-      </p:nvGrpSpPr>
-      <p:grpSpPr>
-        <a:xfrm>
-          <a:off x="0" y="0"/>
-          <a:ext cx="0" cy="0"/>
-          <a:chOff x="0" y="0"/>
-          <a:chExt cx="0" cy="0"/>
-        </a:xfrm>
-      </p:grpSpPr>
-      <p:sp>
-        <p:nvSpPr>
-          <p:cNvPr id="2" name="v"/>
-          <p:cNvSpPr/>
-          <p:nvPr/>
-        </p:nvSpPr>
-        <p:spPr>
-          <a:xfrm>
-            <a:off x="1543542" y="1412776"/>
-            <a:ext cx="954501" cy="3953203"/>
-          </a:xfrm>
-          <a:prstGeom prst="rect">
-            <a:avLst/>
-          </a:prstGeom>
-          <a:solidFill>
-            <a:schemeClr val="accent1">
-              <a:lumMod val="20000"/>
-              <a:lumOff val="80000"/>
-            </a:schemeClr>
-          </a:solidFill>
-          <a:ln>
-            <a:noFill/>
-          </a:ln>
-        </p:spPr>
-        <p:style>
-          <a:lnRef idx="2">
-            <a:schemeClr val="accent1">
-              <a:shade val="50000"/>
-            </a:schemeClr>
-          </a:lnRef>
-          <a:fillRef idx="1">
-            <a:schemeClr val="accent1"/>
-          </a:fillRef>
-          <a:effectRef idx="0">
-            <a:schemeClr val="accent1"/>
-          </a:effectRef>
-          <a:fontRef idx="minor">
-            <a:schemeClr val="lt1"/>
-          </a:fontRef>
-        </p:style>
-        <p:txBody>
-          <a:bodyPr rtlCol="0" anchor="ctr"/>
-          <a:lstStyle/>
-          <a:p>
-            <a:pPr algn="ctr"/>
-            <a:endParaRPr lang="en-SG"/>
-          </a:p>
-        </p:txBody>
-      </p:sp>
-      <p:sp>
-        <p:nvSpPr>
-          <p:cNvPr id="4" name="TextBox 5"/>
-          <p:cNvSpPr txBox="1"/>
-          <p:nvPr/>
-        </p:nvSpPr>
-        <p:spPr>
-          <a:xfrm>
-            <a:off x="2467662" y="2465020"/>
-            <a:ext cx="5992770" cy="1107996"/>
-          </a:xfrm>
-          <a:prstGeom prst="rect">
-            <a:avLst/>
-          </a:prstGeom>
-          <a:noFill/>
-        </p:spPr>
-        <p:txBody>
-          <a:bodyPr wrap="square" rtlCol="0">
-            <a:spAutoFit/>
-          </a:bodyPr>
-          <a:lstStyle/>
-          <a:p>
-            <a:r>
-              <a:rPr lang="en-US" sz="6600" b="1" dirty="0" smtClean="0">
-                <a:solidFill>
-                  <a:schemeClr val="tx2">
-                    <a:lumMod val="60000"/>
-                    <a:lumOff val="40000"/>
-                  </a:schemeClr>
-                </a:solidFill>
-              </a:rPr>
-              <a:t>… and more!</a:t>
-            </a:r>
-            <a:endParaRPr lang="en-SG" sz="6600" b="1" dirty="0">
-              <a:solidFill>
-                <a:schemeClr val="tx2">
-                  <a:lumMod val="60000"/>
-                  <a:lumOff val="40000"/>
-                </a:schemeClr>
-              </a:solidFill>
-            </a:endParaRPr>
-          </a:p>
-        </p:txBody>
-      </p:sp>
-      <p:sp>
-        <p:nvSpPr>
-          <p:cNvPr id="6" name="Rectangle 5"/>
-          <p:cNvSpPr/>
-          <p:nvPr/>
-        </p:nvSpPr>
-        <p:spPr>
-          <a:xfrm>
-            <a:off x="855535" y="3698027"/>
-            <a:ext cx="6452770" cy="974114"/>
-          </a:xfrm>
-          <a:prstGeom prst="rect">
-            <a:avLst/>
-          </a:prstGeom>
-          <a:solidFill>
-            <a:schemeClr val="accent1">
-              <a:lumMod val="20000"/>
-              <a:lumOff val="80000"/>
-            </a:schemeClr>
-          </a:solidFill>
-          <a:ln>
-            <a:noFill/>
-          </a:ln>
-        </p:spPr>
-        <p:style>
-          <a:lnRef idx="2">
-            <a:schemeClr val="accent1">
-              <a:shade val="50000"/>
-            </a:schemeClr>
-          </a:lnRef>
-          <a:fillRef idx="1">
-            <a:schemeClr val="accent1"/>
-          </a:fillRef>
-          <a:effectRef idx="0">
-            <a:schemeClr val="accent1"/>
-          </a:effectRef>
-          <a:fontRef idx="minor">
-            <a:schemeClr val="lt1"/>
-          </a:fontRef>
-        </p:style>
-        <p:txBody>
-          <a:bodyPr rtlCol="0" anchor="ctr"/>
-          <a:lstStyle/>
-          <a:p>
-            <a:pPr algn="ctr"/>
-            <a:endParaRPr lang="en-SG"/>
-          </a:p>
-        </p:txBody>
-      </p:sp>
-      <p:sp>
-        <p:nvSpPr>
-          <p:cNvPr id="7" name="Down Arrow 6"/>
-          <p:cNvSpPr/>
-          <p:nvPr/>
-        </p:nvSpPr>
-        <p:spPr>
-          <a:xfrm rot="5400000">
-            <a:off x="-76157" y="3820992"/>
-            <a:ext cx="1871385" cy="734554"/>
-          </a:xfrm>
-          <a:prstGeom prst="downArrow">
-            <a:avLst/>
-          </a:prstGeom>
-          <a:solidFill>
-            <a:schemeClr val="accent1">
-              <a:lumMod val="20000"/>
-              <a:lumOff val="80000"/>
-            </a:schemeClr>
-          </a:solidFill>
-          <a:ln>
-            <a:noFill/>
-          </a:ln>
-        </p:spPr>
-        <p:style>
-          <a:lnRef idx="2">
-            <a:schemeClr val="accent1">
-              <a:shade val="50000"/>
-            </a:schemeClr>
-          </a:lnRef>
-          <a:fillRef idx="1">
-            <a:schemeClr val="accent1"/>
-          </a:fillRef>
-          <a:effectRef idx="0">
-            <a:schemeClr val="accent1"/>
-          </a:effectRef>
-          <a:fontRef idx="minor">
-            <a:schemeClr val="lt1"/>
-          </a:fontRef>
-        </p:style>
-        <p:txBody>
-          <a:bodyPr rtlCol="0" anchor="ctr"/>
-          <a:lstStyle/>
-          <a:p>
-            <a:pPr algn="ctr"/>
-            <a:endParaRPr lang="en-SG"/>
-          </a:p>
-        </p:txBody>
-      </p:sp>
-      <p:sp>
-        <p:nvSpPr>
-          <p:cNvPr id="8" name="Down Arrow 7"/>
-          <p:cNvSpPr/>
-          <p:nvPr/>
-        </p:nvSpPr>
-        <p:spPr>
-          <a:xfrm rot="16200000">
-            <a:off x="6353723" y="3817807"/>
-            <a:ext cx="1871385" cy="734554"/>
-          </a:xfrm>
-          <a:prstGeom prst="downArrow">
-            <a:avLst/>
-          </a:prstGeom>
-          <a:solidFill>
-            <a:schemeClr val="accent1">
-              <a:lumMod val="20000"/>
-              <a:lumOff val="80000"/>
-            </a:schemeClr>
-          </a:solidFill>
-          <a:ln>
-            <a:noFill/>
-          </a:ln>
-        </p:spPr>
-        <p:style>
-          <a:lnRef idx="2">
-            <a:schemeClr val="accent1">
-              <a:shade val="50000"/>
-            </a:schemeClr>
-          </a:lnRef>
-          <a:fillRef idx="1">
-            <a:schemeClr val="accent1"/>
-          </a:fillRef>
-          <a:effectRef idx="0">
-            <a:schemeClr val="accent1"/>
-          </a:effectRef>
-          <a:fontRef idx="minor">
-            <a:schemeClr val="lt1"/>
-          </a:fontRef>
-        </p:style>
-        <p:txBody>
-          <a:bodyPr rtlCol="0" anchor="ctr"/>
-          <a:lstStyle/>
-          <a:p>
-            <a:pPr algn="ctr"/>
-            <a:endParaRPr lang="en-SG"/>
-          </a:p>
-        </p:txBody>
-      </p:sp>
-      <p:sp>
-        <p:nvSpPr>
-          <p:cNvPr id="9" name="Down Arrow 8"/>
-          <p:cNvSpPr/>
-          <p:nvPr/>
-        </p:nvSpPr>
-        <p:spPr>
-          <a:xfrm>
-            <a:off x="1085100" y="5000113"/>
-            <a:ext cx="1871385" cy="734554"/>
-          </a:xfrm>
-          <a:prstGeom prst="downArrow">
-            <a:avLst/>
-          </a:prstGeom>
-          <a:solidFill>
-            <a:schemeClr val="accent1">
-              <a:lumMod val="20000"/>
-              <a:lumOff val="80000"/>
-            </a:schemeClr>
-          </a:solidFill>
-          <a:ln>
-            <a:noFill/>
-          </a:ln>
-        </p:spPr>
-        <p:style>
-          <a:lnRef idx="2">
-            <a:schemeClr val="accent1">
-              <a:shade val="50000"/>
-            </a:schemeClr>
-          </a:lnRef>
-          <a:fillRef idx="1">
-            <a:schemeClr val="accent1"/>
-          </a:fillRef>
-          <a:effectRef idx="0">
-            <a:schemeClr val="accent1"/>
-          </a:effectRef>
-          <a:fontRef idx="minor">
-            <a:schemeClr val="lt1"/>
-          </a:fontRef>
-        </p:style>
-        <p:txBody>
-          <a:bodyPr rtlCol="0" anchor="ctr"/>
-          <a:lstStyle/>
-          <a:p>
-            <a:pPr algn="ctr"/>
-            <a:endParaRPr lang="en-SG"/>
-          </a:p>
-        </p:txBody>
-      </p:sp>
-      <p:sp>
-        <p:nvSpPr>
-          <p:cNvPr id="10" name="Down Arrow 9"/>
-          <p:cNvSpPr/>
-          <p:nvPr/>
-        </p:nvSpPr>
-        <p:spPr>
-          <a:xfrm rot="10800000">
-            <a:off x="1079907" y="1131437"/>
-            <a:ext cx="1871385" cy="734554"/>
-          </a:xfrm>
-          <a:prstGeom prst="downArrow">
-            <a:avLst/>
-          </a:prstGeom>
-          <a:solidFill>
-            <a:schemeClr val="accent1">
-              <a:lumMod val="20000"/>
-              <a:lumOff val="80000"/>
-            </a:schemeClr>
-          </a:solidFill>
-          <a:ln>
-            <a:noFill/>
-          </a:ln>
-        </p:spPr>
-        <p:style>
-          <a:lnRef idx="2">
-            <a:schemeClr val="accent1">
-              <a:shade val="50000"/>
-            </a:schemeClr>
-          </a:lnRef>
-          <a:fillRef idx="1">
-            <a:schemeClr val="accent1"/>
-          </a:fillRef>
-          <a:effectRef idx="0">
-            <a:schemeClr val="accent1"/>
-          </a:effectRef>
-          <a:fontRef idx="minor">
-            <a:schemeClr val="lt1"/>
-          </a:fontRef>
-        </p:style>
-        <p:txBody>
-          <a:bodyPr rtlCol="0" anchor="ctr"/>
-          <a:lstStyle/>
-          <a:p>
-            <a:pPr algn="ctr"/>
-            <a:endParaRPr lang="en-SG"/>
-          </a:p>
-        </p:txBody>
-      </p:sp>
-    </p:spTree>
-    <p:extLst>
-      <p:ext uri="{BB962C8B-B14F-4D97-AF65-F5344CB8AC3E}">
-        <p14:creationId xmlns:p14="http://schemas.microsoft.com/office/powerpoint/2010/main" val="4006131754"/>
-      </p:ext>
-    </p:extLst>
-  </p:cSld>
-  <p:clrMapOvr>
-    <a:masterClrMapping/>
-  </p:clrMapOvr>
-  <mc:AlternateContent xmlns:mc="http://schemas.openxmlformats.org/markup-compatibility/2006" xmlns:p14="http://schemas.microsoft.com/office/powerpoint/2010/main">
-    <mc:Choice Requires="p14">
-      <p:transition spd="med" p14:dur="700" advTm="0">
-        <p:fade/>
-      </p:transition>
-    </mc:Choice>
-    <mc:Fallback xmlns="">
-      <p:transition spd="med" advTm="0">
-        <p:fade/>
-      </p:transition>
-    </mc:Fallback>
-  </mc:AlternateContent>
-  <p:timing>
-    <p:tnLst>
-      <p:par>
-        <p:cTn id="1" dur="indefinite" restart="never" nodeType="tmRoot">
-          <p:childTnLst>
-            <p:seq concurrent="1" nextAc="seek">
-              <p:cTn id="2" dur="indefinite" nodeType="mainSeq">
-                <p:childTnLst>
-                  <p:par>
-                    <p:cTn id="3" fill="hold">
-                      <p:stCondLst>
-                        <p:cond delay="indefinite"/>
-                        <p:cond evt="onBegin" delay="0">
-                          <p:tn val="2"/>
-                        </p:cond>
-                      </p:stCondLst>
-                      <p:childTnLst>
-                        <p:par>
-                          <p:cTn id="4" fill="hold">
-                            <p:stCondLst>
-                              <p:cond delay="0"/>
-                            </p:stCondLst>
-                            <p:childTnLst>
-                              <p:par>
-                                <p:cTn id="5" presetID="10" presetClass="entr" presetSubtype="0" fill="hold" grpId="0" nodeType="afterEffect">
-                                  <p:stCondLst>
-                                    <p:cond delay="0"/>
-                                  </p:stCondLst>
-                                  <p:childTnLst>
-                                    <p:set>
-                                      <p:cBhvr>
-                                        <p:cTn id="6" dur="1" fill="hold">
-                                          <p:stCondLst>
-                                            <p:cond delay="0"/>
-                                          </p:stCondLst>
-                                        </p:cTn>
-                                        <p:tgtEl>
-                                          <p:spTgt spid="2"/>
-                                        </p:tgtEl>
-                                        <p:attrNameLst>
-                                          <p:attrName>style.visibility</p:attrName>
-                                        </p:attrNameLst>
-                                      </p:cBhvr>
-                                      <p:to>
-                                        <p:strVal val="visible"/>
-                                      </p:to>
-                                    </p:set>
-                                    <p:animEffect transition="in" filter="fade">
-                                      <p:cBhvr>
-                                        <p:cTn id="7" dur="500"/>
-                                        <p:tgtEl>
-                                          <p:spTgt spid="2"/>
-                                        </p:tgtEl>
-                                      </p:cBhvr>
-                                    </p:animEffect>
-                                  </p:childTnLst>
-                                </p:cTn>
-                              </p:par>
-                              <p:par>
-                                <p:cTn id="8" presetID="10" presetClass="entr" presetSubtype="0" fill="hold" grpId="0" nodeType="withEffect">
-                                  <p:stCondLst>
-                                    <p:cond delay="0"/>
-                                  </p:stCondLst>
-                                  <p:childTnLst>
-                                    <p:set>
-                                      <p:cBhvr>
-                                        <p:cTn id="9" dur="1" fill="hold">
-                                          <p:stCondLst>
-                                            <p:cond delay="0"/>
-                                          </p:stCondLst>
-                                        </p:cTn>
-                                        <p:tgtEl>
-                                          <p:spTgt spid="4"/>
-                                        </p:tgtEl>
-                                        <p:attrNameLst>
-                                          <p:attrName>style.visibility</p:attrName>
-                                        </p:attrNameLst>
-                                      </p:cBhvr>
-                                      <p:to>
-                                        <p:strVal val="visible"/>
-                                      </p:to>
-                                    </p:set>
-                                    <p:animEffect transition="in" filter="fade">
-                                      <p:cBhvr>
-                                        <p:cTn id="10" dur="500"/>
-                                        <p:tgtEl>
-                                          <p:spTgt spid="4"/>
-                                        </p:tgtEl>
-                                      </p:cBhvr>
-                                    </p:animEffect>
-                                  </p:childTnLst>
-                                </p:cTn>
-                              </p:par>
-                              <p:par>
-                                <p:cTn id="11" presetID="10" presetClass="entr" presetSubtype="0" fill="hold" grpId="0" nodeType="withEffect">
-                                  <p:stCondLst>
-                                    <p:cond delay="0"/>
-                                  </p:stCondLst>
-                                  <p:childTnLst>
-                                    <p:set>
-                                      <p:cBhvr>
-                                        <p:cTn id="12" dur="1" fill="hold">
-                                          <p:stCondLst>
-                                            <p:cond delay="0"/>
-                                          </p:stCondLst>
-                                        </p:cTn>
-                                        <p:tgtEl>
-                                          <p:spTgt spid="6"/>
-                                        </p:tgtEl>
-                                        <p:attrNameLst>
-                                          <p:attrName>style.visibility</p:attrName>
-                                        </p:attrNameLst>
-                                      </p:cBhvr>
-                                      <p:to>
-                                        <p:strVal val="visible"/>
-                                      </p:to>
-                                    </p:set>
-                                    <p:animEffect transition="in" filter="fade">
-                                      <p:cBhvr>
-                                        <p:cTn id="13" dur="500"/>
-                                        <p:tgtEl>
-                                          <p:spTgt spid="6"/>
-                                        </p:tgtEl>
-                                      </p:cBhvr>
-                                    </p:animEffect>
-                                  </p:childTnLst>
-                                </p:cTn>
-                              </p:par>
-                              <p:par>
-                                <p:cTn id="14" presetID="10" presetClass="entr" presetSubtype="0" fill="hold" grpId="0" nodeType="withEffect">
-                                  <p:stCondLst>
-                                    <p:cond delay="0"/>
-                                  </p:stCondLst>
-                                  <p:childTnLst>
-                                    <p:set>
-                                      <p:cBhvr>
-                                        <p:cTn id="15" dur="1" fill="hold">
-                                          <p:stCondLst>
-                                            <p:cond delay="0"/>
-                                          </p:stCondLst>
-                                        </p:cTn>
-                                        <p:tgtEl>
-                                          <p:spTgt spid="10"/>
-                                        </p:tgtEl>
-                                        <p:attrNameLst>
-                                          <p:attrName>style.visibility</p:attrName>
-                                        </p:attrNameLst>
-                                      </p:cBhvr>
-                                      <p:to>
-                                        <p:strVal val="visible"/>
-                                      </p:to>
-                                    </p:set>
-                                    <p:animEffect transition="in" filter="fade">
-                                      <p:cBhvr>
-                                        <p:cTn id="16" dur="500"/>
-                                        <p:tgtEl>
-                                          <p:spTgt spid="10"/>
-                                        </p:tgtEl>
-                                      </p:cBhvr>
-                                    </p:animEffect>
-                                  </p:childTnLst>
-                                </p:cTn>
-                              </p:par>
-                              <p:par>
-                                <p:cTn id="17" presetID="10" presetClass="entr" presetSubtype="0" fill="hold" grpId="0" nodeType="withEffect">
-                                  <p:stCondLst>
-                                    <p:cond delay="0"/>
-                                  </p:stCondLst>
-                                  <p:childTnLst>
-                                    <p:set>
-                                      <p:cBhvr>
-                                        <p:cTn id="18" dur="1" fill="hold">
-                                          <p:stCondLst>
-                                            <p:cond delay="0"/>
-                                          </p:stCondLst>
-                                        </p:cTn>
-                                        <p:tgtEl>
-                                          <p:spTgt spid="7"/>
-                                        </p:tgtEl>
-                                        <p:attrNameLst>
-                                          <p:attrName>style.visibility</p:attrName>
-                                        </p:attrNameLst>
-                                      </p:cBhvr>
-                                      <p:to>
-                                        <p:strVal val="visible"/>
-                                      </p:to>
-                                    </p:set>
-                                    <p:animEffect transition="in" filter="fade">
-                                      <p:cBhvr>
-                                        <p:cTn id="19" dur="500"/>
-                                        <p:tgtEl>
-                                          <p:spTgt spid="7"/>
-                                        </p:tgtEl>
-                                      </p:cBhvr>
-                                    </p:animEffect>
-                                  </p:childTnLst>
-                                </p:cTn>
-                              </p:par>
-                              <p:par>
-                                <p:cTn id="20" presetID="10" presetClass="entr" presetSubtype="0" fill="hold" grpId="0" nodeType="withEffect">
-                                  <p:stCondLst>
-                                    <p:cond delay="0"/>
-                                  </p:stCondLst>
-                                  <p:childTnLst>
-                                    <p:set>
-                                      <p:cBhvr>
-                                        <p:cTn id="21" dur="1" fill="hold">
-                                          <p:stCondLst>
-                                            <p:cond delay="0"/>
-                                          </p:stCondLst>
-                                        </p:cTn>
-                                        <p:tgtEl>
-                                          <p:spTgt spid="8"/>
-                                        </p:tgtEl>
-                                        <p:attrNameLst>
-                                          <p:attrName>style.visibility</p:attrName>
-                                        </p:attrNameLst>
-                                      </p:cBhvr>
-                                      <p:to>
-                                        <p:strVal val="visible"/>
-                                      </p:to>
-                                    </p:set>
-                                    <p:animEffect transition="in" filter="fade">
-                                      <p:cBhvr>
-                                        <p:cTn id="22" dur="500"/>
-                                        <p:tgtEl>
-                                          <p:spTgt spid="8"/>
-                                        </p:tgtEl>
-                                      </p:cBhvr>
-                                    </p:animEffect>
-                                  </p:childTnLst>
-                                </p:cTn>
-                              </p:par>
-                              <p:par>
-                                <p:cTn id="23" presetID="10" presetClass="entr" presetSubtype="0" fill="hold" grpId="0" nodeType="withEffect">
-                                  <p:stCondLst>
-                                    <p:cond delay="0"/>
-                                  </p:stCondLst>
-                                  <p:childTnLst>
-                                    <p:set>
-                                      <p:cBhvr>
-                                        <p:cTn id="24" dur="1" fill="hold">
-                                          <p:stCondLst>
-                                            <p:cond delay="0"/>
-                                          </p:stCondLst>
-                                        </p:cTn>
-                                        <p:tgtEl>
-                                          <p:spTgt spid="9"/>
-                                        </p:tgtEl>
-                                        <p:attrNameLst>
-                                          <p:attrName>style.visibility</p:attrName>
-                                        </p:attrNameLst>
-                                      </p:cBhvr>
-                                      <p:to>
-                                        <p:strVal val="visible"/>
-                                      </p:to>
-                                    </p:set>
-                                    <p:animEffect transition="in" filter="fade">
-                                      <p:cBhvr>
-                                        <p:cTn id="25" dur="500"/>
-                                        <p:tgtEl>
-                                          <p:spTgt spid="9"/>
-                                        </p:tgtEl>
-                                      </p:cBhvr>
-                                    </p:animEffect>
-                                  </p:childTnLst>
-                                </p:cTn>
-                              </p:par>
-                            </p:childTnLst>
-                          </p:cTn>
-                        </p:par>
-                      </p:childTnLst>
-                    </p:cTn>
-                  </p:par>
-                </p:childTnLst>
-              </p:cTn>
-              <p:prevCondLst>
-                <p:cond evt="onPrev" delay="0">
-                  <p:tgtEl>
-                    <p:sldTgt/>
-                  </p:tgtEl>
-                </p:cond>
-              </p:prevCondLst>
-              <p:nextCondLst>
-                <p:cond evt="onNext" delay="0">
-                  <p:tgtEl>
-                    <p:sldTgt/>
-                  </p:tgtEl>
-                </p:cond>
-              </p:nextCondLst>
-            </p:seq>
-          </p:childTnLst>
-        </p:cTn>
-      </p:par>
-    </p:tnLst>
-    <p:bldLst>
-      <p:bldP spid="2" grpId="0" animBg="1"/>
-      <p:bldP spid="4" grpId="0"/>
-      <p:bldP spid="6" grpId="0" animBg="1"/>
-      <p:bldP spid="7" grpId="0" animBg="1"/>
-      <p:bldP spid="8" grpId="0" animBg="1"/>
-      <p:bldP spid="9" grpId="0" animBg="1"/>
-      <p:bldP spid="10" grpId="0" animBg="1"/>
-    </p:bldLst>
-  </p:timing>
-</p:sld>
-</file>
-
-<file path=ppt/slides/slide12.xml><?xml version="1.0" encoding="utf-8"?>
-<p:sld xmlns:a="http://schemas.openxmlformats.org/drawingml/2006/main" xmlns:r="http://schemas.openxmlformats.org/officeDocument/2006/relationships" xmlns:p="http://schemas.openxmlformats.org/presentationml/2006/main">
-  <p:cSld name="PPSlideAnimated201604241932214105">
-    <p:spTree>
-      <p:nvGrpSpPr>
-        <p:cNvPr id="1" name=""/>
-        <p:cNvGrpSpPr/>
-        <p:nvPr/>
-      </p:nvGrpSpPr>
-      <p:grpSpPr>
-        <a:xfrm>
-          <a:off x="0" y="0"/>
-          <a:ext cx="0" cy="0"/>
-          <a:chOff x="0" y="0"/>
-          <a:chExt cx="0" cy="0"/>
-        </a:xfrm>
-      </p:grpSpPr>
-      <p:sp>
-        <p:nvSpPr>
-          <p:cNvPr id="2" name="v"/>
-          <p:cNvSpPr>
-            <a:spLocks/>
-          </p:cNvSpPr>
-          <p:nvPr/>
-        </p:nvSpPr>
-        <p:spPr>
-          <a:xfrm>
-            <a:off x="1543542" y="1412776"/>
-            <a:ext cx="954501" cy="3953203"/>
-          </a:xfrm>
-          <a:prstGeom prst="rect">
-            <a:avLst/>
-          </a:prstGeom>
-          <a:solidFill>
-            <a:schemeClr val="accent1">
-              <a:lumMod val="20000"/>
-              <a:lumOff val="80000"/>
-            </a:schemeClr>
-          </a:solidFill>
-          <a:ln>
-            <a:noFill/>
-          </a:ln>
-        </p:spPr>
-        <p:style>
-          <a:lnRef idx="2">
-            <a:schemeClr val="accent1">
-              <a:shade val="50000"/>
-            </a:schemeClr>
-          </a:lnRef>
-          <a:fillRef idx="1">
-            <a:schemeClr val="accent1"/>
-          </a:fillRef>
-          <a:effectRef idx="0">
-            <a:schemeClr val="accent1"/>
-          </a:effectRef>
-          <a:fontRef idx="minor">
-            <a:schemeClr val="lt1"/>
-          </a:fontRef>
-        </p:style>
-        <p:txBody>
-          <a:bodyPr rtlCol="0" anchor="ctr"/>
-          <a:lstStyle/>
-          <a:p>
-            <a:pPr algn="ctr"/>
-            <a:endParaRPr lang="en-SG"/>
-          </a:p>
-        </p:txBody>
-      </p:sp>
-      <p:sp>
-        <p:nvSpPr>
-          <p:cNvPr id="4" name="TextBox 5"/>
-          <p:cNvSpPr txBox="1"/>
-          <p:nvPr/>
-        </p:nvSpPr>
-        <p:spPr>
-          <a:xfrm>
-            <a:off x="2467662" y="2465020"/>
-            <a:ext cx="5992770" cy="1107996"/>
-          </a:xfrm>
-          <a:prstGeom prst="rect">
-            <a:avLst/>
-          </a:prstGeom>
-          <a:noFill/>
-        </p:spPr>
-        <p:txBody>
-          <a:bodyPr wrap="square" rtlCol="0">
-            <a:spAutoFit/>
-          </a:bodyPr>
-          <a:lstStyle/>
-          <a:p>
-            <a:r>
-              <a:rPr lang="en-US" sz="6600" b="1" dirty="0" smtClean="0">
-                <a:solidFill>
-                  <a:schemeClr val="tx2">
-                    <a:lumMod val="60000"/>
-                    <a:lumOff val="40000"/>
-                  </a:schemeClr>
-                </a:solidFill>
-              </a:rPr>
-              <a:t>… and more!</a:t>
-            </a:r>
-            <a:endParaRPr lang="en-SG" sz="6600" b="1" dirty="0">
-              <a:solidFill>
-                <a:schemeClr val="tx2">
-                  <a:lumMod val="60000"/>
-                  <a:lumOff val="40000"/>
-                </a:schemeClr>
-              </a:solidFill>
-            </a:endParaRPr>
-          </a:p>
-        </p:txBody>
-      </p:sp>
-      <p:sp>
-        <p:nvSpPr>
-          <p:cNvPr id="6" name="Rectangle 5"/>
-          <p:cNvSpPr>
-            <a:spLocks/>
-          </p:cNvSpPr>
-          <p:nvPr/>
-        </p:nvSpPr>
-        <p:spPr>
-          <a:xfrm>
-            <a:off x="855535" y="3698027"/>
-            <a:ext cx="6452770" cy="974114"/>
-          </a:xfrm>
-          <a:prstGeom prst="rect">
-            <a:avLst/>
-          </a:prstGeom>
-          <a:solidFill>
-            <a:schemeClr val="accent1">
-              <a:lumMod val="20000"/>
-              <a:lumOff val="80000"/>
-            </a:schemeClr>
-          </a:solidFill>
-          <a:ln>
-            <a:noFill/>
-          </a:ln>
-        </p:spPr>
-        <p:style>
-          <a:lnRef idx="2">
-            <a:schemeClr val="accent1">
-              <a:shade val="50000"/>
-            </a:schemeClr>
-          </a:lnRef>
-          <a:fillRef idx="1">
-            <a:schemeClr val="accent1"/>
-          </a:fillRef>
-          <a:effectRef idx="0">
-            <a:schemeClr val="accent1"/>
-          </a:effectRef>
-          <a:fontRef idx="minor">
-            <a:schemeClr val="lt1"/>
-          </a:fontRef>
-        </p:style>
-        <p:txBody>
-          <a:bodyPr rtlCol="0" anchor="ctr"/>
-          <a:lstStyle/>
-          <a:p>
-            <a:pPr algn="ctr"/>
-            <a:endParaRPr lang="en-SG"/>
-          </a:p>
-        </p:txBody>
-      </p:sp>
-      <p:sp>
-        <p:nvSpPr>
-          <p:cNvPr id="7" name="Down Arrow 6"/>
-          <p:cNvSpPr/>
-          <p:nvPr/>
-        </p:nvSpPr>
-        <p:spPr>
-          <a:xfrm rot="5400000">
-            <a:off x="-76157" y="3820992"/>
-            <a:ext cx="1871385" cy="734554"/>
-          </a:xfrm>
-          <a:prstGeom prst="downArrow">
-            <a:avLst/>
-          </a:prstGeom>
-          <a:solidFill>
-            <a:schemeClr val="accent1">
-              <a:lumMod val="20000"/>
-              <a:lumOff val="80000"/>
-            </a:schemeClr>
-          </a:solidFill>
-          <a:ln>
-            <a:noFill/>
-          </a:ln>
-        </p:spPr>
-        <p:style>
-          <a:lnRef idx="2">
-            <a:schemeClr val="accent1">
-              <a:shade val="50000"/>
-            </a:schemeClr>
-          </a:lnRef>
-          <a:fillRef idx="1">
-            <a:schemeClr val="accent1"/>
-          </a:fillRef>
-          <a:effectRef idx="0">
-            <a:schemeClr val="accent1"/>
-          </a:effectRef>
-          <a:fontRef idx="minor">
-            <a:schemeClr val="lt1"/>
-          </a:fontRef>
-        </p:style>
-        <p:txBody>
-          <a:bodyPr rtlCol="0" anchor="ctr"/>
-          <a:lstStyle/>
-          <a:p>
-            <a:pPr algn="ctr"/>
-            <a:endParaRPr lang="en-SG"/>
-          </a:p>
-        </p:txBody>
-      </p:sp>
-      <p:sp>
-        <p:nvSpPr>
-          <p:cNvPr id="8" name="Down Arrow 7"/>
-          <p:cNvSpPr/>
-          <p:nvPr/>
-        </p:nvSpPr>
-        <p:spPr>
-          <a:xfrm rot="16200000">
-            <a:off x="6353723" y="3817807"/>
-            <a:ext cx="1871385" cy="734554"/>
-          </a:xfrm>
-          <a:prstGeom prst="downArrow">
-            <a:avLst/>
-          </a:prstGeom>
-          <a:solidFill>
-            <a:schemeClr val="accent1">
-              <a:lumMod val="20000"/>
-              <a:lumOff val="80000"/>
-            </a:schemeClr>
-          </a:solidFill>
-          <a:ln>
-            <a:noFill/>
-          </a:ln>
-        </p:spPr>
-        <p:style>
-          <a:lnRef idx="2">
-            <a:schemeClr val="accent1">
-              <a:shade val="50000"/>
-            </a:schemeClr>
-          </a:lnRef>
-          <a:fillRef idx="1">
-            <a:schemeClr val="accent1"/>
-          </a:fillRef>
-          <a:effectRef idx="0">
-            <a:schemeClr val="accent1"/>
-          </a:effectRef>
-          <a:fontRef idx="minor">
-            <a:schemeClr val="lt1"/>
-          </a:fontRef>
-        </p:style>
-        <p:txBody>
-          <a:bodyPr rtlCol="0" anchor="ctr"/>
-          <a:lstStyle/>
-          <a:p>
-            <a:pPr algn="ctr"/>
-            <a:endParaRPr lang="en-SG"/>
-          </a:p>
-        </p:txBody>
-      </p:sp>
-      <p:sp>
-        <p:nvSpPr>
-          <p:cNvPr id="9" name="Down Arrow 8"/>
-          <p:cNvSpPr/>
-          <p:nvPr/>
-        </p:nvSpPr>
-        <p:spPr>
-          <a:xfrm>
-            <a:off x="1085100" y="5000113"/>
-            <a:ext cx="1871385" cy="734554"/>
-          </a:xfrm>
-          <a:prstGeom prst="downArrow">
-            <a:avLst/>
-          </a:prstGeom>
-          <a:solidFill>
-            <a:schemeClr val="accent1">
-              <a:lumMod val="20000"/>
-              <a:lumOff val="80000"/>
-            </a:schemeClr>
-          </a:solidFill>
-          <a:ln>
-            <a:noFill/>
-          </a:ln>
-        </p:spPr>
-        <p:style>
-          <a:lnRef idx="2">
-            <a:schemeClr val="accent1">
-              <a:shade val="50000"/>
-            </a:schemeClr>
-          </a:lnRef>
-          <a:fillRef idx="1">
-            <a:schemeClr val="accent1"/>
-          </a:fillRef>
-          <a:effectRef idx="0">
-            <a:schemeClr val="accent1"/>
-          </a:effectRef>
-          <a:fontRef idx="minor">
-            <a:schemeClr val="lt1"/>
-          </a:fontRef>
-        </p:style>
-        <p:txBody>
-          <a:bodyPr rtlCol="0" anchor="ctr"/>
-          <a:lstStyle/>
-          <a:p>
-            <a:pPr algn="ctr"/>
-            <a:endParaRPr lang="en-SG"/>
-          </a:p>
-        </p:txBody>
-      </p:sp>
-      <p:sp>
-        <p:nvSpPr>
-          <p:cNvPr id="10" name="Down Arrow 9"/>
-          <p:cNvSpPr/>
-          <p:nvPr/>
-        </p:nvSpPr>
-        <p:spPr>
-          <a:xfrm rot="10800000">
-            <a:off x="1079907" y="1131437"/>
-            <a:ext cx="1871385" cy="734554"/>
-          </a:xfrm>
-          <a:prstGeom prst="downArrow">
-            <a:avLst/>
-          </a:prstGeom>
-          <a:solidFill>
-            <a:schemeClr val="accent1">
-              <a:lumMod val="20000"/>
-              <a:lumOff val="80000"/>
-            </a:schemeClr>
-          </a:solidFill>
-          <a:ln>
-            <a:noFill/>
-          </a:ln>
-        </p:spPr>
-        <p:style>
-          <a:lnRef idx="2">
-            <a:schemeClr val="accent1">
-              <a:shade val="50000"/>
-            </a:schemeClr>
-          </a:lnRef>
-          <a:fillRef idx="1">
-            <a:schemeClr val="accent1"/>
-          </a:fillRef>
-          <a:effectRef idx="0">
-            <a:schemeClr val="accent1"/>
-          </a:effectRef>
-          <a:fontRef idx="minor">
-            <a:schemeClr val="lt1"/>
-          </a:fontRef>
-        </p:style>
-        <p:txBody>
-          <a:bodyPr rtlCol="0" anchor="ctr"/>
-          <a:lstStyle/>
-          <a:p>
-            <a:pPr algn="ctr"/>
-            <a:endParaRPr lang="en-SG"/>
-          </a:p>
-        </p:txBody>
-      </p:sp>
-      <p:pic>
-        <p:nvPicPr>
-          <p:cNvPr id="3" name="PPTIndicator201604241932214355"/>
-          <p:cNvPicPr>
-            <a:picLocks/>
-          </p:cNvPicPr>
-          <p:nvPr/>
-        </p:nvPicPr>
-        <p:blipFill>
-          <a:blip r:embed="rId2" cstate="email">
-            <a:extLst>
-              <a:ext uri="{28A0092B-C50C-407E-A947-70E740481C1C}">
-                <a14:useLocalDpi xmlns:a14="http://schemas.microsoft.com/office/drawing/2010/main"/>
-              </a:ext>
-            </a:extLst>
-          </a:blip>
-          <a:stretch>
-            <a:fillRect/>
-          </a:stretch>
-        </p:blipFill>
-        <p:spPr>
-          <a:xfrm>
-            <a:off x="7620000" y="0"/>
-            <a:ext cx="1524000" cy="1066800"/>
-          </a:xfrm>
-          <a:prstGeom prst="rect">
-            <a:avLst/>
-          </a:prstGeom>
-        </p:spPr>
-      </p:pic>
-    </p:spTree>
-    <p:extLst>
-      <p:ext uri="{BB962C8B-B14F-4D97-AF65-F5344CB8AC3E}">
-        <p14:creationId xmlns:p14="http://schemas.microsoft.com/office/powerpoint/2010/main" val="2067067687"/>
-      </p:ext>
-    </p:extLst>
-  </p:cSld>
-  <p:clrMapOvr>
-    <a:masterClrMapping/>
-  </p:clrMapOvr>
-  <mc:AlternateContent xmlns:mc="http://schemas.openxmlformats.org/markup-compatibility/2006" xmlns:p14="http://schemas.microsoft.com/office/powerpoint/2010/main">
-    <mc:Choice Requires="p14">
-      <p:transition spd="med" p14:dur="700" advClick="0" advTm="0"/>
-    </mc:Choice>
-    <mc:Fallback xmlns="">
-      <p:transition spd="med" advClick="0" advTm="0"/>
-    </mc:Fallback>
-  </mc:AlternateContent>
-  <p:timing>
-    <p:tnLst>
-      <p:par>
-        <p:cTn id="1" dur="indefinite" restart="never" nodeType="tmRoot">
-          <p:childTnLst>
-            <p:seq concurrent="1" nextAc="seek">
-              <p:cTn id="2" dur="indefinite" nodeType="mainSeq">
-                <p:childTnLst>
-                  <p:par>
-                    <p:cTn id="3" fill="hold">
-                      <p:stCondLst>
-                        <p:cond delay="indefinite"/>
-                        <p:cond evt="onBegin" delay="0">
-                          <p:tn val="2"/>
-                        </p:cond>
-                      </p:stCondLst>
-                      <p:childTnLst>
-                        <p:par>
-                          <p:cTn id="4" fill="hold">
-                            <p:stCondLst>
-                              <p:cond delay="0"/>
-                            </p:stCondLst>
-                            <p:childTnLst>
-                              <p:par>
-                                <p:cTn id="5" presetID="1" presetClass="entr" presetSubtype="0" fill="hold" nodeType="withEffect">
-                                  <p:stCondLst>
-                                    <p:cond delay="0"/>
-                                  </p:stCondLst>
-                                  <p:childTnLst>
-                                    <p:set>
-                                      <p:cBhvr>
-                                        <p:cTn id="6" dur="1" fill="hold">
-                                          <p:stCondLst>
-                                            <p:cond delay="0"/>
-                                          </p:stCondLst>
-                                        </p:cTn>
-                                        <p:tgtEl>
-                                          <p:spTgt spid="3"/>
-                                        </p:tgtEl>
-                                        <p:attrNameLst>
-                                          <p:attrName>style.visibility</p:attrName>
-                                        </p:attrNameLst>
-                                      </p:cBhvr>
-                                      <p:to>
-                                        <p:strVal val="visible"/>
-                                      </p:to>
-                                    </p:set>
-                                  </p:childTnLst>
-                                </p:cTn>
-                              </p:par>
-                              <p:par>
-                                <p:cTn id="7" presetID="1" presetClass="exit" presetSubtype="0" fill="hold" nodeType="withEffect">
-                                  <p:stCondLst>
-                                    <p:cond delay="0"/>
-                                  </p:stCondLst>
-                                  <p:childTnLst>
-                                    <p:set>
-                                      <p:cBhvr>
-                                        <p:cTn id="8" dur="1" fill="hold">
-                                          <p:stCondLst>
-                                            <p:cond delay="0"/>
-                                          </p:stCondLst>
-                                        </p:cTn>
-                                        <p:tgtEl>
-                                          <p:spTgt spid="3"/>
-                                        </p:tgtEl>
-                                        <p:attrNameLst>
-                                          <p:attrName>style.visibility</p:attrName>
-                                        </p:attrNameLst>
-                                      </p:cBhvr>
-                                      <p:to>
-                                        <p:strVal val="hidden"/>
-                                      </p:to>
-                                    </p:set>
-                                  </p:childTnLst>
-                                </p:cTn>
-                              </p:par>
-                            </p:childTnLst>
-                          </p:cTn>
-                        </p:par>
-                        <p:par>
-                          <p:cTn id="9" fill="hold">
-                            <p:stCondLst>
-                              <p:cond delay="0"/>
-                            </p:stCondLst>
-                            <p:childTnLst>
-                              <p:par>
-                                <p:cTn id="10" presetID="42" presetClass="path" presetSubtype="0" fill="hold" grpId="0" nodeType="afterEffect">
-                                  <p:stCondLst>
-                                    <p:cond delay="0"/>
-                                  </p:stCondLst>
-                                  <p:childTnLst>
-                                    <p:animMotion origin="layout" path="M 0 0 C 0 0.002888856 0 0.002888856 0 0.005777712 E" pathEditMode="relative" ptsTypes="">
-                                      <p:cBhvr>
-                                        <p:cTn id="11" dur="500" fill="hold"/>
-                                        <p:tgtEl>
-                                          <p:spTgt spid="2"/>
-                                        </p:tgtEl>
-                                        <p:attrNameLst>
-                                          <p:attrName>ppt_x</p:attrName>
-                                          <p:attrName>ppt_y</p:attrName>
-                                        </p:attrNameLst>
-                                      </p:cBhvr>
-                                    </p:animMotion>
-                                  </p:childTnLst>
-                                </p:cTn>
-                              </p:par>
-                              <p:par>
-                                <p:cTn id="12" presetID="6" presetClass="emph" presetSubtype="0" fill="hold" grpId="1" nodeType="withEffect">
-                                  <p:stCondLst>
-                                    <p:cond delay="0"/>
-                                  </p:stCondLst>
-                                  <p:childTnLst>
-                                    <p:animScale>
-                                      <p:cBhvr>
-                                        <p:cTn id="13" dur="500" fill="hold"/>
-                                        <p:tgtEl>
-                                          <p:spTgt spid="2"/>
-                                        </p:tgtEl>
-                                      </p:cBhvr>
-                                      <p:by x="100000" y="152641"/>
-                                    </p:animScale>
-                                  </p:childTnLst>
-                                </p:cTn>
-                              </p:par>
-                              <p:par>
-                                <p:cTn id="14" presetID="42" presetClass="path" presetSubtype="0" fill="hold" grpId="0" nodeType="withEffect">
-                                  <p:stCondLst>
-                                    <p:cond delay="0"/>
-                                  </p:stCondLst>
-                                  <p:childTnLst>
-                                    <p:animMotion origin="layout" path="M 0 0 C 0.02640213 0 0.02640213 0 0.05280427 0 E" pathEditMode="relative" ptsTypes="">
-                                      <p:cBhvr>
-                                        <p:cTn id="15" dur="500" fill="hold"/>
-                                        <p:tgtEl>
-                                          <p:spTgt spid="6"/>
-                                        </p:tgtEl>
-                                        <p:attrNameLst>
-                                          <p:attrName>ppt_x</p:attrName>
-                                          <p:attrName>ppt_y</p:attrName>
-                                        </p:attrNameLst>
-                                      </p:cBhvr>
-                                    </p:animMotion>
-                                  </p:childTnLst>
-                                </p:cTn>
-                              </p:par>
-                              <p:par>
-                                <p:cTn id="16" presetID="6" presetClass="emph" presetSubtype="0" fill="hold" grpId="1" nodeType="withEffect">
-                                  <p:stCondLst>
-                                    <p:cond delay="0"/>
-                                  </p:stCondLst>
-                                  <p:childTnLst>
-                                    <p:animScale>
-                                      <p:cBhvr>
-                                        <p:cTn id="17" dur="500" fill="hold"/>
-                                        <p:tgtEl>
-                                          <p:spTgt spid="6"/>
-                                        </p:tgtEl>
-                                      </p:cBhvr>
-                                      <p:by x="129447" y="100000"/>
-                                    </p:animScale>
-                                  </p:childTnLst>
-                                </p:cTn>
-                              </p:par>
-                              <p:par>
-                                <p:cTn id="18" presetID="42" presetClass="path" presetSubtype="0" fill="hold" grpId="0" nodeType="withEffect">
-                                  <p:stCondLst>
-                                    <p:cond delay="0"/>
-                                  </p:stCondLst>
-                                  <p:childTnLst>
-                                    <p:animMotion origin="layout" path="M 0 0 C -0.02576755 0 -0.02576755 0 -0.05153511 0 E" pathEditMode="relative" ptsTypes="">
-                                      <p:cBhvr>
-                                        <p:cTn id="19" dur="500" fill="hold"/>
-                                        <p:tgtEl>
-                                          <p:spTgt spid="7"/>
-                                        </p:tgtEl>
-                                        <p:attrNameLst>
-                                          <p:attrName>ppt_x</p:attrName>
-                                          <p:attrName>ppt_y</p:attrName>
-                                        </p:attrNameLst>
-                                      </p:cBhvr>
-                                    </p:animMotion>
-                                  </p:childTnLst>
-                                </p:cTn>
-                              </p:par>
-                              <p:par>
-                                <p:cTn id="20" presetID="42" presetClass="path" presetSubtype="0" fill="hold" grpId="0" nodeType="withEffect">
-                                  <p:stCondLst>
-                                    <p:cond delay="0"/>
-                                  </p:stCondLst>
-                                  <p:childTnLst>
-                                    <p:animMotion origin="layout" path="M 0 0 C 0.07938597 0 0.07938597 0 0.1587719 0 E" pathEditMode="relative" ptsTypes="">
-                                      <p:cBhvr>
-                                        <p:cTn id="21" dur="500" fill="hold"/>
-                                        <p:tgtEl>
-                                          <p:spTgt spid="8"/>
-                                        </p:tgtEl>
-                                        <p:attrNameLst>
-                                          <p:attrName>ppt_x</p:attrName>
-                                          <p:attrName>ppt_y</p:attrName>
-                                        </p:attrNameLst>
-                                      </p:cBhvr>
-                                    </p:animMotion>
-                                  </p:childTnLst>
-                                </p:cTn>
-                              </p:par>
-                              <p:par>
-                                <p:cTn id="22" presetID="42" presetClass="path" presetSubtype="0" fill="hold" grpId="0" nodeType="withEffect">
-                                  <p:stCondLst>
-                                    <p:cond delay="0"/>
-                                  </p:stCondLst>
-                                  <p:childTnLst>
-                                    <p:animMotion origin="layout" path="M 0 0 C 0 0.078646 0 0.078646 0 0.157292 E" pathEditMode="relative" ptsTypes="">
-                                      <p:cBhvr>
-                                        <p:cTn id="23" dur="500" fill="hold"/>
-                                        <p:tgtEl>
-                                          <p:spTgt spid="9"/>
-                                        </p:tgtEl>
-                                        <p:attrNameLst>
-                                          <p:attrName>ppt_x</p:attrName>
-                                          <p:attrName>ppt_y</p:attrName>
-                                        </p:attrNameLst>
-                                      </p:cBhvr>
-                                    </p:animMotion>
-                                  </p:childTnLst>
-                                </p:cTn>
-                              </p:par>
-                              <p:par>
-                                <p:cTn id="24" presetID="42" presetClass="path" presetSubtype="0" fill="hold" grpId="0" nodeType="withEffect">
-                                  <p:stCondLst>
-                                    <p:cond delay="0"/>
-                                  </p:stCondLst>
-                                  <p:childTnLst>
-                                    <p:animMotion origin="layout" path="M 0 0 C 0 -0.07923681 0 -0.07923681 0 -0.1584736 E" pathEditMode="relative" ptsTypes="">
-                                      <p:cBhvr>
-                                        <p:cTn id="25" dur="500" fill="hold"/>
-                                        <p:tgtEl>
-                                          <p:spTgt spid="10"/>
-                                        </p:tgtEl>
-                                        <p:attrNameLst>
-                                          <p:attrName>ppt_x</p:attrName>
-                                          <p:attrName>ppt_y</p:attrName>
-                                        </p:attrNameLst>
-                                      </p:cBhvr>
-                                    </p:animMotion>
-                                  </p:childTnLst>
-                                </p:cTn>
-                              </p:par>
-                            </p:childTnLst>
-                          </p:cTn>
-                        </p:par>
-                      </p:childTnLst>
-                    </p:cTn>
-                  </p:par>
-                </p:childTnLst>
-              </p:cTn>
-              <p:prevCondLst>
-                <p:cond evt="onPrev" delay="0">
-                  <p:tgtEl>
-                    <p:sldTgt/>
-                  </p:tgtEl>
-                </p:cond>
-              </p:prevCondLst>
-              <p:nextCondLst>
-                <p:cond evt="onNext" delay="0">
-                  <p:tgtEl>
-                    <p:sldTgt/>
-                  </p:tgtEl>
-                </p:cond>
-              </p:nextCondLst>
-            </p:seq>
-          </p:childTnLst>
-        </p:cTn>
-      </p:par>
-    </p:tnLst>
-    <p:bldLst>
-      <p:bldP spid="2" grpId="0" animBg="1"/>
-      <p:bldP spid="2" grpId="1" animBg="1"/>
-      <p:bldP spid="6" grpId="0" animBg="1"/>
-      <p:bldP spid="6" grpId="1" animBg="1"/>
-      <p:bldP spid="7" grpId="0" animBg="1"/>
-      <p:bldP spid="8" grpId="0" animBg="1"/>
-      <p:bldP spid="9" grpId="0" animBg="1"/>
-      <p:bldP spid="10" grpId="0" animBg="1"/>
-    </p:bldLst>
-  </p:timing>
-</p:sld>
-</file>
-
-<file path=ppt/slides/slide13.xml><?xml version="1.0" encoding="utf-8"?>
-<p:sld xmlns:a="http://schemas.openxmlformats.org/drawingml/2006/main" xmlns:r="http://schemas.openxmlformats.org/officeDocument/2006/relationships" xmlns:p="http://schemas.openxmlformats.org/presentationml/2006/main">
-  <p:cSld name="PPSlideMulti_201604241934487975_eda063b">
-    <p:spTree>
-      <p:nvGrpSpPr>
-        <p:cNvPr id="1" name=""/>
-        <p:cNvGrpSpPr/>
-        <p:nvPr/>
-      </p:nvGrpSpPr>
-      <p:grpSpPr>
-        <a:xfrm>
-          <a:off x="0" y="0"/>
-          <a:ext cx="0" cy="0"/>
-          <a:chOff x="0" y="0"/>
-          <a:chExt cx="0" cy="0"/>
-        </a:xfrm>
-      </p:grpSpPr>
-      <p:sp>
-        <p:nvSpPr>
-          <p:cNvPr id="2" name="v"/>
-          <p:cNvSpPr/>
-          <p:nvPr/>
-        </p:nvSpPr>
-        <p:spPr>
-          <a:xfrm>
-            <a:off x="1543542" y="411903"/>
-            <a:ext cx="954501" cy="6034196"/>
-          </a:xfrm>
-          <a:prstGeom prst="rect">
-            <a:avLst/>
-          </a:prstGeom>
-          <a:solidFill>
-            <a:schemeClr val="accent1">
-              <a:lumMod val="20000"/>
-              <a:lumOff val="80000"/>
-            </a:schemeClr>
-          </a:solidFill>
-          <a:ln>
-            <a:noFill/>
-          </a:ln>
-        </p:spPr>
-        <p:style>
-          <a:lnRef idx="2">
-            <a:schemeClr val="accent1">
-              <a:shade val="50000"/>
-            </a:schemeClr>
-          </a:lnRef>
-          <a:fillRef idx="1">
-            <a:schemeClr val="accent1"/>
-          </a:fillRef>
-          <a:effectRef idx="0">
-            <a:schemeClr val="accent1"/>
-          </a:effectRef>
-          <a:fontRef idx="minor">
-            <a:schemeClr val="lt1"/>
-          </a:fontRef>
-        </p:style>
-        <p:txBody>
-          <a:bodyPr rtlCol="0" anchor="ctr"/>
-          <a:lstStyle/>
-          <a:p>
-            <a:pPr algn="ctr"/>
-            <a:endParaRPr lang="en-SG"/>
-          </a:p>
-        </p:txBody>
-      </p:sp>
-      <p:sp>
-        <p:nvSpPr>
-          <p:cNvPr id="4" name="TextBox 5"/>
-          <p:cNvSpPr txBox="1"/>
-          <p:nvPr/>
-        </p:nvSpPr>
-        <p:spPr>
-          <a:xfrm>
-            <a:off x="2467662" y="2465020"/>
-            <a:ext cx="5992770" cy="1107996"/>
-          </a:xfrm>
-          <a:prstGeom prst="rect">
-            <a:avLst/>
-          </a:prstGeom>
-          <a:noFill/>
-        </p:spPr>
-        <p:txBody>
-          <a:bodyPr wrap="square" rtlCol="0">
-            <a:spAutoFit/>
-          </a:bodyPr>
-          <a:lstStyle/>
-          <a:p>
-            <a:r>
-              <a:rPr lang="en-US" sz="6600" b="1" dirty="0" smtClean="0">
-                <a:solidFill>
-                  <a:schemeClr val="tx2">
-                    <a:lumMod val="60000"/>
-                    <a:lumOff val="40000"/>
-                  </a:schemeClr>
-                </a:solidFill>
-              </a:rPr>
-              <a:t>… and more!</a:t>
-            </a:r>
-            <a:endParaRPr lang="en-SG" sz="6600" b="1" dirty="0">
-              <a:solidFill>
-                <a:schemeClr val="tx2">
-                  <a:lumMod val="60000"/>
-                  <a:lumOff val="40000"/>
-                </a:schemeClr>
-              </a:solidFill>
-            </a:endParaRPr>
-          </a:p>
-        </p:txBody>
-      </p:sp>
-      <p:sp>
-        <p:nvSpPr>
-          <p:cNvPr id="6" name="Rectangle 5"/>
-          <p:cNvSpPr/>
-          <p:nvPr/>
-        </p:nvSpPr>
-        <p:spPr>
-          <a:xfrm>
-            <a:off x="388298" y="3698027"/>
-            <a:ext cx="8352928" cy="974114"/>
-          </a:xfrm>
-          <a:prstGeom prst="rect">
-            <a:avLst/>
-          </a:prstGeom>
-          <a:solidFill>
-            <a:schemeClr val="accent1">
-              <a:lumMod val="20000"/>
-              <a:lumOff val="80000"/>
-            </a:schemeClr>
-          </a:solidFill>
-          <a:ln>
-            <a:noFill/>
-          </a:ln>
-        </p:spPr>
-        <p:style>
-          <a:lnRef idx="2">
-            <a:schemeClr val="accent1">
-              <a:shade val="50000"/>
-            </a:schemeClr>
-          </a:lnRef>
-          <a:fillRef idx="1">
-            <a:schemeClr val="accent1"/>
-          </a:fillRef>
-          <a:effectRef idx="0">
-            <a:schemeClr val="accent1"/>
-          </a:effectRef>
-          <a:fontRef idx="minor">
-            <a:schemeClr val="lt1"/>
-          </a:fontRef>
-        </p:style>
-        <p:txBody>
-          <a:bodyPr rtlCol="0" anchor="ctr"/>
-          <a:lstStyle/>
-          <a:p>
-            <a:pPr algn="ctr"/>
-            <a:endParaRPr lang="en-SG"/>
-          </a:p>
-        </p:txBody>
-      </p:sp>
-      <p:sp>
-        <p:nvSpPr>
-          <p:cNvPr id="7" name="Down Arrow 6"/>
-          <p:cNvSpPr/>
-          <p:nvPr/>
-        </p:nvSpPr>
-        <p:spPr>
-          <a:xfrm rot="5400000">
-            <a:off x="-547394" y="3820992"/>
-            <a:ext cx="1871385" cy="734554"/>
-          </a:xfrm>
-          <a:prstGeom prst="downArrow">
-            <a:avLst/>
-          </a:prstGeom>
-          <a:solidFill>
-            <a:schemeClr val="accent1">
-              <a:lumMod val="20000"/>
-              <a:lumOff val="80000"/>
-            </a:schemeClr>
-          </a:solidFill>
-          <a:ln>
-            <a:noFill/>
-          </a:ln>
-        </p:spPr>
-        <p:style>
-          <a:lnRef idx="2">
-            <a:schemeClr val="accent1">
-              <a:shade val="50000"/>
-            </a:schemeClr>
-          </a:lnRef>
-          <a:fillRef idx="1">
-            <a:schemeClr val="accent1"/>
-          </a:fillRef>
-          <a:effectRef idx="0">
-            <a:schemeClr val="accent1"/>
-          </a:effectRef>
-          <a:fontRef idx="minor">
-            <a:schemeClr val="lt1"/>
-          </a:fontRef>
-        </p:style>
-        <p:txBody>
-          <a:bodyPr rtlCol="0" anchor="ctr"/>
-          <a:lstStyle/>
-          <a:p>
-            <a:pPr algn="ctr"/>
-            <a:endParaRPr lang="en-SG"/>
-          </a:p>
-        </p:txBody>
-      </p:sp>
-      <p:sp>
-        <p:nvSpPr>
-          <p:cNvPr id="8" name="Down Arrow 7"/>
-          <p:cNvSpPr/>
-          <p:nvPr/>
-        </p:nvSpPr>
-        <p:spPr>
-          <a:xfrm rot="16200000">
-            <a:off x="7805534" y="3817807"/>
-            <a:ext cx="1871385" cy="734554"/>
-          </a:xfrm>
-          <a:prstGeom prst="downArrow">
-            <a:avLst/>
-          </a:prstGeom>
-          <a:solidFill>
-            <a:schemeClr val="accent1">
-              <a:lumMod val="20000"/>
-              <a:lumOff val="80000"/>
-            </a:schemeClr>
-          </a:solidFill>
-          <a:ln>
-            <a:noFill/>
-          </a:ln>
-        </p:spPr>
-        <p:style>
-          <a:lnRef idx="2">
-            <a:schemeClr val="accent1">
-              <a:shade val="50000"/>
-            </a:schemeClr>
-          </a:lnRef>
-          <a:fillRef idx="1">
-            <a:schemeClr val="accent1"/>
-          </a:fillRef>
-          <a:effectRef idx="0">
-            <a:schemeClr val="accent1"/>
-          </a:effectRef>
-          <a:fontRef idx="minor">
-            <a:schemeClr val="lt1"/>
-          </a:fontRef>
-        </p:style>
-        <p:txBody>
-          <a:bodyPr rtlCol="0" anchor="ctr"/>
-          <a:lstStyle/>
-          <a:p>
-            <a:pPr algn="ctr"/>
-            <a:endParaRPr lang="en-SG"/>
-          </a:p>
-        </p:txBody>
-      </p:sp>
-      <p:sp>
-        <p:nvSpPr>
-          <p:cNvPr id="9" name="Down Arrow 8"/>
-          <p:cNvSpPr/>
-          <p:nvPr/>
-        </p:nvSpPr>
-        <p:spPr>
-          <a:xfrm>
-            <a:off x="1085100" y="6078822"/>
-            <a:ext cx="1871385" cy="734554"/>
-          </a:xfrm>
-          <a:prstGeom prst="downArrow">
-            <a:avLst/>
-          </a:prstGeom>
-          <a:solidFill>
-            <a:schemeClr val="accent1">
-              <a:lumMod val="20000"/>
-              <a:lumOff val="80000"/>
-            </a:schemeClr>
-          </a:solidFill>
-          <a:ln>
-            <a:noFill/>
-          </a:ln>
-        </p:spPr>
-        <p:style>
-          <a:lnRef idx="2">
-            <a:schemeClr val="accent1">
-              <a:shade val="50000"/>
-            </a:schemeClr>
-          </a:lnRef>
-          <a:fillRef idx="1">
-            <a:schemeClr val="accent1"/>
-          </a:fillRef>
-          <a:effectRef idx="0">
-            <a:schemeClr val="accent1"/>
-          </a:effectRef>
-          <a:fontRef idx="minor">
-            <a:schemeClr val="lt1"/>
-          </a:fontRef>
-        </p:style>
-        <p:txBody>
-          <a:bodyPr rtlCol="0" anchor="ctr"/>
-          <a:lstStyle/>
-          <a:p>
-            <a:pPr algn="ctr"/>
-            <a:endParaRPr lang="en-SG"/>
-          </a:p>
-        </p:txBody>
-      </p:sp>
-      <p:sp>
-        <p:nvSpPr>
-          <p:cNvPr id="10" name="Down Arrow 9"/>
-          <p:cNvSpPr/>
-          <p:nvPr/>
-        </p:nvSpPr>
-        <p:spPr>
-          <a:xfrm rot="10800000">
-            <a:off x="1079907" y="44625"/>
-            <a:ext cx="1871385" cy="734554"/>
-          </a:xfrm>
-          <a:prstGeom prst="downArrow">
-            <a:avLst/>
-          </a:prstGeom>
-          <a:solidFill>
-            <a:schemeClr val="accent1">
-              <a:lumMod val="20000"/>
-              <a:lumOff val="80000"/>
-            </a:schemeClr>
-          </a:solidFill>
-          <a:ln>
-            <a:noFill/>
-          </a:ln>
-        </p:spPr>
-        <p:style>
-          <a:lnRef idx="2">
-            <a:schemeClr val="accent1">
-              <a:shade val="50000"/>
-            </a:schemeClr>
-          </a:lnRef>
-          <a:fillRef idx="1">
-            <a:schemeClr val="accent1"/>
-          </a:fillRef>
-          <a:effectRef idx="0">
-            <a:schemeClr val="accent1"/>
-          </a:effectRef>
-          <a:fontRef idx="minor">
-            <a:schemeClr val="lt1"/>
-          </a:fontRef>
-        </p:style>
-        <p:txBody>
-          <a:bodyPr rtlCol="0" anchor="ctr"/>
-          <a:lstStyle/>
-          <a:p>
-            <a:pPr algn="ctr"/>
-            <a:endParaRPr lang="en-SG"/>
-          </a:p>
-        </p:txBody>
-      </p:sp>
-    </p:spTree>
-    <p:extLst>
-      <p:ext uri="{BB962C8B-B14F-4D97-AF65-F5344CB8AC3E}">
-        <p14:creationId xmlns:p14="http://schemas.microsoft.com/office/powerpoint/2010/main" val="4253396433"/>
-      </p:ext>
-    </p:extLst>
-  </p:cSld>
-  <p:clrMapOvr>
-    <a:masterClrMapping/>
-  </p:clrMapOvr>
-  <mc:AlternateContent xmlns:mc="http://schemas.openxmlformats.org/markup-compatibility/2006" xmlns:p14="http://schemas.microsoft.com/office/powerpoint/2010/main">
-    <mc:Choice Requires="p14">
-      <p:transition spd="med" p14:dur="700" advTm="0">
-        <p:fade/>
-      </p:transition>
-    </mc:Choice>
-    <mc:Fallback xmlns="">
-      <p:transition spd="med" advTm="0">
-        <p:fade/>
-      </p:transition>
-    </mc:Fallback>
-  </mc:AlternateContent>
-  <p:timing>
-    <p:tnLst>
-      <p:par>
-        <p:cTn id="1" dur="indefinite" restart="never" nodeType="tmRoot"/>
-      </p:par>
-    </p:tnLst>
-  </p:timing>
-</p:sld>
-</file>
-
-<file path=ppt/slides/slide14.xml><?xml version="1.0" encoding="utf-8"?>
-<p:sld xmlns:a="http://schemas.openxmlformats.org/drawingml/2006/main" xmlns:r="http://schemas.openxmlformats.org/officeDocument/2006/relationships" xmlns:p="http://schemas.openxmlformats.org/presentationml/2006/main">
-  <p:cSld name="PPSlideAnimated201604241934487845">
-    <p:spTree>
-      <p:nvGrpSpPr>
-        <p:cNvPr id="1" name=""/>
-        <p:cNvGrpSpPr/>
-        <p:nvPr/>
-      </p:nvGrpSpPr>
-      <p:grpSpPr>
-        <a:xfrm>
-          <a:off x="0" y="0"/>
-          <a:ext cx="0" cy="0"/>
-          <a:chOff x="0" y="0"/>
-          <a:chExt cx="0" cy="0"/>
-        </a:xfrm>
-      </p:grpSpPr>
-      <p:sp>
-        <p:nvSpPr>
-          <p:cNvPr id="2" name="v"/>
-          <p:cNvSpPr>
-            <a:spLocks/>
-          </p:cNvSpPr>
-          <p:nvPr/>
-        </p:nvSpPr>
-        <p:spPr>
-          <a:xfrm>
-            <a:off x="1543542" y="411903"/>
-            <a:ext cx="954501" cy="6034196"/>
-          </a:xfrm>
-          <a:prstGeom prst="rect">
-            <a:avLst/>
-          </a:prstGeom>
-          <a:solidFill>
-            <a:schemeClr val="accent1">
-              <a:lumMod val="20000"/>
-              <a:lumOff val="80000"/>
-            </a:schemeClr>
-          </a:solidFill>
-          <a:ln>
-            <a:noFill/>
-          </a:ln>
-        </p:spPr>
-        <p:style>
-          <a:lnRef idx="2">
-            <a:schemeClr val="accent1">
-              <a:shade val="50000"/>
-            </a:schemeClr>
-          </a:lnRef>
-          <a:fillRef idx="1">
-            <a:schemeClr val="accent1"/>
-          </a:fillRef>
-          <a:effectRef idx="0">
-            <a:schemeClr val="accent1"/>
-          </a:effectRef>
-          <a:fontRef idx="minor">
-            <a:schemeClr val="lt1"/>
-          </a:fontRef>
-        </p:style>
-        <p:txBody>
-          <a:bodyPr rtlCol="0" anchor="ctr"/>
-          <a:lstStyle/>
-          <a:p>
-            <a:pPr algn="ctr"/>
-            <a:endParaRPr lang="en-SG"/>
-          </a:p>
-        </p:txBody>
-      </p:sp>
-      <p:sp>
-        <p:nvSpPr>
-          <p:cNvPr id="4" name="TextBox 5"/>
-          <p:cNvSpPr txBox="1"/>
-          <p:nvPr/>
-        </p:nvSpPr>
-        <p:spPr>
-          <a:xfrm>
-            <a:off x="2467662" y="2465020"/>
-            <a:ext cx="5992770" cy="1107996"/>
-          </a:xfrm>
-          <a:prstGeom prst="rect">
-            <a:avLst/>
-          </a:prstGeom>
-          <a:noFill/>
-        </p:spPr>
-        <p:txBody>
-          <a:bodyPr wrap="square" rtlCol="0">
-            <a:spAutoFit/>
-          </a:bodyPr>
-          <a:lstStyle/>
-          <a:p>
-            <a:r>
-              <a:rPr lang="en-US" sz="6600" b="1" dirty="0" smtClean="0">
-                <a:solidFill>
-                  <a:schemeClr val="tx2">
-                    <a:lumMod val="60000"/>
-                    <a:lumOff val="40000"/>
-                  </a:schemeClr>
-                </a:solidFill>
-              </a:rPr>
-              <a:t>… and more!</a:t>
-            </a:r>
-            <a:endParaRPr lang="en-SG" sz="6600" b="1" dirty="0">
-              <a:solidFill>
-                <a:schemeClr val="tx2">
-                  <a:lumMod val="60000"/>
-                  <a:lumOff val="40000"/>
-                </a:schemeClr>
-              </a:solidFill>
-            </a:endParaRPr>
-          </a:p>
-        </p:txBody>
-      </p:sp>
-      <p:sp>
-        <p:nvSpPr>
-          <p:cNvPr id="6" name="Rectangle 5"/>
-          <p:cNvSpPr>
-            <a:spLocks/>
-          </p:cNvSpPr>
-          <p:nvPr/>
-        </p:nvSpPr>
-        <p:spPr>
-          <a:xfrm>
-            <a:off x="388298" y="3698027"/>
-            <a:ext cx="8352928" cy="974114"/>
-          </a:xfrm>
-          <a:prstGeom prst="rect">
-            <a:avLst/>
-          </a:prstGeom>
-          <a:solidFill>
-            <a:schemeClr val="accent1">
-              <a:lumMod val="20000"/>
-              <a:lumOff val="80000"/>
-            </a:schemeClr>
-          </a:solidFill>
-          <a:ln>
-            <a:noFill/>
-          </a:ln>
-        </p:spPr>
-        <p:style>
-          <a:lnRef idx="2">
-            <a:schemeClr val="accent1">
-              <a:shade val="50000"/>
-            </a:schemeClr>
-          </a:lnRef>
-          <a:fillRef idx="1">
-            <a:schemeClr val="accent1"/>
-          </a:fillRef>
-          <a:effectRef idx="0">
-            <a:schemeClr val="accent1"/>
-          </a:effectRef>
-          <a:fontRef idx="minor">
-            <a:schemeClr val="lt1"/>
-          </a:fontRef>
-        </p:style>
-        <p:txBody>
-          <a:bodyPr rtlCol="0" anchor="ctr"/>
-          <a:lstStyle/>
-          <a:p>
-            <a:pPr algn="ctr"/>
-            <a:endParaRPr lang="en-SG"/>
-          </a:p>
-        </p:txBody>
-      </p:sp>
-      <p:sp>
-        <p:nvSpPr>
-          <p:cNvPr id="7" name="Down Arrow 6"/>
-          <p:cNvSpPr/>
-          <p:nvPr/>
-        </p:nvSpPr>
-        <p:spPr>
-          <a:xfrm rot="5400000">
-            <a:off x="-547394" y="3820992"/>
-            <a:ext cx="1871385" cy="734554"/>
-          </a:xfrm>
-          <a:prstGeom prst="downArrow">
-            <a:avLst/>
-          </a:prstGeom>
-          <a:solidFill>
-            <a:schemeClr val="accent1">
-              <a:lumMod val="20000"/>
-              <a:lumOff val="80000"/>
-            </a:schemeClr>
-          </a:solidFill>
-          <a:ln>
-            <a:noFill/>
-          </a:ln>
-        </p:spPr>
-        <p:style>
-          <a:lnRef idx="2">
-            <a:schemeClr val="accent1">
-              <a:shade val="50000"/>
-            </a:schemeClr>
-          </a:lnRef>
-          <a:fillRef idx="1">
-            <a:schemeClr val="accent1"/>
-          </a:fillRef>
-          <a:effectRef idx="0">
-            <a:schemeClr val="accent1"/>
-          </a:effectRef>
-          <a:fontRef idx="minor">
-            <a:schemeClr val="lt1"/>
-          </a:fontRef>
-        </p:style>
-        <p:txBody>
-          <a:bodyPr rtlCol="0" anchor="ctr"/>
-          <a:lstStyle/>
-          <a:p>
-            <a:pPr algn="ctr"/>
-            <a:endParaRPr lang="en-SG"/>
-          </a:p>
-        </p:txBody>
-      </p:sp>
-      <p:sp>
-        <p:nvSpPr>
-          <p:cNvPr id="8" name="Down Arrow 7"/>
-          <p:cNvSpPr/>
-          <p:nvPr/>
-        </p:nvSpPr>
-        <p:spPr>
-          <a:xfrm rot="16200000">
-            <a:off x="7805534" y="3817807"/>
-            <a:ext cx="1871385" cy="734554"/>
-          </a:xfrm>
-          <a:prstGeom prst="downArrow">
-            <a:avLst/>
-          </a:prstGeom>
-          <a:solidFill>
-            <a:schemeClr val="accent1">
-              <a:lumMod val="20000"/>
-              <a:lumOff val="80000"/>
-            </a:schemeClr>
-          </a:solidFill>
-          <a:ln>
-            <a:noFill/>
-          </a:ln>
-        </p:spPr>
-        <p:style>
-          <a:lnRef idx="2">
-            <a:schemeClr val="accent1">
-              <a:shade val="50000"/>
-            </a:schemeClr>
-          </a:lnRef>
-          <a:fillRef idx="1">
-            <a:schemeClr val="accent1"/>
-          </a:fillRef>
-          <a:effectRef idx="0">
-            <a:schemeClr val="accent1"/>
-          </a:effectRef>
-          <a:fontRef idx="minor">
-            <a:schemeClr val="lt1"/>
-          </a:fontRef>
-        </p:style>
-        <p:txBody>
-          <a:bodyPr rtlCol="0" anchor="ctr"/>
-          <a:lstStyle/>
-          <a:p>
-            <a:pPr algn="ctr"/>
-            <a:endParaRPr lang="en-SG"/>
-          </a:p>
-        </p:txBody>
-      </p:sp>
-      <p:sp>
-        <p:nvSpPr>
-          <p:cNvPr id="9" name="Down Arrow 8"/>
-          <p:cNvSpPr/>
-          <p:nvPr/>
-        </p:nvSpPr>
-        <p:spPr>
-          <a:xfrm>
-            <a:off x="1085100" y="6078822"/>
-            <a:ext cx="1871385" cy="734554"/>
-          </a:xfrm>
-          <a:prstGeom prst="downArrow">
-            <a:avLst/>
-          </a:prstGeom>
-          <a:solidFill>
-            <a:schemeClr val="accent1">
-              <a:lumMod val="20000"/>
-              <a:lumOff val="80000"/>
-            </a:schemeClr>
-          </a:solidFill>
-          <a:ln>
-            <a:noFill/>
-          </a:ln>
-        </p:spPr>
-        <p:style>
-          <a:lnRef idx="2">
-            <a:schemeClr val="accent1">
-              <a:shade val="50000"/>
-            </a:schemeClr>
-          </a:lnRef>
-          <a:fillRef idx="1">
-            <a:schemeClr val="accent1"/>
-          </a:fillRef>
-          <a:effectRef idx="0">
-            <a:schemeClr val="accent1"/>
-          </a:effectRef>
-          <a:fontRef idx="minor">
-            <a:schemeClr val="lt1"/>
-          </a:fontRef>
-        </p:style>
-        <p:txBody>
-          <a:bodyPr rtlCol="0" anchor="ctr"/>
-          <a:lstStyle/>
-          <a:p>
-            <a:pPr algn="ctr"/>
-            <a:endParaRPr lang="en-SG"/>
-          </a:p>
-        </p:txBody>
-      </p:sp>
-      <p:sp>
-        <p:nvSpPr>
-          <p:cNvPr id="10" name="Down Arrow 9"/>
-          <p:cNvSpPr/>
-          <p:nvPr/>
-        </p:nvSpPr>
-        <p:spPr>
-          <a:xfrm rot="10800000">
-            <a:off x="1079907" y="44625"/>
-            <a:ext cx="1871385" cy="734554"/>
-          </a:xfrm>
-          <a:prstGeom prst="downArrow">
-            <a:avLst/>
-          </a:prstGeom>
-          <a:solidFill>
-            <a:schemeClr val="accent1">
-              <a:lumMod val="20000"/>
-              <a:lumOff val="80000"/>
-            </a:schemeClr>
-          </a:solidFill>
-          <a:ln>
-            <a:noFill/>
-          </a:ln>
-        </p:spPr>
-        <p:style>
-          <a:lnRef idx="2">
-            <a:schemeClr val="accent1">
-              <a:shade val="50000"/>
-            </a:schemeClr>
-          </a:lnRef>
-          <a:fillRef idx="1">
-            <a:schemeClr val="accent1"/>
-          </a:fillRef>
-          <a:effectRef idx="0">
-            <a:schemeClr val="accent1"/>
-          </a:effectRef>
-          <a:fontRef idx="minor">
-            <a:schemeClr val="lt1"/>
-          </a:fontRef>
-        </p:style>
-        <p:txBody>
-          <a:bodyPr rtlCol="0" anchor="ctr"/>
-          <a:lstStyle/>
-          <a:p>
-            <a:pPr algn="ctr"/>
-            <a:endParaRPr lang="en-SG"/>
-          </a:p>
-        </p:txBody>
-      </p:sp>
-      <p:pic>
-        <p:nvPicPr>
-          <p:cNvPr id="3" name="PPTIndicator201604241934488105"/>
-          <p:cNvPicPr>
-            <a:picLocks/>
-          </p:cNvPicPr>
-          <p:nvPr/>
-        </p:nvPicPr>
-        <p:blipFill>
-          <a:blip r:embed="rId2" cstate="email">
-            <a:extLst>
-              <a:ext uri="{28A0092B-C50C-407E-A947-70E740481C1C}">
-                <a14:useLocalDpi xmlns:a14="http://schemas.microsoft.com/office/drawing/2010/main"/>
-              </a:ext>
-            </a:extLst>
-          </a:blip>
-          <a:stretch>
-            <a:fillRect/>
-          </a:stretch>
-        </p:blipFill>
-        <p:spPr>
-          <a:xfrm>
-            <a:off x="7620000" y="0"/>
-            <a:ext cx="1524000" cy="1066800"/>
-          </a:xfrm>
-          <a:prstGeom prst="rect">
-            <a:avLst/>
-          </a:prstGeom>
-        </p:spPr>
-      </p:pic>
-    </p:spTree>
-    <p:extLst>
-      <p:ext uri="{BB962C8B-B14F-4D97-AF65-F5344CB8AC3E}">
-        <p14:creationId xmlns:p14="http://schemas.microsoft.com/office/powerpoint/2010/main" val="1458262518"/>
-      </p:ext>
-    </p:extLst>
-  </p:cSld>
-  <p:clrMapOvr>
-    <a:masterClrMapping/>
-  </p:clrMapOvr>
-  <mc:AlternateContent xmlns:mc="http://schemas.openxmlformats.org/markup-compatibility/2006" xmlns:p14="http://schemas.microsoft.com/office/powerpoint/2010/main">
-    <mc:Choice Requires="p14">
-      <p:transition spd="med" p14:dur="700" advClick="0" advTm="0"/>
-    </mc:Choice>
-    <mc:Fallback xmlns="">
-      <p:transition spd="med" advClick="0" advTm="0"/>
-    </mc:Fallback>
-  </mc:AlternateContent>
-  <p:timing>
-    <p:tnLst>
-      <p:par>
-        <p:cTn id="1" dur="indefinite" restart="never" nodeType="tmRoot">
-          <p:childTnLst>
-            <p:seq concurrent="1" nextAc="seek">
-              <p:cTn id="2" dur="indefinite" nodeType="mainSeq">
-                <p:childTnLst>
-                  <p:par>
-                    <p:cTn id="3" fill="hold">
-                      <p:stCondLst>
-                        <p:cond delay="indefinite"/>
-                        <p:cond evt="onBegin" delay="0">
-                          <p:tn val="2"/>
-                        </p:cond>
-                      </p:stCondLst>
-                      <p:childTnLst>
-                        <p:par>
-                          <p:cTn id="4" fill="hold">
-                            <p:stCondLst>
-                              <p:cond delay="0"/>
-                            </p:stCondLst>
-                            <p:childTnLst>
-                              <p:par>
-                                <p:cTn id="5" presetID="1" presetClass="entr" presetSubtype="0" fill="hold" nodeType="withEffect">
-                                  <p:stCondLst>
-                                    <p:cond delay="0"/>
-                                  </p:stCondLst>
-                                  <p:childTnLst>
-                                    <p:set>
-                                      <p:cBhvr>
-                                        <p:cTn id="6" dur="1" fill="hold">
-                                          <p:stCondLst>
-                                            <p:cond delay="0"/>
-                                          </p:stCondLst>
-                                        </p:cTn>
-                                        <p:tgtEl>
-                                          <p:spTgt spid="3"/>
-                                        </p:tgtEl>
-                                        <p:attrNameLst>
-                                          <p:attrName>style.visibility</p:attrName>
-                                        </p:attrNameLst>
-                                      </p:cBhvr>
-                                      <p:to>
-                                        <p:strVal val="visible"/>
-                                      </p:to>
-                                    </p:set>
-                                  </p:childTnLst>
-                                </p:cTn>
-                              </p:par>
-                              <p:par>
-                                <p:cTn id="7" presetID="1" presetClass="exit" presetSubtype="0" fill="hold" nodeType="withEffect">
-                                  <p:stCondLst>
-                                    <p:cond delay="0"/>
-                                  </p:stCondLst>
-                                  <p:childTnLst>
-                                    <p:set>
-                                      <p:cBhvr>
-                                        <p:cTn id="8" dur="1" fill="hold">
-                                          <p:stCondLst>
-                                            <p:cond delay="0"/>
-                                          </p:stCondLst>
-                                        </p:cTn>
-                                        <p:tgtEl>
-                                          <p:spTgt spid="3"/>
-                                        </p:tgtEl>
-                                        <p:attrNameLst>
-                                          <p:attrName>style.visibility</p:attrName>
-                                        </p:attrNameLst>
-                                      </p:cBhvr>
-                                      <p:to>
-                                        <p:strVal val="hidden"/>
-                                      </p:to>
-                                    </p:set>
-                                  </p:childTnLst>
-                                </p:cTn>
-                              </p:par>
-                            </p:childTnLst>
-                          </p:cTn>
-                        </p:par>
-                        <p:par>
-                          <p:cTn id="9" fill="hold">
-                            <p:stCondLst>
-                              <p:cond delay="0"/>
-                            </p:stCondLst>
-                            <p:childTnLst>
-                              <p:par>
-                                <p:cTn id="10" presetID="42" presetClass="path" presetSubtype="0" fill="hold" grpId="0" nodeType="afterEffect">
-                                  <p:stCondLst>
-                                    <p:cond delay="0"/>
-                                  </p:stCondLst>
-                                  <p:childTnLst>
-                                    <p:animMotion origin="layout" path="M 0 0 C 0 -0.002888856 0 -0.002888856 0 -0.005777712 E" pathEditMode="relative" ptsTypes="">
-                                      <p:cBhvr>
-                                        <p:cTn id="11" dur="500" fill="hold"/>
-                                        <p:tgtEl>
-                                          <p:spTgt spid="2"/>
-                                        </p:tgtEl>
-                                        <p:attrNameLst>
-                                          <p:attrName>ppt_x</p:attrName>
-                                          <p:attrName>ppt_y</p:attrName>
-                                        </p:attrNameLst>
-                                      </p:cBhvr>
-                                    </p:animMotion>
-                                  </p:childTnLst>
-                                </p:cTn>
-                              </p:par>
-                              <p:par>
-                                <p:cTn id="12" presetID="6" presetClass="emph" presetSubtype="0" fill="hold" grpId="1" nodeType="withEffect">
-                                  <p:stCondLst>
-                                    <p:cond delay="0"/>
-                                  </p:stCondLst>
-                                  <p:childTnLst>
-                                    <p:animScale>
-                                      <p:cBhvr>
-                                        <p:cTn id="13" dur="500" fill="hold"/>
-                                        <p:tgtEl>
-                                          <p:spTgt spid="2"/>
-                                        </p:tgtEl>
-                                      </p:cBhvr>
-                                      <p:by x="100000" y="65513"/>
-                                    </p:animScale>
-                                  </p:childTnLst>
-                                </p:cTn>
-                              </p:par>
-                              <p:par>
-                                <p:cTn id="14" presetID="42" presetClass="path" presetSubtype="0" fill="hold" grpId="0" nodeType="withEffect">
-                                  <p:stCondLst>
-                                    <p:cond delay="0"/>
-                                  </p:stCondLst>
-                                  <p:childTnLst>
-                                    <p:animMotion origin="layout" path="M 0 0 C -0.02640213 0 -0.02640213 0 -0.05280427 0 E" pathEditMode="relative" ptsTypes="">
-                                      <p:cBhvr>
-                                        <p:cTn id="15" dur="500" fill="hold"/>
-                                        <p:tgtEl>
-                                          <p:spTgt spid="6"/>
-                                        </p:tgtEl>
-                                        <p:attrNameLst>
-                                          <p:attrName>ppt_x</p:attrName>
-                                          <p:attrName>ppt_y</p:attrName>
-                                        </p:attrNameLst>
-                                      </p:cBhvr>
-                                    </p:animMotion>
-                                  </p:childTnLst>
-                                </p:cTn>
-                              </p:par>
-                              <p:par>
-                                <p:cTn id="16" presetID="6" presetClass="emph" presetSubtype="0" fill="hold" grpId="1" nodeType="withEffect">
-                                  <p:stCondLst>
-                                    <p:cond delay="0"/>
-                                  </p:stCondLst>
-                                  <p:childTnLst>
-                                    <p:animScale>
-                                      <p:cBhvr>
-                                        <p:cTn id="17" dur="500" fill="hold"/>
-                                        <p:tgtEl>
-                                          <p:spTgt spid="6"/>
-                                        </p:tgtEl>
-                                      </p:cBhvr>
-                                      <p:by x="77252" y="100000"/>
-                                    </p:animScale>
-                                  </p:childTnLst>
-                                </p:cTn>
-                              </p:par>
-                              <p:par>
-                                <p:cTn id="18" presetID="42" presetClass="path" presetSubtype="0" fill="hold" grpId="0" nodeType="withEffect">
-                                  <p:stCondLst>
-                                    <p:cond delay="0"/>
-                                  </p:stCondLst>
-                                  <p:childTnLst>
-                                    <p:animMotion origin="layout" path="M 0 0 C 0.02576755 0 0.02576755 0 0.05153511 0 E" pathEditMode="relative" ptsTypes="">
-                                      <p:cBhvr>
-                                        <p:cTn id="19" dur="500" fill="hold"/>
-                                        <p:tgtEl>
-                                          <p:spTgt spid="7"/>
-                                        </p:tgtEl>
-                                        <p:attrNameLst>
-                                          <p:attrName>ppt_x</p:attrName>
-                                          <p:attrName>ppt_y</p:attrName>
-                                        </p:attrNameLst>
-                                      </p:cBhvr>
-                                    </p:animMotion>
-                                  </p:childTnLst>
-                                </p:cTn>
-                              </p:par>
-                              <p:par>
-                                <p:cTn id="20" presetID="42" presetClass="path" presetSubtype="0" fill="hold" grpId="0" nodeType="withEffect">
-                                  <p:stCondLst>
-                                    <p:cond delay="0"/>
-                                  </p:stCondLst>
-                                  <p:childTnLst>
-                                    <p:animMotion origin="layout" path="M 0 0 C -0.07938597 0 -0.07938597 0 -0.1587719 0 E" pathEditMode="relative" ptsTypes="">
-                                      <p:cBhvr>
-                                        <p:cTn id="21" dur="500" fill="hold"/>
-                                        <p:tgtEl>
-                                          <p:spTgt spid="8"/>
-                                        </p:tgtEl>
-                                        <p:attrNameLst>
-                                          <p:attrName>ppt_x</p:attrName>
-                                          <p:attrName>ppt_y</p:attrName>
-                                        </p:attrNameLst>
-                                      </p:cBhvr>
-                                    </p:animMotion>
-                                  </p:childTnLst>
-                                </p:cTn>
-                              </p:par>
-                              <p:par>
-                                <p:cTn id="22" presetID="42" presetClass="path" presetSubtype="0" fill="hold" grpId="0" nodeType="withEffect">
-                                  <p:stCondLst>
-                                    <p:cond delay="0"/>
-                                  </p:stCondLst>
-                                  <p:childTnLst>
-                                    <p:animMotion origin="layout" path="M 0 0 C 0 -0.078646 0 -0.078646 0 -0.157292 E" pathEditMode="relative" ptsTypes="">
-                                      <p:cBhvr>
-                                        <p:cTn id="23" dur="500" fill="hold"/>
-                                        <p:tgtEl>
-                                          <p:spTgt spid="9"/>
-                                        </p:tgtEl>
-                                        <p:attrNameLst>
-                                          <p:attrName>ppt_x</p:attrName>
-                                          <p:attrName>ppt_y</p:attrName>
-                                        </p:attrNameLst>
-                                      </p:cBhvr>
-                                    </p:animMotion>
-                                  </p:childTnLst>
-                                </p:cTn>
-                              </p:par>
-                              <p:par>
-                                <p:cTn id="24" presetID="42" presetClass="path" presetSubtype="0" fill="hold" grpId="0" nodeType="withEffect">
-                                  <p:stCondLst>
-                                    <p:cond delay="0"/>
-                                  </p:stCondLst>
-                                  <p:childTnLst>
-                                    <p:animMotion origin="layout" path="M 0 0 C 0 0.07923681 0 0.07923681 0 0.1584736 E" pathEditMode="relative" ptsTypes="">
-                                      <p:cBhvr>
-                                        <p:cTn id="25" dur="500" fill="hold"/>
-                                        <p:tgtEl>
-                                          <p:spTgt spid="10"/>
-                                        </p:tgtEl>
-                                        <p:attrNameLst>
-                                          <p:attrName>ppt_x</p:attrName>
-                                          <p:attrName>ppt_y</p:attrName>
-                                        </p:attrNameLst>
-                                      </p:cBhvr>
-                                    </p:animMotion>
-                                  </p:childTnLst>
-                                </p:cTn>
-                              </p:par>
-                            </p:childTnLst>
-                          </p:cTn>
-                        </p:par>
-                      </p:childTnLst>
-                    </p:cTn>
-                  </p:par>
-                </p:childTnLst>
-              </p:cTn>
-              <p:prevCondLst>
-                <p:cond evt="onPrev" delay="0">
-                  <p:tgtEl>
-                    <p:sldTgt/>
-                  </p:tgtEl>
-                </p:cond>
-              </p:prevCondLst>
-              <p:nextCondLst>
-                <p:cond evt="onNext" delay="0">
-                  <p:tgtEl>
-                    <p:sldTgt/>
-                  </p:tgtEl>
-                </p:cond>
-              </p:nextCondLst>
-            </p:seq>
-          </p:childTnLst>
-        </p:cTn>
-      </p:par>
-    </p:tnLst>
-    <p:bldLst>
-      <p:bldP spid="2" grpId="0" animBg="1"/>
-      <p:bldP spid="2" grpId="1" animBg="1"/>
-      <p:bldP spid="6" grpId="0" animBg="1"/>
-      <p:bldP spid="6" grpId="1" animBg="1"/>
-      <p:bldP spid="7" grpId="0" animBg="1"/>
-      <p:bldP spid="8" grpId="0" animBg="1"/>
-      <p:bldP spid="9" grpId="0" animBg="1"/>
-      <p:bldP spid="10" grpId="0" animBg="1"/>
-    </p:bldLst>
-  </p:timing>
-</p:sld>
-</file>
-
-<file path=ppt/slides/slide15.xml><?xml version="1.0" encoding="utf-8"?>
-<p:sld xmlns:a="http://schemas.openxmlformats.org/drawingml/2006/main" xmlns:r="http://schemas.openxmlformats.org/officeDocument/2006/relationships" xmlns:p="http://schemas.openxmlformats.org/presentationml/2006/main">
-  <p:cSld name="PPSlideEnd_201604241934487975_bf00560">
-    <p:spTree>
-      <p:nvGrpSpPr>
-        <p:cNvPr id="1" name=""/>
-        <p:cNvGrpSpPr/>
-        <p:nvPr/>
-      </p:nvGrpSpPr>
-      <p:grpSpPr>
-        <a:xfrm>
-          <a:off x="0" y="0"/>
-          <a:ext cx="0" cy="0"/>
-          <a:chOff x="0" y="0"/>
-          <a:chExt cx="0" cy="0"/>
-        </a:xfrm>
-      </p:grpSpPr>
-      <p:sp>
-        <p:nvSpPr>
-          <p:cNvPr id="2" name="v"/>
-          <p:cNvSpPr/>
-          <p:nvPr/>
-        </p:nvSpPr>
-        <p:spPr>
-          <a:xfrm>
-            <a:off x="1543542" y="1412776"/>
-            <a:ext cx="954501" cy="3953203"/>
-          </a:xfrm>
-          <a:prstGeom prst="rect">
-            <a:avLst/>
-          </a:prstGeom>
-          <a:solidFill>
-            <a:schemeClr val="accent1">
-              <a:lumMod val="20000"/>
-              <a:lumOff val="80000"/>
-            </a:schemeClr>
-          </a:solidFill>
-          <a:ln>
-            <a:noFill/>
-          </a:ln>
-        </p:spPr>
-        <p:style>
-          <a:lnRef idx="2">
-            <a:schemeClr val="accent1">
-              <a:shade val="50000"/>
-            </a:schemeClr>
-          </a:lnRef>
-          <a:fillRef idx="1">
-            <a:schemeClr val="accent1"/>
-          </a:fillRef>
-          <a:effectRef idx="0">
-            <a:schemeClr val="accent1"/>
-          </a:effectRef>
-          <a:fontRef idx="minor">
-            <a:schemeClr val="lt1"/>
-          </a:fontRef>
-        </p:style>
-        <p:txBody>
-          <a:bodyPr rtlCol="0" anchor="ctr"/>
-          <a:lstStyle/>
-          <a:p>
-            <a:pPr algn="ctr"/>
-            <a:endParaRPr lang="en-SG"/>
-          </a:p>
-        </p:txBody>
-      </p:sp>
-      <p:sp>
-        <p:nvSpPr>
-          <p:cNvPr id="4" name="TextBox 5"/>
-          <p:cNvSpPr txBox="1"/>
-          <p:nvPr/>
-        </p:nvSpPr>
-        <p:spPr>
-          <a:xfrm>
-            <a:off x="2467662" y="2465020"/>
-            <a:ext cx="5992770" cy="1107996"/>
-          </a:xfrm>
-          <a:prstGeom prst="rect">
-            <a:avLst/>
-          </a:prstGeom>
-          <a:noFill/>
-        </p:spPr>
-        <p:txBody>
-          <a:bodyPr wrap="square" rtlCol="0">
-            <a:spAutoFit/>
-          </a:bodyPr>
-          <a:lstStyle/>
-          <a:p>
-            <a:r>
-              <a:rPr lang="en-US" sz="6600" b="1" dirty="0" smtClean="0">
-                <a:solidFill>
-                  <a:schemeClr val="tx2">
-                    <a:lumMod val="60000"/>
-                    <a:lumOff val="40000"/>
-                  </a:schemeClr>
-                </a:solidFill>
-              </a:rPr>
-              <a:t>… and more!</a:t>
-            </a:r>
-            <a:endParaRPr lang="en-SG" sz="6600" b="1" dirty="0">
-              <a:solidFill>
-                <a:schemeClr val="tx2">
-                  <a:lumMod val="60000"/>
-                  <a:lumOff val="40000"/>
-                </a:schemeClr>
-              </a:solidFill>
-            </a:endParaRPr>
-          </a:p>
-        </p:txBody>
-      </p:sp>
-      <p:sp>
-        <p:nvSpPr>
-          <p:cNvPr id="6" name="Rectangle 5"/>
-          <p:cNvSpPr/>
-          <p:nvPr/>
-        </p:nvSpPr>
-        <p:spPr>
-          <a:xfrm>
-            <a:off x="855535" y="3698027"/>
-            <a:ext cx="6452770" cy="974114"/>
-          </a:xfrm>
-          <a:prstGeom prst="rect">
-            <a:avLst/>
-          </a:prstGeom>
-          <a:solidFill>
-            <a:schemeClr val="accent1">
-              <a:lumMod val="20000"/>
-              <a:lumOff val="80000"/>
-            </a:schemeClr>
-          </a:solidFill>
-          <a:ln>
-            <a:noFill/>
-          </a:ln>
-        </p:spPr>
-        <p:style>
-          <a:lnRef idx="2">
-            <a:schemeClr val="accent1">
-              <a:shade val="50000"/>
-            </a:schemeClr>
-          </a:lnRef>
-          <a:fillRef idx="1">
-            <a:schemeClr val="accent1"/>
-          </a:fillRef>
-          <a:effectRef idx="0">
-            <a:schemeClr val="accent1"/>
-          </a:effectRef>
-          <a:fontRef idx="minor">
-            <a:schemeClr val="lt1"/>
-          </a:fontRef>
-        </p:style>
-        <p:txBody>
-          <a:bodyPr rtlCol="0" anchor="ctr"/>
-          <a:lstStyle/>
-          <a:p>
-            <a:pPr algn="ctr"/>
-            <a:endParaRPr lang="en-SG"/>
-          </a:p>
-        </p:txBody>
-      </p:sp>
-      <p:sp>
-        <p:nvSpPr>
-          <p:cNvPr id="7" name="Down Arrow 6"/>
-          <p:cNvSpPr/>
-          <p:nvPr/>
-        </p:nvSpPr>
-        <p:spPr>
-          <a:xfrm rot="5400000">
-            <a:off x="-76157" y="3820992"/>
-            <a:ext cx="1871385" cy="734554"/>
-          </a:xfrm>
-          <a:prstGeom prst="downArrow">
-            <a:avLst/>
-          </a:prstGeom>
-          <a:solidFill>
-            <a:schemeClr val="accent1">
-              <a:lumMod val="20000"/>
-              <a:lumOff val="80000"/>
-            </a:schemeClr>
-          </a:solidFill>
-          <a:ln>
-            <a:noFill/>
-          </a:ln>
-        </p:spPr>
-        <p:style>
-          <a:lnRef idx="2">
-            <a:schemeClr val="accent1">
-              <a:shade val="50000"/>
-            </a:schemeClr>
-          </a:lnRef>
-          <a:fillRef idx="1">
-            <a:schemeClr val="accent1"/>
-          </a:fillRef>
-          <a:effectRef idx="0">
-            <a:schemeClr val="accent1"/>
-          </a:effectRef>
-          <a:fontRef idx="minor">
-            <a:schemeClr val="lt1"/>
-          </a:fontRef>
-        </p:style>
-        <p:txBody>
-          <a:bodyPr rtlCol="0" anchor="ctr"/>
-          <a:lstStyle/>
-          <a:p>
-            <a:pPr algn="ctr"/>
-            <a:endParaRPr lang="en-SG"/>
-          </a:p>
-        </p:txBody>
-      </p:sp>
-      <p:sp>
-        <p:nvSpPr>
-          <p:cNvPr id="8" name="Down Arrow 7"/>
-          <p:cNvSpPr/>
-          <p:nvPr/>
-        </p:nvSpPr>
-        <p:spPr>
-          <a:xfrm rot="16200000">
-            <a:off x="6353723" y="3817807"/>
-            <a:ext cx="1871385" cy="734554"/>
-          </a:xfrm>
-          <a:prstGeom prst="downArrow">
-            <a:avLst/>
-          </a:prstGeom>
-          <a:solidFill>
-            <a:schemeClr val="accent1">
-              <a:lumMod val="20000"/>
-              <a:lumOff val="80000"/>
-            </a:schemeClr>
-          </a:solidFill>
-          <a:ln>
-            <a:noFill/>
-          </a:ln>
-        </p:spPr>
-        <p:style>
-          <a:lnRef idx="2">
-            <a:schemeClr val="accent1">
-              <a:shade val="50000"/>
-            </a:schemeClr>
-          </a:lnRef>
-          <a:fillRef idx="1">
-            <a:schemeClr val="accent1"/>
-          </a:fillRef>
-          <a:effectRef idx="0">
-            <a:schemeClr val="accent1"/>
-          </a:effectRef>
-          <a:fontRef idx="minor">
-            <a:schemeClr val="lt1"/>
-          </a:fontRef>
-        </p:style>
-        <p:txBody>
-          <a:bodyPr rtlCol="0" anchor="ctr"/>
-          <a:lstStyle/>
-          <a:p>
-            <a:pPr algn="ctr"/>
-            <a:endParaRPr lang="en-SG"/>
-          </a:p>
-        </p:txBody>
-      </p:sp>
-      <p:sp>
-        <p:nvSpPr>
-          <p:cNvPr id="9" name="Down Arrow 8"/>
-          <p:cNvSpPr/>
-          <p:nvPr/>
-        </p:nvSpPr>
-        <p:spPr>
-          <a:xfrm>
-            <a:off x="1085100" y="5000113"/>
-            <a:ext cx="1871385" cy="734554"/>
-          </a:xfrm>
-          <a:prstGeom prst="downArrow">
-            <a:avLst/>
-          </a:prstGeom>
-          <a:solidFill>
-            <a:schemeClr val="accent1">
-              <a:lumMod val="20000"/>
-              <a:lumOff val="80000"/>
-            </a:schemeClr>
-          </a:solidFill>
-          <a:ln>
-            <a:noFill/>
-          </a:ln>
-        </p:spPr>
-        <p:style>
-          <a:lnRef idx="2">
-            <a:schemeClr val="accent1">
-              <a:shade val="50000"/>
-            </a:schemeClr>
-          </a:lnRef>
-          <a:fillRef idx="1">
-            <a:schemeClr val="accent1"/>
-          </a:fillRef>
-          <a:effectRef idx="0">
-            <a:schemeClr val="accent1"/>
-          </a:effectRef>
-          <a:fontRef idx="minor">
-            <a:schemeClr val="lt1"/>
-          </a:fontRef>
-        </p:style>
-        <p:txBody>
-          <a:bodyPr rtlCol="0" anchor="ctr"/>
-          <a:lstStyle/>
-          <a:p>
-            <a:pPr algn="ctr"/>
-            <a:endParaRPr lang="en-SG"/>
-          </a:p>
-        </p:txBody>
-      </p:sp>
-      <p:sp>
-        <p:nvSpPr>
-          <p:cNvPr id="10" name="Down Arrow 9"/>
-          <p:cNvSpPr/>
-          <p:nvPr/>
-        </p:nvSpPr>
-        <p:spPr>
-          <a:xfrm rot="10800000">
-            <a:off x="1079907" y="1131437"/>
-            <a:ext cx="1871385" cy="734554"/>
-          </a:xfrm>
-          <a:prstGeom prst="downArrow">
-            <a:avLst/>
-          </a:prstGeom>
-          <a:solidFill>
-            <a:schemeClr val="accent1">
-              <a:lumMod val="20000"/>
-              <a:lumOff val="80000"/>
-            </a:schemeClr>
-          </a:solidFill>
-          <a:ln>
-            <a:noFill/>
-          </a:ln>
-        </p:spPr>
-        <p:style>
-          <a:lnRef idx="2">
-            <a:schemeClr val="accent1">
-              <a:shade val="50000"/>
-            </a:schemeClr>
-          </a:lnRef>
-          <a:fillRef idx="1">
-            <a:schemeClr val="accent1"/>
-          </a:fillRef>
-          <a:effectRef idx="0">
-            <a:schemeClr val="accent1"/>
-          </a:effectRef>
-          <a:fontRef idx="minor">
-            <a:schemeClr val="lt1"/>
-          </a:fontRef>
-        </p:style>
-        <p:txBody>
-          <a:bodyPr rtlCol="0" anchor="ctr"/>
-          <a:lstStyle/>
-          <a:p>
-            <a:pPr algn="ctr"/>
-            <a:endParaRPr lang="en-SG"/>
-          </a:p>
-        </p:txBody>
-      </p:sp>
-    </p:spTree>
-    <p:extLst>
-      <p:ext uri="{BB962C8B-B14F-4D97-AF65-F5344CB8AC3E}">
-        <p14:creationId xmlns:p14="http://schemas.microsoft.com/office/powerpoint/2010/main" val="447511041"/>
-      </p:ext>
-    </p:extLst>
-  </p:cSld>
-  <p:clrMapOvr>
-    <a:masterClrMapping/>
-  </p:clrMapOvr>
-  <mc:AlternateContent xmlns:mc="http://schemas.openxmlformats.org/markup-compatibility/2006" xmlns:p14="http://schemas.microsoft.com/office/powerpoint/2010/main">
-    <mc:Choice Requires="p14">
-      <p:transition spd="med" p14:dur="700" advTm="0">
-        <p:fade/>
-      </p:transition>
-    </mc:Choice>
-    <mc:Fallback xmlns="">
-      <p:transition spd="med" advTm="0">
-        <p:fade/>
-      </p:transition>
-    </mc:Fallback>
-  </mc:AlternateContent>
-  <p:timing>
-    <p:tnLst>
-      <p:par>
-        <p:cTn id="1" dur="indefinite" restart="never" nodeType="tmRoot"/>
-      </p:par>
-    </p:tnLst>
-  </p:timing>
-</p:sld>
-</file>
-
-<file path=ppt/slides/slide16.xml><?xml version="1.0" encoding="utf-8"?>
-<p:sld xmlns:a="http://schemas.openxmlformats.org/drawingml/2006/main" xmlns:r="http://schemas.openxmlformats.org/officeDocument/2006/relationships" xmlns:p="http://schemas.openxmlformats.org/presentationml/2006/main" show="0">
-  <p:cSld name="PPTLabsAcknowledgementSlide">
-    <p:spTree>
-      <p:nvGrpSpPr>
-        <p:cNvPr id="1" name=""/>
-        <p:cNvGrpSpPr/>
-        <p:nvPr/>
-      </p:nvGrpSpPr>
-      <p:grpSpPr>
-        <a:xfrm>
-          <a:off x="0" y="0"/>
-          <a:ext cx="0" cy="0"/>
-          <a:chOff x="0" y="0"/>
-          <a:chExt cx="0" cy="0"/>
-        </a:xfrm>
-      </p:grpSpPr>
-      <p:pic>
-        <p:nvPicPr>
-          <p:cNvPr id="2" name="Picture 1"/>
-          <p:cNvPicPr>
-            <a:picLocks/>
-          </p:cNvPicPr>
-          <p:nvPr/>
-        </p:nvPicPr>
-        <p:blipFill>
-          <a:blip r:embed="rId2" cstate="email">
-            <a:extLst>
-              <a:ext uri="{28A0092B-C50C-407E-A947-70E740481C1C}">
-                <a14:useLocalDpi xmlns:a14="http://schemas.microsoft.com/office/drawing/2010/main"/>
-              </a:ext>
-            </a:extLst>
-          </a:blip>
-          <a:stretch>
-            <a:fillRect/>
-          </a:stretch>
-        </p:blipFill>
-        <p:spPr>
-          <a:xfrm>
-            <a:off x="649224" y="992124"/>
-            <a:ext cx="7845552" cy="4873752"/>
-          </a:xfrm>
-          <a:prstGeom prst="rect">
-            <a:avLst/>
-          </a:prstGeom>
-        </p:spPr>
-      </p:pic>
-    </p:spTree>
-    <p:extLst>
-      <p:ext uri="{BB962C8B-B14F-4D97-AF65-F5344CB8AC3E}">
-        <p14:creationId xmlns:p14="http://schemas.microsoft.com/office/powerpoint/2010/main" val="723496563"/>
-      </p:ext>
-    </p:extLst>
-  </p:cSld>
-  <p:clrMapOvr>
-    <a:masterClrMapping/>
-  </p:clrMapOvr>
-  <mc:AlternateContent xmlns:mc="http://schemas.openxmlformats.org/markup-compatibility/2006" xmlns:p14="http://schemas.microsoft.com/office/powerpoint/2010/main">
-    <mc:Choice Requires="p14">
-      <p:transition spd="slow" p14:dur="2000" advTm="2000"/>
-    </mc:Choice>
-    <mc:Fallback xmlns="">
-      <p:transition spd="slow" advTm="2000"/>
-    </mc:Fallback>
-  </mc:AlternateContent>
-  <p:timing>
-    <p:tnLst>
-      <p:par>
-        <p:cTn id="1" dur="indefinite" restart="never" nodeType="tmRoot"/>
-      </p:par>
-    </p:tnLst>
-  </p:timing>
-</p:sld>
-</file>
-
-<file path=ppt/slides/slide2.xml><?xml version="1.0" encoding="utf-8"?>
-<p:sld xmlns:a="http://schemas.openxmlformats.org/drawingml/2006/main" xmlns:r="http://schemas.openxmlformats.org/officeDocument/2006/relationships" xmlns:p="http://schemas.openxmlformats.org/presentationml/2006/main">
   <p:cSld name="PPSlideStart_201604241904345715_085c905">
     <p:spTree>
       <p:nvGrpSpPr>
@@ -7988,7 +3843,7 @@
           <a:lstStyle/>
           <a:p>
             <a:r>
-              <a:rPr lang="en-US" sz="6600" b="1" dirty="0" smtClean="0">
+              <a:rPr lang="en-US" sz="6600" b="1" dirty="0">
                 <a:solidFill>
                   <a:schemeClr val="tx2">
                     <a:lumMod val="60000"/>
@@ -8340,16 +4195,12 @@
   <p:clrMapOvr>
     <a:masterClrMapping/>
   </p:clrMapOvr>
-  <mc:AlternateContent xmlns:mc="http://schemas.openxmlformats.org/markup-compatibility/2006" xmlns:p14="http://schemas.microsoft.com/office/powerpoint/2010/main">
-    <mc:Choice Requires="p14">
-      <p:transition spd="med" p14:dur="700" advTm="2000">
-        <p:fade/>
-      </p:transition>
+  <mc:AlternateContent xmlns:mc="http://schemas.openxmlformats.org/markup-compatibility/2006">
+    <mc:Choice xmlns:p14="http://schemas.microsoft.com/office/powerpoint/2010/main" Requires="p14">
+      <p:transition p14:dur="0" advTm="2000"/>
     </mc:Choice>
-    <mc:Fallback xmlns="">
-      <p:transition spd="med" advTm="2000">
-        <p:fade/>
-      </p:transition>
+    <mc:Fallback>
+      <p:transition advTm="2000"/>
     </mc:Fallback>
   </mc:AlternateContent>
   <p:timing>
@@ -8766,7 +4617,2912 @@
 </p:sld>
 </file>
 
-<file path=ppt/slides/slide3.xml><?xml version="1.0" encoding="utf-8"?>
+<file path=ppt/slides/slide10.xml><?xml version="1.0" encoding="utf-8"?>
+<p:sld xmlns:a="http://schemas.openxmlformats.org/drawingml/2006/main" xmlns:r="http://schemas.openxmlformats.org/officeDocument/2006/relationships" xmlns:p="http://schemas.openxmlformats.org/presentationml/2006/main">
+  <p:cSld name="PPSlideStart_201604241932214235_12a22da">
+    <p:spTree>
+      <p:nvGrpSpPr>
+        <p:cNvPr id="1" name=""/>
+        <p:cNvGrpSpPr/>
+        <p:nvPr/>
+      </p:nvGrpSpPr>
+      <p:grpSpPr>
+        <a:xfrm>
+          <a:off x="0" y="0"/>
+          <a:ext cx="0" cy="0"/>
+          <a:chOff x="0" y="0"/>
+          <a:chExt cx="0" cy="0"/>
+        </a:xfrm>
+      </p:grpSpPr>
+      <p:sp>
+        <p:nvSpPr>
+          <p:cNvPr id="2" name="v"/>
+          <p:cNvSpPr/>
+          <p:nvPr/>
+        </p:nvSpPr>
+        <p:spPr>
+          <a:xfrm>
+            <a:off x="1543542" y="1412776"/>
+            <a:ext cx="954501" cy="3953203"/>
+          </a:xfrm>
+          <a:prstGeom prst="rect">
+            <a:avLst/>
+          </a:prstGeom>
+          <a:solidFill>
+            <a:schemeClr val="accent1">
+              <a:lumMod val="20000"/>
+              <a:lumOff val="80000"/>
+            </a:schemeClr>
+          </a:solidFill>
+          <a:ln>
+            <a:noFill/>
+          </a:ln>
+        </p:spPr>
+        <p:style>
+          <a:lnRef idx="2">
+            <a:schemeClr val="accent1">
+              <a:shade val="50000"/>
+            </a:schemeClr>
+          </a:lnRef>
+          <a:fillRef idx="1">
+            <a:schemeClr val="accent1"/>
+          </a:fillRef>
+          <a:effectRef idx="0">
+            <a:schemeClr val="accent1"/>
+          </a:effectRef>
+          <a:fontRef idx="minor">
+            <a:schemeClr val="lt1"/>
+          </a:fontRef>
+        </p:style>
+        <p:txBody>
+          <a:bodyPr rtlCol="0" anchor="ctr"/>
+          <a:lstStyle/>
+          <a:p>
+            <a:pPr algn="ctr"/>
+            <a:endParaRPr lang="en-SG"/>
+          </a:p>
+        </p:txBody>
+      </p:sp>
+      <p:sp>
+        <p:nvSpPr>
+          <p:cNvPr id="4" name="TextBox 5"/>
+          <p:cNvSpPr txBox="1"/>
+          <p:nvPr/>
+        </p:nvSpPr>
+        <p:spPr>
+          <a:xfrm>
+            <a:off x="2467662" y="2465020"/>
+            <a:ext cx="5992770" cy="1107996"/>
+          </a:xfrm>
+          <a:prstGeom prst="rect">
+            <a:avLst/>
+          </a:prstGeom>
+          <a:noFill/>
+        </p:spPr>
+        <p:txBody>
+          <a:bodyPr wrap="square" rtlCol="0">
+            <a:spAutoFit/>
+          </a:bodyPr>
+          <a:lstStyle/>
+          <a:p>
+            <a:r>
+              <a:rPr lang="en-US" sz="6600" b="1" dirty="0">
+                <a:solidFill>
+                  <a:schemeClr val="tx2">
+                    <a:lumMod val="60000"/>
+                    <a:lumOff val="40000"/>
+                  </a:schemeClr>
+                </a:solidFill>
+              </a:rPr>
+              <a:t>… and more!</a:t>
+            </a:r>
+            <a:endParaRPr lang="en-SG" sz="6600" b="1" dirty="0">
+              <a:solidFill>
+                <a:schemeClr val="tx2">
+                  <a:lumMod val="60000"/>
+                  <a:lumOff val="40000"/>
+                </a:schemeClr>
+              </a:solidFill>
+            </a:endParaRPr>
+          </a:p>
+        </p:txBody>
+      </p:sp>
+      <p:sp>
+        <p:nvSpPr>
+          <p:cNvPr id="6" name="Rectangle 5"/>
+          <p:cNvSpPr/>
+          <p:nvPr/>
+        </p:nvSpPr>
+        <p:spPr>
+          <a:xfrm>
+            <a:off x="855535" y="3698027"/>
+            <a:ext cx="6452770" cy="974114"/>
+          </a:xfrm>
+          <a:prstGeom prst="rect">
+            <a:avLst/>
+          </a:prstGeom>
+          <a:solidFill>
+            <a:schemeClr val="accent1">
+              <a:lumMod val="20000"/>
+              <a:lumOff val="80000"/>
+            </a:schemeClr>
+          </a:solidFill>
+          <a:ln>
+            <a:noFill/>
+          </a:ln>
+        </p:spPr>
+        <p:style>
+          <a:lnRef idx="2">
+            <a:schemeClr val="accent1">
+              <a:shade val="50000"/>
+            </a:schemeClr>
+          </a:lnRef>
+          <a:fillRef idx="1">
+            <a:schemeClr val="accent1"/>
+          </a:fillRef>
+          <a:effectRef idx="0">
+            <a:schemeClr val="accent1"/>
+          </a:effectRef>
+          <a:fontRef idx="minor">
+            <a:schemeClr val="lt1"/>
+          </a:fontRef>
+        </p:style>
+        <p:txBody>
+          <a:bodyPr rtlCol="0" anchor="ctr"/>
+          <a:lstStyle/>
+          <a:p>
+            <a:pPr algn="ctr"/>
+            <a:endParaRPr lang="en-SG"/>
+          </a:p>
+        </p:txBody>
+      </p:sp>
+      <p:sp>
+        <p:nvSpPr>
+          <p:cNvPr id="7" name="Down Arrow 6"/>
+          <p:cNvSpPr/>
+          <p:nvPr/>
+        </p:nvSpPr>
+        <p:spPr>
+          <a:xfrm rot="5400000">
+            <a:off x="-76157" y="3820992"/>
+            <a:ext cx="1871385" cy="734554"/>
+          </a:xfrm>
+          <a:prstGeom prst="downArrow">
+            <a:avLst/>
+          </a:prstGeom>
+          <a:solidFill>
+            <a:schemeClr val="accent1">
+              <a:lumMod val="20000"/>
+              <a:lumOff val="80000"/>
+            </a:schemeClr>
+          </a:solidFill>
+          <a:ln>
+            <a:noFill/>
+          </a:ln>
+        </p:spPr>
+        <p:style>
+          <a:lnRef idx="2">
+            <a:schemeClr val="accent1">
+              <a:shade val="50000"/>
+            </a:schemeClr>
+          </a:lnRef>
+          <a:fillRef idx="1">
+            <a:schemeClr val="accent1"/>
+          </a:fillRef>
+          <a:effectRef idx="0">
+            <a:schemeClr val="accent1"/>
+          </a:effectRef>
+          <a:fontRef idx="minor">
+            <a:schemeClr val="lt1"/>
+          </a:fontRef>
+        </p:style>
+        <p:txBody>
+          <a:bodyPr rtlCol="0" anchor="ctr"/>
+          <a:lstStyle/>
+          <a:p>
+            <a:pPr algn="ctr"/>
+            <a:endParaRPr lang="en-SG"/>
+          </a:p>
+        </p:txBody>
+      </p:sp>
+      <p:sp>
+        <p:nvSpPr>
+          <p:cNvPr id="8" name="Down Arrow 7"/>
+          <p:cNvSpPr/>
+          <p:nvPr/>
+        </p:nvSpPr>
+        <p:spPr>
+          <a:xfrm rot="16200000">
+            <a:off x="6353723" y="3817807"/>
+            <a:ext cx="1871385" cy="734554"/>
+          </a:xfrm>
+          <a:prstGeom prst="downArrow">
+            <a:avLst/>
+          </a:prstGeom>
+          <a:solidFill>
+            <a:schemeClr val="accent1">
+              <a:lumMod val="20000"/>
+              <a:lumOff val="80000"/>
+            </a:schemeClr>
+          </a:solidFill>
+          <a:ln>
+            <a:noFill/>
+          </a:ln>
+        </p:spPr>
+        <p:style>
+          <a:lnRef idx="2">
+            <a:schemeClr val="accent1">
+              <a:shade val="50000"/>
+            </a:schemeClr>
+          </a:lnRef>
+          <a:fillRef idx="1">
+            <a:schemeClr val="accent1"/>
+          </a:fillRef>
+          <a:effectRef idx="0">
+            <a:schemeClr val="accent1"/>
+          </a:effectRef>
+          <a:fontRef idx="minor">
+            <a:schemeClr val="lt1"/>
+          </a:fontRef>
+        </p:style>
+        <p:txBody>
+          <a:bodyPr rtlCol="0" anchor="ctr"/>
+          <a:lstStyle/>
+          <a:p>
+            <a:pPr algn="ctr"/>
+            <a:endParaRPr lang="en-SG"/>
+          </a:p>
+        </p:txBody>
+      </p:sp>
+      <p:sp>
+        <p:nvSpPr>
+          <p:cNvPr id="9" name="Down Arrow 8"/>
+          <p:cNvSpPr/>
+          <p:nvPr/>
+        </p:nvSpPr>
+        <p:spPr>
+          <a:xfrm>
+            <a:off x="1085100" y="5000113"/>
+            <a:ext cx="1871385" cy="734554"/>
+          </a:xfrm>
+          <a:prstGeom prst="downArrow">
+            <a:avLst/>
+          </a:prstGeom>
+          <a:solidFill>
+            <a:schemeClr val="accent1">
+              <a:lumMod val="20000"/>
+              <a:lumOff val="80000"/>
+            </a:schemeClr>
+          </a:solidFill>
+          <a:ln>
+            <a:noFill/>
+          </a:ln>
+        </p:spPr>
+        <p:style>
+          <a:lnRef idx="2">
+            <a:schemeClr val="accent1">
+              <a:shade val="50000"/>
+            </a:schemeClr>
+          </a:lnRef>
+          <a:fillRef idx="1">
+            <a:schemeClr val="accent1"/>
+          </a:fillRef>
+          <a:effectRef idx="0">
+            <a:schemeClr val="accent1"/>
+          </a:effectRef>
+          <a:fontRef idx="minor">
+            <a:schemeClr val="lt1"/>
+          </a:fontRef>
+        </p:style>
+        <p:txBody>
+          <a:bodyPr rtlCol="0" anchor="ctr"/>
+          <a:lstStyle/>
+          <a:p>
+            <a:pPr algn="ctr"/>
+            <a:endParaRPr lang="en-SG"/>
+          </a:p>
+        </p:txBody>
+      </p:sp>
+      <p:sp>
+        <p:nvSpPr>
+          <p:cNvPr id="10" name="Down Arrow 9"/>
+          <p:cNvSpPr/>
+          <p:nvPr/>
+        </p:nvSpPr>
+        <p:spPr>
+          <a:xfrm rot="10800000">
+            <a:off x="1079907" y="1131437"/>
+            <a:ext cx="1871385" cy="734554"/>
+          </a:xfrm>
+          <a:prstGeom prst="downArrow">
+            <a:avLst/>
+          </a:prstGeom>
+          <a:solidFill>
+            <a:schemeClr val="accent1">
+              <a:lumMod val="20000"/>
+              <a:lumOff val="80000"/>
+            </a:schemeClr>
+          </a:solidFill>
+          <a:ln>
+            <a:noFill/>
+          </a:ln>
+        </p:spPr>
+        <p:style>
+          <a:lnRef idx="2">
+            <a:schemeClr val="accent1">
+              <a:shade val="50000"/>
+            </a:schemeClr>
+          </a:lnRef>
+          <a:fillRef idx="1">
+            <a:schemeClr val="accent1"/>
+          </a:fillRef>
+          <a:effectRef idx="0">
+            <a:schemeClr val="accent1"/>
+          </a:effectRef>
+          <a:fontRef idx="minor">
+            <a:schemeClr val="lt1"/>
+          </a:fontRef>
+        </p:style>
+        <p:txBody>
+          <a:bodyPr rtlCol="0" anchor="ctr"/>
+          <a:lstStyle/>
+          <a:p>
+            <a:pPr algn="ctr"/>
+            <a:endParaRPr lang="en-SG"/>
+          </a:p>
+        </p:txBody>
+      </p:sp>
+    </p:spTree>
+    <p:extLst>
+      <p:ext uri="{BB962C8B-B14F-4D97-AF65-F5344CB8AC3E}">
+        <p14:creationId xmlns:p14="http://schemas.microsoft.com/office/powerpoint/2010/main" val="4006131754"/>
+      </p:ext>
+    </p:extLst>
+  </p:cSld>
+  <p:clrMapOvr>
+    <a:masterClrMapping/>
+  </p:clrMapOvr>
+  <mc:AlternateContent xmlns:mc="http://schemas.openxmlformats.org/markup-compatibility/2006" xmlns:p14="http://schemas.microsoft.com/office/powerpoint/2010/main">
+    <mc:Choice Requires="p14">
+      <p:transition spd="med" p14:dur="700" advTm="0">
+        <p:fade/>
+      </p:transition>
+    </mc:Choice>
+    <mc:Fallback xmlns="">
+      <p:transition spd="med" advTm="0">
+        <p:fade/>
+      </p:transition>
+    </mc:Fallback>
+  </mc:AlternateContent>
+  <p:timing>
+    <p:tnLst>
+      <p:par>
+        <p:cTn id="1" dur="indefinite" restart="never" nodeType="tmRoot">
+          <p:childTnLst>
+            <p:seq concurrent="1" nextAc="seek">
+              <p:cTn id="2" dur="indefinite" nodeType="mainSeq">
+                <p:childTnLst>
+                  <p:par>
+                    <p:cTn id="3" fill="hold">
+                      <p:stCondLst>
+                        <p:cond delay="indefinite"/>
+                        <p:cond evt="onBegin" delay="0">
+                          <p:tn val="2"/>
+                        </p:cond>
+                      </p:stCondLst>
+                      <p:childTnLst>
+                        <p:par>
+                          <p:cTn id="4" fill="hold">
+                            <p:stCondLst>
+                              <p:cond delay="0"/>
+                            </p:stCondLst>
+                            <p:childTnLst>
+                              <p:par>
+                                <p:cTn id="5" presetID="10" presetClass="entr" presetSubtype="0" fill="hold" grpId="0" nodeType="afterEffect">
+                                  <p:stCondLst>
+                                    <p:cond delay="0"/>
+                                  </p:stCondLst>
+                                  <p:childTnLst>
+                                    <p:set>
+                                      <p:cBhvr>
+                                        <p:cTn id="6" dur="1" fill="hold">
+                                          <p:stCondLst>
+                                            <p:cond delay="0"/>
+                                          </p:stCondLst>
+                                        </p:cTn>
+                                        <p:tgtEl>
+                                          <p:spTgt spid="2"/>
+                                        </p:tgtEl>
+                                        <p:attrNameLst>
+                                          <p:attrName>style.visibility</p:attrName>
+                                        </p:attrNameLst>
+                                      </p:cBhvr>
+                                      <p:to>
+                                        <p:strVal val="visible"/>
+                                      </p:to>
+                                    </p:set>
+                                    <p:animEffect transition="in" filter="fade">
+                                      <p:cBhvr>
+                                        <p:cTn id="7" dur="500"/>
+                                        <p:tgtEl>
+                                          <p:spTgt spid="2"/>
+                                        </p:tgtEl>
+                                      </p:cBhvr>
+                                    </p:animEffect>
+                                  </p:childTnLst>
+                                </p:cTn>
+                              </p:par>
+                              <p:par>
+                                <p:cTn id="8" presetID="10" presetClass="entr" presetSubtype="0" fill="hold" grpId="0" nodeType="withEffect">
+                                  <p:stCondLst>
+                                    <p:cond delay="0"/>
+                                  </p:stCondLst>
+                                  <p:childTnLst>
+                                    <p:set>
+                                      <p:cBhvr>
+                                        <p:cTn id="9" dur="1" fill="hold">
+                                          <p:stCondLst>
+                                            <p:cond delay="0"/>
+                                          </p:stCondLst>
+                                        </p:cTn>
+                                        <p:tgtEl>
+                                          <p:spTgt spid="4"/>
+                                        </p:tgtEl>
+                                        <p:attrNameLst>
+                                          <p:attrName>style.visibility</p:attrName>
+                                        </p:attrNameLst>
+                                      </p:cBhvr>
+                                      <p:to>
+                                        <p:strVal val="visible"/>
+                                      </p:to>
+                                    </p:set>
+                                    <p:animEffect transition="in" filter="fade">
+                                      <p:cBhvr>
+                                        <p:cTn id="10" dur="500"/>
+                                        <p:tgtEl>
+                                          <p:spTgt spid="4"/>
+                                        </p:tgtEl>
+                                      </p:cBhvr>
+                                    </p:animEffect>
+                                  </p:childTnLst>
+                                </p:cTn>
+                              </p:par>
+                              <p:par>
+                                <p:cTn id="11" presetID="10" presetClass="entr" presetSubtype="0" fill="hold" grpId="0" nodeType="withEffect">
+                                  <p:stCondLst>
+                                    <p:cond delay="0"/>
+                                  </p:stCondLst>
+                                  <p:childTnLst>
+                                    <p:set>
+                                      <p:cBhvr>
+                                        <p:cTn id="12" dur="1" fill="hold">
+                                          <p:stCondLst>
+                                            <p:cond delay="0"/>
+                                          </p:stCondLst>
+                                        </p:cTn>
+                                        <p:tgtEl>
+                                          <p:spTgt spid="6"/>
+                                        </p:tgtEl>
+                                        <p:attrNameLst>
+                                          <p:attrName>style.visibility</p:attrName>
+                                        </p:attrNameLst>
+                                      </p:cBhvr>
+                                      <p:to>
+                                        <p:strVal val="visible"/>
+                                      </p:to>
+                                    </p:set>
+                                    <p:animEffect transition="in" filter="fade">
+                                      <p:cBhvr>
+                                        <p:cTn id="13" dur="500"/>
+                                        <p:tgtEl>
+                                          <p:spTgt spid="6"/>
+                                        </p:tgtEl>
+                                      </p:cBhvr>
+                                    </p:animEffect>
+                                  </p:childTnLst>
+                                </p:cTn>
+                              </p:par>
+                              <p:par>
+                                <p:cTn id="14" presetID="10" presetClass="entr" presetSubtype="0" fill="hold" grpId="0" nodeType="withEffect">
+                                  <p:stCondLst>
+                                    <p:cond delay="0"/>
+                                  </p:stCondLst>
+                                  <p:childTnLst>
+                                    <p:set>
+                                      <p:cBhvr>
+                                        <p:cTn id="15" dur="1" fill="hold">
+                                          <p:stCondLst>
+                                            <p:cond delay="0"/>
+                                          </p:stCondLst>
+                                        </p:cTn>
+                                        <p:tgtEl>
+                                          <p:spTgt spid="10"/>
+                                        </p:tgtEl>
+                                        <p:attrNameLst>
+                                          <p:attrName>style.visibility</p:attrName>
+                                        </p:attrNameLst>
+                                      </p:cBhvr>
+                                      <p:to>
+                                        <p:strVal val="visible"/>
+                                      </p:to>
+                                    </p:set>
+                                    <p:animEffect transition="in" filter="fade">
+                                      <p:cBhvr>
+                                        <p:cTn id="16" dur="500"/>
+                                        <p:tgtEl>
+                                          <p:spTgt spid="10"/>
+                                        </p:tgtEl>
+                                      </p:cBhvr>
+                                    </p:animEffect>
+                                  </p:childTnLst>
+                                </p:cTn>
+                              </p:par>
+                              <p:par>
+                                <p:cTn id="17" presetID="10" presetClass="entr" presetSubtype="0" fill="hold" grpId="0" nodeType="withEffect">
+                                  <p:stCondLst>
+                                    <p:cond delay="0"/>
+                                  </p:stCondLst>
+                                  <p:childTnLst>
+                                    <p:set>
+                                      <p:cBhvr>
+                                        <p:cTn id="18" dur="1" fill="hold">
+                                          <p:stCondLst>
+                                            <p:cond delay="0"/>
+                                          </p:stCondLst>
+                                        </p:cTn>
+                                        <p:tgtEl>
+                                          <p:spTgt spid="7"/>
+                                        </p:tgtEl>
+                                        <p:attrNameLst>
+                                          <p:attrName>style.visibility</p:attrName>
+                                        </p:attrNameLst>
+                                      </p:cBhvr>
+                                      <p:to>
+                                        <p:strVal val="visible"/>
+                                      </p:to>
+                                    </p:set>
+                                    <p:animEffect transition="in" filter="fade">
+                                      <p:cBhvr>
+                                        <p:cTn id="19" dur="500"/>
+                                        <p:tgtEl>
+                                          <p:spTgt spid="7"/>
+                                        </p:tgtEl>
+                                      </p:cBhvr>
+                                    </p:animEffect>
+                                  </p:childTnLst>
+                                </p:cTn>
+                              </p:par>
+                              <p:par>
+                                <p:cTn id="20" presetID="10" presetClass="entr" presetSubtype="0" fill="hold" grpId="0" nodeType="withEffect">
+                                  <p:stCondLst>
+                                    <p:cond delay="0"/>
+                                  </p:stCondLst>
+                                  <p:childTnLst>
+                                    <p:set>
+                                      <p:cBhvr>
+                                        <p:cTn id="21" dur="1" fill="hold">
+                                          <p:stCondLst>
+                                            <p:cond delay="0"/>
+                                          </p:stCondLst>
+                                        </p:cTn>
+                                        <p:tgtEl>
+                                          <p:spTgt spid="8"/>
+                                        </p:tgtEl>
+                                        <p:attrNameLst>
+                                          <p:attrName>style.visibility</p:attrName>
+                                        </p:attrNameLst>
+                                      </p:cBhvr>
+                                      <p:to>
+                                        <p:strVal val="visible"/>
+                                      </p:to>
+                                    </p:set>
+                                    <p:animEffect transition="in" filter="fade">
+                                      <p:cBhvr>
+                                        <p:cTn id="22" dur="500"/>
+                                        <p:tgtEl>
+                                          <p:spTgt spid="8"/>
+                                        </p:tgtEl>
+                                      </p:cBhvr>
+                                    </p:animEffect>
+                                  </p:childTnLst>
+                                </p:cTn>
+                              </p:par>
+                              <p:par>
+                                <p:cTn id="23" presetID="10" presetClass="entr" presetSubtype="0" fill="hold" grpId="0" nodeType="withEffect">
+                                  <p:stCondLst>
+                                    <p:cond delay="0"/>
+                                  </p:stCondLst>
+                                  <p:childTnLst>
+                                    <p:set>
+                                      <p:cBhvr>
+                                        <p:cTn id="24" dur="1" fill="hold">
+                                          <p:stCondLst>
+                                            <p:cond delay="0"/>
+                                          </p:stCondLst>
+                                        </p:cTn>
+                                        <p:tgtEl>
+                                          <p:spTgt spid="9"/>
+                                        </p:tgtEl>
+                                        <p:attrNameLst>
+                                          <p:attrName>style.visibility</p:attrName>
+                                        </p:attrNameLst>
+                                      </p:cBhvr>
+                                      <p:to>
+                                        <p:strVal val="visible"/>
+                                      </p:to>
+                                    </p:set>
+                                    <p:animEffect transition="in" filter="fade">
+                                      <p:cBhvr>
+                                        <p:cTn id="25" dur="500"/>
+                                        <p:tgtEl>
+                                          <p:spTgt spid="9"/>
+                                        </p:tgtEl>
+                                      </p:cBhvr>
+                                    </p:animEffect>
+                                  </p:childTnLst>
+                                </p:cTn>
+                              </p:par>
+                            </p:childTnLst>
+                          </p:cTn>
+                        </p:par>
+                      </p:childTnLst>
+                    </p:cTn>
+                  </p:par>
+                </p:childTnLst>
+              </p:cTn>
+              <p:prevCondLst>
+                <p:cond evt="onPrev" delay="0">
+                  <p:tgtEl>
+                    <p:sldTgt/>
+                  </p:tgtEl>
+                </p:cond>
+              </p:prevCondLst>
+              <p:nextCondLst>
+                <p:cond evt="onNext" delay="0">
+                  <p:tgtEl>
+                    <p:sldTgt/>
+                  </p:tgtEl>
+                </p:cond>
+              </p:nextCondLst>
+            </p:seq>
+          </p:childTnLst>
+        </p:cTn>
+      </p:par>
+    </p:tnLst>
+    <p:bldLst>
+      <p:bldP spid="2" grpId="0" animBg="1"/>
+      <p:bldP spid="4" grpId="0"/>
+      <p:bldP spid="6" grpId="0" animBg="1"/>
+      <p:bldP spid="7" grpId="0" animBg="1"/>
+      <p:bldP spid="8" grpId="0" animBg="1"/>
+      <p:bldP spid="9" grpId="0" animBg="1"/>
+      <p:bldP spid="10" grpId="0" animBg="1"/>
+    </p:bldLst>
+  </p:timing>
+</p:sld>
+</file>
+
+<file path=ppt/slides/slide11.xml><?xml version="1.0" encoding="utf-8"?>
+<p:sld xmlns:a="http://schemas.openxmlformats.org/drawingml/2006/main" xmlns:r="http://schemas.openxmlformats.org/officeDocument/2006/relationships" xmlns:p="http://schemas.openxmlformats.org/presentationml/2006/main">
+  <p:cSld name="PPSlideAnimated201604241932214105">
+    <p:spTree>
+      <p:nvGrpSpPr>
+        <p:cNvPr id="1" name=""/>
+        <p:cNvGrpSpPr/>
+        <p:nvPr/>
+      </p:nvGrpSpPr>
+      <p:grpSpPr>
+        <a:xfrm>
+          <a:off x="0" y="0"/>
+          <a:ext cx="0" cy="0"/>
+          <a:chOff x="0" y="0"/>
+          <a:chExt cx="0" cy="0"/>
+        </a:xfrm>
+      </p:grpSpPr>
+      <p:sp>
+        <p:nvSpPr>
+          <p:cNvPr id="2" name="v"/>
+          <p:cNvSpPr>
+            <a:spLocks/>
+          </p:cNvSpPr>
+          <p:nvPr/>
+        </p:nvSpPr>
+        <p:spPr>
+          <a:xfrm>
+            <a:off x="1543542" y="1412776"/>
+            <a:ext cx="954501" cy="3953203"/>
+          </a:xfrm>
+          <a:prstGeom prst="rect">
+            <a:avLst/>
+          </a:prstGeom>
+          <a:solidFill>
+            <a:schemeClr val="accent1">
+              <a:lumMod val="20000"/>
+              <a:lumOff val="80000"/>
+            </a:schemeClr>
+          </a:solidFill>
+          <a:ln>
+            <a:noFill/>
+          </a:ln>
+        </p:spPr>
+        <p:style>
+          <a:lnRef idx="2">
+            <a:schemeClr val="accent1">
+              <a:shade val="50000"/>
+            </a:schemeClr>
+          </a:lnRef>
+          <a:fillRef idx="1">
+            <a:schemeClr val="accent1"/>
+          </a:fillRef>
+          <a:effectRef idx="0">
+            <a:schemeClr val="accent1"/>
+          </a:effectRef>
+          <a:fontRef idx="minor">
+            <a:schemeClr val="lt1"/>
+          </a:fontRef>
+        </p:style>
+        <p:txBody>
+          <a:bodyPr rtlCol="0" anchor="ctr"/>
+          <a:lstStyle/>
+          <a:p>
+            <a:pPr algn="ctr"/>
+            <a:endParaRPr lang="en-SG"/>
+          </a:p>
+        </p:txBody>
+      </p:sp>
+      <p:sp>
+        <p:nvSpPr>
+          <p:cNvPr id="4" name="TextBox 5"/>
+          <p:cNvSpPr txBox="1"/>
+          <p:nvPr/>
+        </p:nvSpPr>
+        <p:spPr>
+          <a:xfrm>
+            <a:off x="2467662" y="2465020"/>
+            <a:ext cx="5992770" cy="1107996"/>
+          </a:xfrm>
+          <a:prstGeom prst="rect">
+            <a:avLst/>
+          </a:prstGeom>
+          <a:noFill/>
+        </p:spPr>
+        <p:txBody>
+          <a:bodyPr wrap="square" rtlCol="0">
+            <a:spAutoFit/>
+          </a:bodyPr>
+          <a:lstStyle/>
+          <a:p>
+            <a:r>
+              <a:rPr lang="en-US" sz="6600" b="1" dirty="0">
+                <a:solidFill>
+                  <a:schemeClr val="tx2">
+                    <a:lumMod val="60000"/>
+                    <a:lumOff val="40000"/>
+                  </a:schemeClr>
+                </a:solidFill>
+              </a:rPr>
+              <a:t>… and more!</a:t>
+            </a:r>
+            <a:endParaRPr lang="en-SG" sz="6600" b="1" dirty="0">
+              <a:solidFill>
+                <a:schemeClr val="tx2">
+                  <a:lumMod val="60000"/>
+                  <a:lumOff val="40000"/>
+                </a:schemeClr>
+              </a:solidFill>
+            </a:endParaRPr>
+          </a:p>
+        </p:txBody>
+      </p:sp>
+      <p:sp>
+        <p:nvSpPr>
+          <p:cNvPr id="6" name="Rectangle 5"/>
+          <p:cNvSpPr>
+            <a:spLocks/>
+          </p:cNvSpPr>
+          <p:nvPr/>
+        </p:nvSpPr>
+        <p:spPr>
+          <a:xfrm>
+            <a:off x="855535" y="3698027"/>
+            <a:ext cx="6452770" cy="974114"/>
+          </a:xfrm>
+          <a:prstGeom prst="rect">
+            <a:avLst/>
+          </a:prstGeom>
+          <a:solidFill>
+            <a:schemeClr val="accent1">
+              <a:lumMod val="20000"/>
+              <a:lumOff val="80000"/>
+            </a:schemeClr>
+          </a:solidFill>
+          <a:ln>
+            <a:noFill/>
+          </a:ln>
+        </p:spPr>
+        <p:style>
+          <a:lnRef idx="2">
+            <a:schemeClr val="accent1">
+              <a:shade val="50000"/>
+            </a:schemeClr>
+          </a:lnRef>
+          <a:fillRef idx="1">
+            <a:schemeClr val="accent1"/>
+          </a:fillRef>
+          <a:effectRef idx="0">
+            <a:schemeClr val="accent1"/>
+          </a:effectRef>
+          <a:fontRef idx="minor">
+            <a:schemeClr val="lt1"/>
+          </a:fontRef>
+        </p:style>
+        <p:txBody>
+          <a:bodyPr rtlCol="0" anchor="ctr"/>
+          <a:lstStyle/>
+          <a:p>
+            <a:pPr algn="ctr"/>
+            <a:endParaRPr lang="en-SG"/>
+          </a:p>
+        </p:txBody>
+      </p:sp>
+      <p:sp>
+        <p:nvSpPr>
+          <p:cNvPr id="7" name="Down Arrow 6"/>
+          <p:cNvSpPr/>
+          <p:nvPr/>
+        </p:nvSpPr>
+        <p:spPr>
+          <a:xfrm rot="5400000">
+            <a:off x="-76157" y="3820992"/>
+            <a:ext cx="1871385" cy="734554"/>
+          </a:xfrm>
+          <a:prstGeom prst="downArrow">
+            <a:avLst/>
+          </a:prstGeom>
+          <a:solidFill>
+            <a:schemeClr val="accent1">
+              <a:lumMod val="20000"/>
+              <a:lumOff val="80000"/>
+            </a:schemeClr>
+          </a:solidFill>
+          <a:ln>
+            <a:noFill/>
+          </a:ln>
+        </p:spPr>
+        <p:style>
+          <a:lnRef idx="2">
+            <a:schemeClr val="accent1">
+              <a:shade val="50000"/>
+            </a:schemeClr>
+          </a:lnRef>
+          <a:fillRef idx="1">
+            <a:schemeClr val="accent1"/>
+          </a:fillRef>
+          <a:effectRef idx="0">
+            <a:schemeClr val="accent1"/>
+          </a:effectRef>
+          <a:fontRef idx="minor">
+            <a:schemeClr val="lt1"/>
+          </a:fontRef>
+        </p:style>
+        <p:txBody>
+          <a:bodyPr rtlCol="0" anchor="ctr"/>
+          <a:lstStyle/>
+          <a:p>
+            <a:pPr algn="ctr"/>
+            <a:endParaRPr lang="en-SG"/>
+          </a:p>
+        </p:txBody>
+      </p:sp>
+      <p:sp>
+        <p:nvSpPr>
+          <p:cNvPr id="8" name="Down Arrow 7"/>
+          <p:cNvSpPr/>
+          <p:nvPr/>
+        </p:nvSpPr>
+        <p:spPr>
+          <a:xfrm rot="16200000">
+            <a:off x="6353723" y="3817807"/>
+            <a:ext cx="1871385" cy="734554"/>
+          </a:xfrm>
+          <a:prstGeom prst="downArrow">
+            <a:avLst/>
+          </a:prstGeom>
+          <a:solidFill>
+            <a:schemeClr val="accent1">
+              <a:lumMod val="20000"/>
+              <a:lumOff val="80000"/>
+            </a:schemeClr>
+          </a:solidFill>
+          <a:ln>
+            <a:noFill/>
+          </a:ln>
+        </p:spPr>
+        <p:style>
+          <a:lnRef idx="2">
+            <a:schemeClr val="accent1">
+              <a:shade val="50000"/>
+            </a:schemeClr>
+          </a:lnRef>
+          <a:fillRef idx="1">
+            <a:schemeClr val="accent1"/>
+          </a:fillRef>
+          <a:effectRef idx="0">
+            <a:schemeClr val="accent1"/>
+          </a:effectRef>
+          <a:fontRef idx="minor">
+            <a:schemeClr val="lt1"/>
+          </a:fontRef>
+        </p:style>
+        <p:txBody>
+          <a:bodyPr rtlCol="0" anchor="ctr"/>
+          <a:lstStyle/>
+          <a:p>
+            <a:pPr algn="ctr"/>
+            <a:endParaRPr lang="en-SG"/>
+          </a:p>
+        </p:txBody>
+      </p:sp>
+      <p:sp>
+        <p:nvSpPr>
+          <p:cNvPr id="9" name="Down Arrow 8"/>
+          <p:cNvSpPr/>
+          <p:nvPr/>
+        </p:nvSpPr>
+        <p:spPr>
+          <a:xfrm>
+            <a:off x="1085100" y="5000113"/>
+            <a:ext cx="1871385" cy="734554"/>
+          </a:xfrm>
+          <a:prstGeom prst="downArrow">
+            <a:avLst/>
+          </a:prstGeom>
+          <a:solidFill>
+            <a:schemeClr val="accent1">
+              <a:lumMod val="20000"/>
+              <a:lumOff val="80000"/>
+            </a:schemeClr>
+          </a:solidFill>
+          <a:ln>
+            <a:noFill/>
+          </a:ln>
+        </p:spPr>
+        <p:style>
+          <a:lnRef idx="2">
+            <a:schemeClr val="accent1">
+              <a:shade val="50000"/>
+            </a:schemeClr>
+          </a:lnRef>
+          <a:fillRef idx="1">
+            <a:schemeClr val="accent1"/>
+          </a:fillRef>
+          <a:effectRef idx="0">
+            <a:schemeClr val="accent1"/>
+          </a:effectRef>
+          <a:fontRef idx="minor">
+            <a:schemeClr val="lt1"/>
+          </a:fontRef>
+        </p:style>
+        <p:txBody>
+          <a:bodyPr rtlCol="0" anchor="ctr"/>
+          <a:lstStyle/>
+          <a:p>
+            <a:pPr algn="ctr"/>
+            <a:endParaRPr lang="en-SG"/>
+          </a:p>
+        </p:txBody>
+      </p:sp>
+      <p:sp>
+        <p:nvSpPr>
+          <p:cNvPr id="10" name="Down Arrow 9"/>
+          <p:cNvSpPr/>
+          <p:nvPr/>
+        </p:nvSpPr>
+        <p:spPr>
+          <a:xfrm rot="10800000">
+            <a:off x="1079907" y="1131437"/>
+            <a:ext cx="1871385" cy="734554"/>
+          </a:xfrm>
+          <a:prstGeom prst="downArrow">
+            <a:avLst/>
+          </a:prstGeom>
+          <a:solidFill>
+            <a:schemeClr val="accent1">
+              <a:lumMod val="20000"/>
+              <a:lumOff val="80000"/>
+            </a:schemeClr>
+          </a:solidFill>
+          <a:ln>
+            <a:noFill/>
+          </a:ln>
+        </p:spPr>
+        <p:style>
+          <a:lnRef idx="2">
+            <a:schemeClr val="accent1">
+              <a:shade val="50000"/>
+            </a:schemeClr>
+          </a:lnRef>
+          <a:fillRef idx="1">
+            <a:schemeClr val="accent1"/>
+          </a:fillRef>
+          <a:effectRef idx="0">
+            <a:schemeClr val="accent1"/>
+          </a:effectRef>
+          <a:fontRef idx="minor">
+            <a:schemeClr val="lt1"/>
+          </a:fontRef>
+        </p:style>
+        <p:txBody>
+          <a:bodyPr rtlCol="0" anchor="ctr"/>
+          <a:lstStyle/>
+          <a:p>
+            <a:pPr algn="ctr"/>
+            <a:endParaRPr lang="en-SG"/>
+          </a:p>
+        </p:txBody>
+      </p:sp>
+      <p:pic>
+        <p:nvPicPr>
+          <p:cNvPr id="3" name="PPTIndicator201604241932214355"/>
+          <p:cNvPicPr>
+            <a:picLocks/>
+          </p:cNvPicPr>
+          <p:nvPr/>
+        </p:nvPicPr>
+        <p:blipFill>
+          <a:blip r:embed="rId2" cstate="email">
+            <a:extLst>
+              <a:ext uri="{28A0092B-C50C-407E-A947-70E740481C1C}">
+                <a14:useLocalDpi xmlns:a14="http://schemas.microsoft.com/office/drawing/2010/main"/>
+              </a:ext>
+            </a:extLst>
+          </a:blip>
+          <a:stretch>
+            <a:fillRect/>
+          </a:stretch>
+        </p:blipFill>
+        <p:spPr>
+          <a:xfrm>
+            <a:off x="7620000" y="0"/>
+            <a:ext cx="1524000" cy="1066800"/>
+          </a:xfrm>
+          <a:prstGeom prst="rect">
+            <a:avLst/>
+          </a:prstGeom>
+        </p:spPr>
+      </p:pic>
+    </p:spTree>
+    <p:extLst>
+      <p:ext uri="{BB962C8B-B14F-4D97-AF65-F5344CB8AC3E}">
+        <p14:creationId xmlns:p14="http://schemas.microsoft.com/office/powerpoint/2010/main" val="2067067687"/>
+      </p:ext>
+    </p:extLst>
+  </p:cSld>
+  <p:clrMapOvr>
+    <a:masterClrMapping/>
+  </p:clrMapOvr>
+  <mc:AlternateContent xmlns:mc="http://schemas.openxmlformats.org/markup-compatibility/2006" xmlns:p14="http://schemas.microsoft.com/office/powerpoint/2010/main">
+    <mc:Choice Requires="p14">
+      <p:transition spd="med" p14:dur="700" advClick="0" advTm="0"/>
+    </mc:Choice>
+    <mc:Fallback xmlns="">
+      <p:transition spd="med" advClick="0" advTm="0"/>
+    </mc:Fallback>
+  </mc:AlternateContent>
+  <p:timing>
+    <p:tnLst>
+      <p:par>
+        <p:cTn id="1" dur="indefinite" restart="never" nodeType="tmRoot">
+          <p:childTnLst>
+            <p:seq concurrent="1" nextAc="seek">
+              <p:cTn id="2" dur="indefinite" nodeType="mainSeq">
+                <p:childTnLst>
+                  <p:par>
+                    <p:cTn id="3" fill="hold">
+                      <p:stCondLst>
+                        <p:cond delay="indefinite"/>
+                        <p:cond evt="onBegin" delay="0">
+                          <p:tn val="2"/>
+                        </p:cond>
+                      </p:stCondLst>
+                      <p:childTnLst>
+                        <p:par>
+                          <p:cTn id="4" fill="hold">
+                            <p:stCondLst>
+                              <p:cond delay="0"/>
+                            </p:stCondLst>
+                            <p:childTnLst>
+                              <p:par>
+                                <p:cTn id="5" presetID="1" presetClass="entr" presetSubtype="0" fill="hold" nodeType="withEffect">
+                                  <p:stCondLst>
+                                    <p:cond delay="0"/>
+                                  </p:stCondLst>
+                                  <p:childTnLst>
+                                    <p:set>
+                                      <p:cBhvr>
+                                        <p:cTn id="6" dur="1" fill="hold">
+                                          <p:stCondLst>
+                                            <p:cond delay="0"/>
+                                          </p:stCondLst>
+                                        </p:cTn>
+                                        <p:tgtEl>
+                                          <p:spTgt spid="3"/>
+                                        </p:tgtEl>
+                                        <p:attrNameLst>
+                                          <p:attrName>style.visibility</p:attrName>
+                                        </p:attrNameLst>
+                                      </p:cBhvr>
+                                      <p:to>
+                                        <p:strVal val="visible"/>
+                                      </p:to>
+                                    </p:set>
+                                  </p:childTnLst>
+                                </p:cTn>
+                              </p:par>
+                              <p:par>
+                                <p:cTn id="7" presetID="1" presetClass="exit" presetSubtype="0" fill="hold" nodeType="withEffect">
+                                  <p:stCondLst>
+                                    <p:cond delay="0"/>
+                                  </p:stCondLst>
+                                  <p:childTnLst>
+                                    <p:set>
+                                      <p:cBhvr>
+                                        <p:cTn id="8" dur="1" fill="hold">
+                                          <p:stCondLst>
+                                            <p:cond delay="0"/>
+                                          </p:stCondLst>
+                                        </p:cTn>
+                                        <p:tgtEl>
+                                          <p:spTgt spid="3"/>
+                                        </p:tgtEl>
+                                        <p:attrNameLst>
+                                          <p:attrName>style.visibility</p:attrName>
+                                        </p:attrNameLst>
+                                      </p:cBhvr>
+                                      <p:to>
+                                        <p:strVal val="hidden"/>
+                                      </p:to>
+                                    </p:set>
+                                  </p:childTnLst>
+                                </p:cTn>
+                              </p:par>
+                            </p:childTnLst>
+                          </p:cTn>
+                        </p:par>
+                        <p:par>
+                          <p:cTn id="9" fill="hold">
+                            <p:stCondLst>
+                              <p:cond delay="0"/>
+                            </p:stCondLst>
+                            <p:childTnLst>
+                              <p:par>
+                                <p:cTn id="10" presetID="42" presetClass="path" presetSubtype="0" fill="hold" grpId="0" nodeType="afterEffect">
+                                  <p:stCondLst>
+                                    <p:cond delay="0"/>
+                                  </p:stCondLst>
+                                  <p:childTnLst>
+                                    <p:animMotion origin="layout" path="M 0 0 C 0 0.002888856 0 0.002888856 0 0.005777712 E" pathEditMode="relative" ptsTypes="">
+                                      <p:cBhvr>
+                                        <p:cTn id="11" dur="500" fill="hold"/>
+                                        <p:tgtEl>
+                                          <p:spTgt spid="2"/>
+                                        </p:tgtEl>
+                                        <p:attrNameLst>
+                                          <p:attrName>ppt_x</p:attrName>
+                                          <p:attrName>ppt_y</p:attrName>
+                                        </p:attrNameLst>
+                                      </p:cBhvr>
+                                    </p:animMotion>
+                                  </p:childTnLst>
+                                </p:cTn>
+                              </p:par>
+                              <p:par>
+                                <p:cTn id="12" presetID="6" presetClass="emph" presetSubtype="0" fill="hold" grpId="1" nodeType="withEffect">
+                                  <p:stCondLst>
+                                    <p:cond delay="0"/>
+                                  </p:stCondLst>
+                                  <p:childTnLst>
+                                    <p:animScale>
+                                      <p:cBhvr>
+                                        <p:cTn id="13" dur="500" fill="hold"/>
+                                        <p:tgtEl>
+                                          <p:spTgt spid="2"/>
+                                        </p:tgtEl>
+                                      </p:cBhvr>
+                                      <p:by x="100000" y="152641"/>
+                                    </p:animScale>
+                                  </p:childTnLst>
+                                </p:cTn>
+                              </p:par>
+                              <p:par>
+                                <p:cTn id="14" presetID="42" presetClass="path" presetSubtype="0" fill="hold" grpId="0" nodeType="withEffect">
+                                  <p:stCondLst>
+                                    <p:cond delay="0"/>
+                                  </p:stCondLst>
+                                  <p:childTnLst>
+                                    <p:animMotion origin="layout" path="M 0 0 C 0.02640213 0 0.02640213 0 0.05280427 0 E" pathEditMode="relative" ptsTypes="">
+                                      <p:cBhvr>
+                                        <p:cTn id="15" dur="500" fill="hold"/>
+                                        <p:tgtEl>
+                                          <p:spTgt spid="6"/>
+                                        </p:tgtEl>
+                                        <p:attrNameLst>
+                                          <p:attrName>ppt_x</p:attrName>
+                                          <p:attrName>ppt_y</p:attrName>
+                                        </p:attrNameLst>
+                                      </p:cBhvr>
+                                    </p:animMotion>
+                                  </p:childTnLst>
+                                </p:cTn>
+                              </p:par>
+                              <p:par>
+                                <p:cTn id="16" presetID="6" presetClass="emph" presetSubtype="0" fill="hold" grpId="1" nodeType="withEffect">
+                                  <p:stCondLst>
+                                    <p:cond delay="0"/>
+                                  </p:stCondLst>
+                                  <p:childTnLst>
+                                    <p:animScale>
+                                      <p:cBhvr>
+                                        <p:cTn id="17" dur="500" fill="hold"/>
+                                        <p:tgtEl>
+                                          <p:spTgt spid="6"/>
+                                        </p:tgtEl>
+                                      </p:cBhvr>
+                                      <p:by x="129447" y="100000"/>
+                                    </p:animScale>
+                                  </p:childTnLst>
+                                </p:cTn>
+                              </p:par>
+                              <p:par>
+                                <p:cTn id="18" presetID="42" presetClass="path" presetSubtype="0" fill="hold" grpId="0" nodeType="withEffect">
+                                  <p:stCondLst>
+                                    <p:cond delay="0"/>
+                                  </p:stCondLst>
+                                  <p:childTnLst>
+                                    <p:animMotion origin="layout" path="M 0 0 C -0.02576755 0 -0.02576755 0 -0.05153511 0 E" pathEditMode="relative" ptsTypes="">
+                                      <p:cBhvr>
+                                        <p:cTn id="19" dur="500" fill="hold"/>
+                                        <p:tgtEl>
+                                          <p:spTgt spid="7"/>
+                                        </p:tgtEl>
+                                        <p:attrNameLst>
+                                          <p:attrName>ppt_x</p:attrName>
+                                          <p:attrName>ppt_y</p:attrName>
+                                        </p:attrNameLst>
+                                      </p:cBhvr>
+                                    </p:animMotion>
+                                  </p:childTnLst>
+                                </p:cTn>
+                              </p:par>
+                              <p:par>
+                                <p:cTn id="20" presetID="42" presetClass="path" presetSubtype="0" fill="hold" grpId="0" nodeType="withEffect">
+                                  <p:stCondLst>
+                                    <p:cond delay="0"/>
+                                  </p:stCondLst>
+                                  <p:childTnLst>
+                                    <p:animMotion origin="layout" path="M 0 0 C 0.07938597 0 0.07938597 0 0.1587719 0 E" pathEditMode="relative" ptsTypes="">
+                                      <p:cBhvr>
+                                        <p:cTn id="21" dur="500" fill="hold"/>
+                                        <p:tgtEl>
+                                          <p:spTgt spid="8"/>
+                                        </p:tgtEl>
+                                        <p:attrNameLst>
+                                          <p:attrName>ppt_x</p:attrName>
+                                          <p:attrName>ppt_y</p:attrName>
+                                        </p:attrNameLst>
+                                      </p:cBhvr>
+                                    </p:animMotion>
+                                  </p:childTnLst>
+                                </p:cTn>
+                              </p:par>
+                              <p:par>
+                                <p:cTn id="22" presetID="42" presetClass="path" presetSubtype="0" fill="hold" grpId="0" nodeType="withEffect">
+                                  <p:stCondLst>
+                                    <p:cond delay="0"/>
+                                  </p:stCondLst>
+                                  <p:childTnLst>
+                                    <p:animMotion origin="layout" path="M 0 0 C 0 0.078646 0 0.078646 0 0.157292 E" pathEditMode="relative" ptsTypes="">
+                                      <p:cBhvr>
+                                        <p:cTn id="23" dur="500" fill="hold"/>
+                                        <p:tgtEl>
+                                          <p:spTgt spid="9"/>
+                                        </p:tgtEl>
+                                        <p:attrNameLst>
+                                          <p:attrName>ppt_x</p:attrName>
+                                          <p:attrName>ppt_y</p:attrName>
+                                        </p:attrNameLst>
+                                      </p:cBhvr>
+                                    </p:animMotion>
+                                  </p:childTnLst>
+                                </p:cTn>
+                              </p:par>
+                              <p:par>
+                                <p:cTn id="24" presetID="42" presetClass="path" presetSubtype="0" fill="hold" grpId="0" nodeType="withEffect">
+                                  <p:stCondLst>
+                                    <p:cond delay="0"/>
+                                  </p:stCondLst>
+                                  <p:childTnLst>
+                                    <p:animMotion origin="layout" path="M 0 0 C 0 -0.07923681 0 -0.07923681 0 -0.1584736 E" pathEditMode="relative" ptsTypes="">
+                                      <p:cBhvr>
+                                        <p:cTn id="25" dur="500" fill="hold"/>
+                                        <p:tgtEl>
+                                          <p:spTgt spid="10"/>
+                                        </p:tgtEl>
+                                        <p:attrNameLst>
+                                          <p:attrName>ppt_x</p:attrName>
+                                          <p:attrName>ppt_y</p:attrName>
+                                        </p:attrNameLst>
+                                      </p:cBhvr>
+                                    </p:animMotion>
+                                  </p:childTnLst>
+                                </p:cTn>
+                              </p:par>
+                            </p:childTnLst>
+                          </p:cTn>
+                        </p:par>
+                      </p:childTnLst>
+                    </p:cTn>
+                  </p:par>
+                </p:childTnLst>
+              </p:cTn>
+              <p:prevCondLst>
+                <p:cond evt="onPrev" delay="0">
+                  <p:tgtEl>
+                    <p:sldTgt/>
+                  </p:tgtEl>
+                </p:cond>
+              </p:prevCondLst>
+              <p:nextCondLst>
+                <p:cond evt="onNext" delay="0">
+                  <p:tgtEl>
+                    <p:sldTgt/>
+                  </p:tgtEl>
+                </p:cond>
+              </p:nextCondLst>
+            </p:seq>
+          </p:childTnLst>
+        </p:cTn>
+      </p:par>
+    </p:tnLst>
+    <p:bldLst>
+      <p:bldP spid="2" grpId="0" animBg="1"/>
+      <p:bldP spid="2" grpId="1" animBg="1"/>
+      <p:bldP spid="6" grpId="0" animBg="1"/>
+      <p:bldP spid="6" grpId="1" animBg="1"/>
+      <p:bldP spid="7" grpId="0" animBg="1"/>
+      <p:bldP spid="8" grpId="0" animBg="1"/>
+      <p:bldP spid="9" grpId="0" animBg="1"/>
+      <p:bldP spid="10" grpId="0" animBg="1"/>
+    </p:bldLst>
+  </p:timing>
+</p:sld>
+</file>
+
+<file path=ppt/slides/slide12.xml><?xml version="1.0" encoding="utf-8"?>
+<p:sld xmlns:a="http://schemas.openxmlformats.org/drawingml/2006/main" xmlns:r="http://schemas.openxmlformats.org/officeDocument/2006/relationships" xmlns:p="http://schemas.openxmlformats.org/presentationml/2006/main">
+  <p:cSld name="PPSlideMulti_201604241934487975_eda063b">
+    <p:spTree>
+      <p:nvGrpSpPr>
+        <p:cNvPr id="1" name=""/>
+        <p:cNvGrpSpPr/>
+        <p:nvPr/>
+      </p:nvGrpSpPr>
+      <p:grpSpPr>
+        <a:xfrm>
+          <a:off x="0" y="0"/>
+          <a:ext cx="0" cy="0"/>
+          <a:chOff x="0" y="0"/>
+          <a:chExt cx="0" cy="0"/>
+        </a:xfrm>
+      </p:grpSpPr>
+      <p:sp>
+        <p:nvSpPr>
+          <p:cNvPr id="2" name="v"/>
+          <p:cNvSpPr/>
+          <p:nvPr/>
+        </p:nvSpPr>
+        <p:spPr>
+          <a:xfrm>
+            <a:off x="1543542" y="411903"/>
+            <a:ext cx="954501" cy="6034196"/>
+          </a:xfrm>
+          <a:prstGeom prst="rect">
+            <a:avLst/>
+          </a:prstGeom>
+          <a:solidFill>
+            <a:schemeClr val="accent1">
+              <a:lumMod val="20000"/>
+              <a:lumOff val="80000"/>
+            </a:schemeClr>
+          </a:solidFill>
+          <a:ln>
+            <a:noFill/>
+          </a:ln>
+        </p:spPr>
+        <p:style>
+          <a:lnRef idx="2">
+            <a:schemeClr val="accent1">
+              <a:shade val="50000"/>
+            </a:schemeClr>
+          </a:lnRef>
+          <a:fillRef idx="1">
+            <a:schemeClr val="accent1"/>
+          </a:fillRef>
+          <a:effectRef idx="0">
+            <a:schemeClr val="accent1"/>
+          </a:effectRef>
+          <a:fontRef idx="minor">
+            <a:schemeClr val="lt1"/>
+          </a:fontRef>
+        </p:style>
+        <p:txBody>
+          <a:bodyPr rtlCol="0" anchor="ctr"/>
+          <a:lstStyle/>
+          <a:p>
+            <a:pPr algn="ctr"/>
+            <a:endParaRPr lang="en-SG"/>
+          </a:p>
+        </p:txBody>
+      </p:sp>
+      <p:sp>
+        <p:nvSpPr>
+          <p:cNvPr id="4" name="TextBox 5"/>
+          <p:cNvSpPr txBox="1"/>
+          <p:nvPr/>
+        </p:nvSpPr>
+        <p:spPr>
+          <a:xfrm>
+            <a:off x="2467662" y="2465020"/>
+            <a:ext cx="5992770" cy="1107996"/>
+          </a:xfrm>
+          <a:prstGeom prst="rect">
+            <a:avLst/>
+          </a:prstGeom>
+          <a:noFill/>
+        </p:spPr>
+        <p:txBody>
+          <a:bodyPr wrap="square" rtlCol="0">
+            <a:spAutoFit/>
+          </a:bodyPr>
+          <a:lstStyle/>
+          <a:p>
+            <a:r>
+              <a:rPr lang="en-US" sz="6600" b="1" dirty="0">
+                <a:solidFill>
+                  <a:schemeClr val="tx2">
+                    <a:lumMod val="60000"/>
+                    <a:lumOff val="40000"/>
+                  </a:schemeClr>
+                </a:solidFill>
+              </a:rPr>
+              <a:t>… and more!</a:t>
+            </a:r>
+            <a:endParaRPr lang="en-SG" sz="6600" b="1" dirty="0">
+              <a:solidFill>
+                <a:schemeClr val="tx2">
+                  <a:lumMod val="60000"/>
+                  <a:lumOff val="40000"/>
+                </a:schemeClr>
+              </a:solidFill>
+            </a:endParaRPr>
+          </a:p>
+        </p:txBody>
+      </p:sp>
+      <p:sp>
+        <p:nvSpPr>
+          <p:cNvPr id="6" name="Rectangle 5"/>
+          <p:cNvSpPr/>
+          <p:nvPr/>
+        </p:nvSpPr>
+        <p:spPr>
+          <a:xfrm>
+            <a:off x="388298" y="3698027"/>
+            <a:ext cx="8352928" cy="974114"/>
+          </a:xfrm>
+          <a:prstGeom prst="rect">
+            <a:avLst/>
+          </a:prstGeom>
+          <a:solidFill>
+            <a:schemeClr val="accent1">
+              <a:lumMod val="20000"/>
+              <a:lumOff val="80000"/>
+            </a:schemeClr>
+          </a:solidFill>
+          <a:ln>
+            <a:noFill/>
+          </a:ln>
+        </p:spPr>
+        <p:style>
+          <a:lnRef idx="2">
+            <a:schemeClr val="accent1">
+              <a:shade val="50000"/>
+            </a:schemeClr>
+          </a:lnRef>
+          <a:fillRef idx="1">
+            <a:schemeClr val="accent1"/>
+          </a:fillRef>
+          <a:effectRef idx="0">
+            <a:schemeClr val="accent1"/>
+          </a:effectRef>
+          <a:fontRef idx="minor">
+            <a:schemeClr val="lt1"/>
+          </a:fontRef>
+        </p:style>
+        <p:txBody>
+          <a:bodyPr rtlCol="0" anchor="ctr"/>
+          <a:lstStyle/>
+          <a:p>
+            <a:pPr algn="ctr"/>
+            <a:endParaRPr lang="en-SG"/>
+          </a:p>
+        </p:txBody>
+      </p:sp>
+      <p:sp>
+        <p:nvSpPr>
+          <p:cNvPr id="7" name="Down Arrow 6"/>
+          <p:cNvSpPr/>
+          <p:nvPr/>
+        </p:nvSpPr>
+        <p:spPr>
+          <a:xfrm rot="5400000">
+            <a:off x="-547394" y="3820992"/>
+            <a:ext cx="1871385" cy="734554"/>
+          </a:xfrm>
+          <a:prstGeom prst="downArrow">
+            <a:avLst/>
+          </a:prstGeom>
+          <a:solidFill>
+            <a:schemeClr val="accent1">
+              <a:lumMod val="20000"/>
+              <a:lumOff val="80000"/>
+            </a:schemeClr>
+          </a:solidFill>
+          <a:ln>
+            <a:noFill/>
+          </a:ln>
+        </p:spPr>
+        <p:style>
+          <a:lnRef idx="2">
+            <a:schemeClr val="accent1">
+              <a:shade val="50000"/>
+            </a:schemeClr>
+          </a:lnRef>
+          <a:fillRef idx="1">
+            <a:schemeClr val="accent1"/>
+          </a:fillRef>
+          <a:effectRef idx="0">
+            <a:schemeClr val="accent1"/>
+          </a:effectRef>
+          <a:fontRef idx="minor">
+            <a:schemeClr val="lt1"/>
+          </a:fontRef>
+        </p:style>
+        <p:txBody>
+          <a:bodyPr rtlCol="0" anchor="ctr"/>
+          <a:lstStyle/>
+          <a:p>
+            <a:pPr algn="ctr"/>
+            <a:endParaRPr lang="en-SG"/>
+          </a:p>
+        </p:txBody>
+      </p:sp>
+      <p:sp>
+        <p:nvSpPr>
+          <p:cNvPr id="8" name="Down Arrow 7"/>
+          <p:cNvSpPr/>
+          <p:nvPr/>
+        </p:nvSpPr>
+        <p:spPr>
+          <a:xfrm rot="16200000">
+            <a:off x="7805534" y="3817807"/>
+            <a:ext cx="1871385" cy="734554"/>
+          </a:xfrm>
+          <a:prstGeom prst="downArrow">
+            <a:avLst/>
+          </a:prstGeom>
+          <a:solidFill>
+            <a:schemeClr val="accent1">
+              <a:lumMod val="20000"/>
+              <a:lumOff val="80000"/>
+            </a:schemeClr>
+          </a:solidFill>
+          <a:ln>
+            <a:noFill/>
+          </a:ln>
+        </p:spPr>
+        <p:style>
+          <a:lnRef idx="2">
+            <a:schemeClr val="accent1">
+              <a:shade val="50000"/>
+            </a:schemeClr>
+          </a:lnRef>
+          <a:fillRef idx="1">
+            <a:schemeClr val="accent1"/>
+          </a:fillRef>
+          <a:effectRef idx="0">
+            <a:schemeClr val="accent1"/>
+          </a:effectRef>
+          <a:fontRef idx="minor">
+            <a:schemeClr val="lt1"/>
+          </a:fontRef>
+        </p:style>
+        <p:txBody>
+          <a:bodyPr rtlCol="0" anchor="ctr"/>
+          <a:lstStyle/>
+          <a:p>
+            <a:pPr algn="ctr"/>
+            <a:endParaRPr lang="en-SG"/>
+          </a:p>
+        </p:txBody>
+      </p:sp>
+      <p:sp>
+        <p:nvSpPr>
+          <p:cNvPr id="9" name="Down Arrow 8"/>
+          <p:cNvSpPr/>
+          <p:nvPr/>
+        </p:nvSpPr>
+        <p:spPr>
+          <a:xfrm>
+            <a:off x="1085100" y="6078822"/>
+            <a:ext cx="1871385" cy="734554"/>
+          </a:xfrm>
+          <a:prstGeom prst="downArrow">
+            <a:avLst/>
+          </a:prstGeom>
+          <a:solidFill>
+            <a:schemeClr val="accent1">
+              <a:lumMod val="20000"/>
+              <a:lumOff val="80000"/>
+            </a:schemeClr>
+          </a:solidFill>
+          <a:ln>
+            <a:noFill/>
+          </a:ln>
+        </p:spPr>
+        <p:style>
+          <a:lnRef idx="2">
+            <a:schemeClr val="accent1">
+              <a:shade val="50000"/>
+            </a:schemeClr>
+          </a:lnRef>
+          <a:fillRef idx="1">
+            <a:schemeClr val="accent1"/>
+          </a:fillRef>
+          <a:effectRef idx="0">
+            <a:schemeClr val="accent1"/>
+          </a:effectRef>
+          <a:fontRef idx="minor">
+            <a:schemeClr val="lt1"/>
+          </a:fontRef>
+        </p:style>
+        <p:txBody>
+          <a:bodyPr rtlCol="0" anchor="ctr"/>
+          <a:lstStyle/>
+          <a:p>
+            <a:pPr algn="ctr"/>
+            <a:endParaRPr lang="en-SG"/>
+          </a:p>
+        </p:txBody>
+      </p:sp>
+      <p:sp>
+        <p:nvSpPr>
+          <p:cNvPr id="10" name="Down Arrow 9"/>
+          <p:cNvSpPr/>
+          <p:nvPr/>
+        </p:nvSpPr>
+        <p:spPr>
+          <a:xfrm rot="10800000">
+            <a:off x="1079907" y="44625"/>
+            <a:ext cx="1871385" cy="734554"/>
+          </a:xfrm>
+          <a:prstGeom prst="downArrow">
+            <a:avLst/>
+          </a:prstGeom>
+          <a:solidFill>
+            <a:schemeClr val="accent1">
+              <a:lumMod val="20000"/>
+              <a:lumOff val="80000"/>
+            </a:schemeClr>
+          </a:solidFill>
+          <a:ln>
+            <a:noFill/>
+          </a:ln>
+        </p:spPr>
+        <p:style>
+          <a:lnRef idx="2">
+            <a:schemeClr val="accent1">
+              <a:shade val="50000"/>
+            </a:schemeClr>
+          </a:lnRef>
+          <a:fillRef idx="1">
+            <a:schemeClr val="accent1"/>
+          </a:fillRef>
+          <a:effectRef idx="0">
+            <a:schemeClr val="accent1"/>
+          </a:effectRef>
+          <a:fontRef idx="minor">
+            <a:schemeClr val="lt1"/>
+          </a:fontRef>
+        </p:style>
+        <p:txBody>
+          <a:bodyPr rtlCol="0" anchor="ctr"/>
+          <a:lstStyle/>
+          <a:p>
+            <a:pPr algn="ctr"/>
+            <a:endParaRPr lang="en-SG"/>
+          </a:p>
+        </p:txBody>
+      </p:sp>
+    </p:spTree>
+    <p:extLst>
+      <p:ext uri="{BB962C8B-B14F-4D97-AF65-F5344CB8AC3E}">
+        <p14:creationId xmlns:p14="http://schemas.microsoft.com/office/powerpoint/2010/main" val="4253396433"/>
+      </p:ext>
+    </p:extLst>
+  </p:cSld>
+  <p:clrMapOvr>
+    <a:masterClrMapping/>
+  </p:clrMapOvr>
+  <mc:AlternateContent xmlns:mc="http://schemas.openxmlformats.org/markup-compatibility/2006" xmlns:p14="http://schemas.microsoft.com/office/powerpoint/2010/main">
+    <mc:Choice Requires="p14">
+      <p:transition spd="med" p14:dur="700" advTm="0">
+        <p:fade/>
+      </p:transition>
+    </mc:Choice>
+    <mc:Fallback xmlns="">
+      <p:transition spd="med" advTm="0">
+        <p:fade/>
+      </p:transition>
+    </mc:Fallback>
+  </mc:AlternateContent>
+</p:sld>
+</file>
+
+<file path=ppt/slides/slide13.xml><?xml version="1.0" encoding="utf-8"?>
+<p:sld xmlns:a="http://schemas.openxmlformats.org/drawingml/2006/main" xmlns:r="http://schemas.openxmlformats.org/officeDocument/2006/relationships" xmlns:p="http://schemas.openxmlformats.org/presentationml/2006/main">
+  <p:cSld name="PPSlideAnimated201604241934487845">
+    <p:spTree>
+      <p:nvGrpSpPr>
+        <p:cNvPr id="1" name=""/>
+        <p:cNvGrpSpPr/>
+        <p:nvPr/>
+      </p:nvGrpSpPr>
+      <p:grpSpPr>
+        <a:xfrm>
+          <a:off x="0" y="0"/>
+          <a:ext cx="0" cy="0"/>
+          <a:chOff x="0" y="0"/>
+          <a:chExt cx="0" cy="0"/>
+        </a:xfrm>
+      </p:grpSpPr>
+      <p:sp>
+        <p:nvSpPr>
+          <p:cNvPr id="2" name="v"/>
+          <p:cNvSpPr>
+            <a:spLocks/>
+          </p:cNvSpPr>
+          <p:nvPr/>
+        </p:nvSpPr>
+        <p:spPr>
+          <a:xfrm>
+            <a:off x="1543542" y="411903"/>
+            <a:ext cx="954501" cy="6034196"/>
+          </a:xfrm>
+          <a:prstGeom prst="rect">
+            <a:avLst/>
+          </a:prstGeom>
+          <a:solidFill>
+            <a:schemeClr val="accent1">
+              <a:lumMod val="20000"/>
+              <a:lumOff val="80000"/>
+            </a:schemeClr>
+          </a:solidFill>
+          <a:ln>
+            <a:noFill/>
+          </a:ln>
+        </p:spPr>
+        <p:style>
+          <a:lnRef idx="2">
+            <a:schemeClr val="accent1">
+              <a:shade val="50000"/>
+            </a:schemeClr>
+          </a:lnRef>
+          <a:fillRef idx="1">
+            <a:schemeClr val="accent1"/>
+          </a:fillRef>
+          <a:effectRef idx="0">
+            <a:schemeClr val="accent1"/>
+          </a:effectRef>
+          <a:fontRef idx="minor">
+            <a:schemeClr val="lt1"/>
+          </a:fontRef>
+        </p:style>
+        <p:txBody>
+          <a:bodyPr rtlCol="0" anchor="ctr"/>
+          <a:lstStyle/>
+          <a:p>
+            <a:pPr algn="ctr"/>
+            <a:endParaRPr lang="en-SG"/>
+          </a:p>
+        </p:txBody>
+      </p:sp>
+      <p:sp>
+        <p:nvSpPr>
+          <p:cNvPr id="4" name="TextBox 5"/>
+          <p:cNvSpPr txBox="1"/>
+          <p:nvPr/>
+        </p:nvSpPr>
+        <p:spPr>
+          <a:xfrm>
+            <a:off x="2467662" y="2465020"/>
+            <a:ext cx="5992770" cy="1107996"/>
+          </a:xfrm>
+          <a:prstGeom prst="rect">
+            <a:avLst/>
+          </a:prstGeom>
+          <a:noFill/>
+        </p:spPr>
+        <p:txBody>
+          <a:bodyPr wrap="square" rtlCol="0">
+            <a:spAutoFit/>
+          </a:bodyPr>
+          <a:lstStyle/>
+          <a:p>
+            <a:r>
+              <a:rPr lang="en-US" sz="6600" b="1" dirty="0">
+                <a:solidFill>
+                  <a:schemeClr val="tx2">
+                    <a:lumMod val="60000"/>
+                    <a:lumOff val="40000"/>
+                  </a:schemeClr>
+                </a:solidFill>
+              </a:rPr>
+              <a:t>… and more!</a:t>
+            </a:r>
+            <a:endParaRPr lang="en-SG" sz="6600" b="1" dirty="0">
+              <a:solidFill>
+                <a:schemeClr val="tx2">
+                  <a:lumMod val="60000"/>
+                  <a:lumOff val="40000"/>
+                </a:schemeClr>
+              </a:solidFill>
+            </a:endParaRPr>
+          </a:p>
+        </p:txBody>
+      </p:sp>
+      <p:sp>
+        <p:nvSpPr>
+          <p:cNvPr id="6" name="Rectangle 5"/>
+          <p:cNvSpPr>
+            <a:spLocks/>
+          </p:cNvSpPr>
+          <p:nvPr/>
+        </p:nvSpPr>
+        <p:spPr>
+          <a:xfrm>
+            <a:off x="388298" y="3698027"/>
+            <a:ext cx="8352928" cy="974114"/>
+          </a:xfrm>
+          <a:prstGeom prst="rect">
+            <a:avLst/>
+          </a:prstGeom>
+          <a:solidFill>
+            <a:schemeClr val="accent1">
+              <a:lumMod val="20000"/>
+              <a:lumOff val="80000"/>
+            </a:schemeClr>
+          </a:solidFill>
+          <a:ln>
+            <a:noFill/>
+          </a:ln>
+        </p:spPr>
+        <p:style>
+          <a:lnRef idx="2">
+            <a:schemeClr val="accent1">
+              <a:shade val="50000"/>
+            </a:schemeClr>
+          </a:lnRef>
+          <a:fillRef idx="1">
+            <a:schemeClr val="accent1"/>
+          </a:fillRef>
+          <a:effectRef idx="0">
+            <a:schemeClr val="accent1"/>
+          </a:effectRef>
+          <a:fontRef idx="minor">
+            <a:schemeClr val="lt1"/>
+          </a:fontRef>
+        </p:style>
+        <p:txBody>
+          <a:bodyPr rtlCol="0" anchor="ctr"/>
+          <a:lstStyle/>
+          <a:p>
+            <a:pPr algn="ctr"/>
+            <a:endParaRPr lang="en-SG"/>
+          </a:p>
+        </p:txBody>
+      </p:sp>
+      <p:sp>
+        <p:nvSpPr>
+          <p:cNvPr id="7" name="Down Arrow 6"/>
+          <p:cNvSpPr/>
+          <p:nvPr/>
+        </p:nvSpPr>
+        <p:spPr>
+          <a:xfrm rot="5400000">
+            <a:off x="-547394" y="3820992"/>
+            <a:ext cx="1871385" cy="734554"/>
+          </a:xfrm>
+          <a:prstGeom prst="downArrow">
+            <a:avLst/>
+          </a:prstGeom>
+          <a:solidFill>
+            <a:schemeClr val="accent1">
+              <a:lumMod val="20000"/>
+              <a:lumOff val="80000"/>
+            </a:schemeClr>
+          </a:solidFill>
+          <a:ln>
+            <a:noFill/>
+          </a:ln>
+        </p:spPr>
+        <p:style>
+          <a:lnRef idx="2">
+            <a:schemeClr val="accent1">
+              <a:shade val="50000"/>
+            </a:schemeClr>
+          </a:lnRef>
+          <a:fillRef idx="1">
+            <a:schemeClr val="accent1"/>
+          </a:fillRef>
+          <a:effectRef idx="0">
+            <a:schemeClr val="accent1"/>
+          </a:effectRef>
+          <a:fontRef idx="minor">
+            <a:schemeClr val="lt1"/>
+          </a:fontRef>
+        </p:style>
+        <p:txBody>
+          <a:bodyPr rtlCol="0" anchor="ctr"/>
+          <a:lstStyle/>
+          <a:p>
+            <a:pPr algn="ctr"/>
+            <a:endParaRPr lang="en-SG"/>
+          </a:p>
+        </p:txBody>
+      </p:sp>
+      <p:sp>
+        <p:nvSpPr>
+          <p:cNvPr id="8" name="Down Arrow 7"/>
+          <p:cNvSpPr/>
+          <p:nvPr/>
+        </p:nvSpPr>
+        <p:spPr>
+          <a:xfrm rot="16200000">
+            <a:off x="7805534" y="3817807"/>
+            <a:ext cx="1871385" cy="734554"/>
+          </a:xfrm>
+          <a:prstGeom prst="downArrow">
+            <a:avLst/>
+          </a:prstGeom>
+          <a:solidFill>
+            <a:schemeClr val="accent1">
+              <a:lumMod val="20000"/>
+              <a:lumOff val="80000"/>
+            </a:schemeClr>
+          </a:solidFill>
+          <a:ln>
+            <a:noFill/>
+          </a:ln>
+        </p:spPr>
+        <p:style>
+          <a:lnRef idx="2">
+            <a:schemeClr val="accent1">
+              <a:shade val="50000"/>
+            </a:schemeClr>
+          </a:lnRef>
+          <a:fillRef idx="1">
+            <a:schemeClr val="accent1"/>
+          </a:fillRef>
+          <a:effectRef idx="0">
+            <a:schemeClr val="accent1"/>
+          </a:effectRef>
+          <a:fontRef idx="minor">
+            <a:schemeClr val="lt1"/>
+          </a:fontRef>
+        </p:style>
+        <p:txBody>
+          <a:bodyPr rtlCol="0" anchor="ctr"/>
+          <a:lstStyle/>
+          <a:p>
+            <a:pPr algn="ctr"/>
+            <a:endParaRPr lang="en-SG"/>
+          </a:p>
+        </p:txBody>
+      </p:sp>
+      <p:sp>
+        <p:nvSpPr>
+          <p:cNvPr id="9" name="Down Arrow 8"/>
+          <p:cNvSpPr/>
+          <p:nvPr/>
+        </p:nvSpPr>
+        <p:spPr>
+          <a:xfrm>
+            <a:off x="1085100" y="6078822"/>
+            <a:ext cx="1871385" cy="734554"/>
+          </a:xfrm>
+          <a:prstGeom prst="downArrow">
+            <a:avLst/>
+          </a:prstGeom>
+          <a:solidFill>
+            <a:schemeClr val="accent1">
+              <a:lumMod val="20000"/>
+              <a:lumOff val="80000"/>
+            </a:schemeClr>
+          </a:solidFill>
+          <a:ln>
+            <a:noFill/>
+          </a:ln>
+        </p:spPr>
+        <p:style>
+          <a:lnRef idx="2">
+            <a:schemeClr val="accent1">
+              <a:shade val="50000"/>
+            </a:schemeClr>
+          </a:lnRef>
+          <a:fillRef idx="1">
+            <a:schemeClr val="accent1"/>
+          </a:fillRef>
+          <a:effectRef idx="0">
+            <a:schemeClr val="accent1"/>
+          </a:effectRef>
+          <a:fontRef idx="minor">
+            <a:schemeClr val="lt1"/>
+          </a:fontRef>
+        </p:style>
+        <p:txBody>
+          <a:bodyPr rtlCol="0" anchor="ctr"/>
+          <a:lstStyle/>
+          <a:p>
+            <a:pPr algn="ctr"/>
+            <a:endParaRPr lang="en-SG"/>
+          </a:p>
+        </p:txBody>
+      </p:sp>
+      <p:sp>
+        <p:nvSpPr>
+          <p:cNvPr id="10" name="Down Arrow 9"/>
+          <p:cNvSpPr/>
+          <p:nvPr/>
+        </p:nvSpPr>
+        <p:spPr>
+          <a:xfrm rot="10800000">
+            <a:off x="1079907" y="44625"/>
+            <a:ext cx="1871385" cy="734554"/>
+          </a:xfrm>
+          <a:prstGeom prst="downArrow">
+            <a:avLst/>
+          </a:prstGeom>
+          <a:solidFill>
+            <a:schemeClr val="accent1">
+              <a:lumMod val="20000"/>
+              <a:lumOff val="80000"/>
+            </a:schemeClr>
+          </a:solidFill>
+          <a:ln>
+            <a:noFill/>
+          </a:ln>
+        </p:spPr>
+        <p:style>
+          <a:lnRef idx="2">
+            <a:schemeClr val="accent1">
+              <a:shade val="50000"/>
+            </a:schemeClr>
+          </a:lnRef>
+          <a:fillRef idx="1">
+            <a:schemeClr val="accent1"/>
+          </a:fillRef>
+          <a:effectRef idx="0">
+            <a:schemeClr val="accent1"/>
+          </a:effectRef>
+          <a:fontRef idx="minor">
+            <a:schemeClr val="lt1"/>
+          </a:fontRef>
+        </p:style>
+        <p:txBody>
+          <a:bodyPr rtlCol="0" anchor="ctr"/>
+          <a:lstStyle/>
+          <a:p>
+            <a:pPr algn="ctr"/>
+            <a:endParaRPr lang="en-SG"/>
+          </a:p>
+        </p:txBody>
+      </p:sp>
+      <p:pic>
+        <p:nvPicPr>
+          <p:cNvPr id="3" name="PPTIndicator201604241934488105"/>
+          <p:cNvPicPr>
+            <a:picLocks/>
+          </p:cNvPicPr>
+          <p:nvPr/>
+        </p:nvPicPr>
+        <p:blipFill>
+          <a:blip r:embed="rId2" cstate="email">
+            <a:extLst>
+              <a:ext uri="{28A0092B-C50C-407E-A947-70E740481C1C}">
+                <a14:useLocalDpi xmlns:a14="http://schemas.microsoft.com/office/drawing/2010/main"/>
+              </a:ext>
+            </a:extLst>
+          </a:blip>
+          <a:stretch>
+            <a:fillRect/>
+          </a:stretch>
+        </p:blipFill>
+        <p:spPr>
+          <a:xfrm>
+            <a:off x="7620000" y="0"/>
+            <a:ext cx="1524000" cy="1066800"/>
+          </a:xfrm>
+          <a:prstGeom prst="rect">
+            <a:avLst/>
+          </a:prstGeom>
+        </p:spPr>
+      </p:pic>
+    </p:spTree>
+    <p:extLst>
+      <p:ext uri="{BB962C8B-B14F-4D97-AF65-F5344CB8AC3E}">
+        <p14:creationId xmlns:p14="http://schemas.microsoft.com/office/powerpoint/2010/main" val="1458262518"/>
+      </p:ext>
+    </p:extLst>
+  </p:cSld>
+  <p:clrMapOvr>
+    <a:masterClrMapping/>
+  </p:clrMapOvr>
+  <mc:AlternateContent xmlns:mc="http://schemas.openxmlformats.org/markup-compatibility/2006" xmlns:p14="http://schemas.microsoft.com/office/powerpoint/2010/main">
+    <mc:Choice Requires="p14">
+      <p:transition spd="med" p14:dur="700" advClick="0" advTm="0"/>
+    </mc:Choice>
+    <mc:Fallback xmlns="">
+      <p:transition spd="med" advClick="0" advTm="0"/>
+    </mc:Fallback>
+  </mc:AlternateContent>
+  <p:timing>
+    <p:tnLst>
+      <p:par>
+        <p:cTn id="1" dur="indefinite" restart="never" nodeType="tmRoot">
+          <p:childTnLst>
+            <p:seq concurrent="1" nextAc="seek">
+              <p:cTn id="2" dur="indefinite" nodeType="mainSeq">
+                <p:childTnLst>
+                  <p:par>
+                    <p:cTn id="3" fill="hold">
+                      <p:stCondLst>
+                        <p:cond delay="indefinite"/>
+                        <p:cond evt="onBegin" delay="0">
+                          <p:tn val="2"/>
+                        </p:cond>
+                      </p:stCondLst>
+                      <p:childTnLst>
+                        <p:par>
+                          <p:cTn id="4" fill="hold">
+                            <p:stCondLst>
+                              <p:cond delay="0"/>
+                            </p:stCondLst>
+                            <p:childTnLst>
+                              <p:par>
+                                <p:cTn id="5" presetID="1" presetClass="entr" presetSubtype="0" fill="hold" nodeType="withEffect">
+                                  <p:stCondLst>
+                                    <p:cond delay="0"/>
+                                  </p:stCondLst>
+                                  <p:childTnLst>
+                                    <p:set>
+                                      <p:cBhvr>
+                                        <p:cTn id="6" dur="1" fill="hold">
+                                          <p:stCondLst>
+                                            <p:cond delay="0"/>
+                                          </p:stCondLst>
+                                        </p:cTn>
+                                        <p:tgtEl>
+                                          <p:spTgt spid="3"/>
+                                        </p:tgtEl>
+                                        <p:attrNameLst>
+                                          <p:attrName>style.visibility</p:attrName>
+                                        </p:attrNameLst>
+                                      </p:cBhvr>
+                                      <p:to>
+                                        <p:strVal val="visible"/>
+                                      </p:to>
+                                    </p:set>
+                                  </p:childTnLst>
+                                </p:cTn>
+                              </p:par>
+                              <p:par>
+                                <p:cTn id="7" presetID="1" presetClass="exit" presetSubtype="0" fill="hold" nodeType="withEffect">
+                                  <p:stCondLst>
+                                    <p:cond delay="0"/>
+                                  </p:stCondLst>
+                                  <p:childTnLst>
+                                    <p:set>
+                                      <p:cBhvr>
+                                        <p:cTn id="8" dur="1" fill="hold">
+                                          <p:stCondLst>
+                                            <p:cond delay="0"/>
+                                          </p:stCondLst>
+                                        </p:cTn>
+                                        <p:tgtEl>
+                                          <p:spTgt spid="3"/>
+                                        </p:tgtEl>
+                                        <p:attrNameLst>
+                                          <p:attrName>style.visibility</p:attrName>
+                                        </p:attrNameLst>
+                                      </p:cBhvr>
+                                      <p:to>
+                                        <p:strVal val="hidden"/>
+                                      </p:to>
+                                    </p:set>
+                                  </p:childTnLst>
+                                </p:cTn>
+                              </p:par>
+                            </p:childTnLst>
+                          </p:cTn>
+                        </p:par>
+                        <p:par>
+                          <p:cTn id="9" fill="hold">
+                            <p:stCondLst>
+                              <p:cond delay="0"/>
+                            </p:stCondLst>
+                            <p:childTnLst>
+                              <p:par>
+                                <p:cTn id="10" presetID="42" presetClass="path" presetSubtype="0" fill="hold" grpId="0" nodeType="afterEffect">
+                                  <p:stCondLst>
+                                    <p:cond delay="0"/>
+                                  </p:stCondLst>
+                                  <p:childTnLst>
+                                    <p:animMotion origin="layout" path="M 0 0 C 0 -0.002888856 0 -0.002888856 0 -0.005777712 E" pathEditMode="relative" ptsTypes="">
+                                      <p:cBhvr>
+                                        <p:cTn id="11" dur="500" fill="hold"/>
+                                        <p:tgtEl>
+                                          <p:spTgt spid="2"/>
+                                        </p:tgtEl>
+                                        <p:attrNameLst>
+                                          <p:attrName>ppt_x</p:attrName>
+                                          <p:attrName>ppt_y</p:attrName>
+                                        </p:attrNameLst>
+                                      </p:cBhvr>
+                                    </p:animMotion>
+                                  </p:childTnLst>
+                                </p:cTn>
+                              </p:par>
+                              <p:par>
+                                <p:cTn id="12" presetID="6" presetClass="emph" presetSubtype="0" fill="hold" grpId="1" nodeType="withEffect">
+                                  <p:stCondLst>
+                                    <p:cond delay="0"/>
+                                  </p:stCondLst>
+                                  <p:childTnLst>
+                                    <p:animScale>
+                                      <p:cBhvr>
+                                        <p:cTn id="13" dur="500" fill="hold"/>
+                                        <p:tgtEl>
+                                          <p:spTgt spid="2"/>
+                                        </p:tgtEl>
+                                      </p:cBhvr>
+                                      <p:by x="100000" y="65513"/>
+                                    </p:animScale>
+                                  </p:childTnLst>
+                                </p:cTn>
+                              </p:par>
+                              <p:par>
+                                <p:cTn id="14" presetID="42" presetClass="path" presetSubtype="0" fill="hold" grpId="0" nodeType="withEffect">
+                                  <p:stCondLst>
+                                    <p:cond delay="0"/>
+                                  </p:stCondLst>
+                                  <p:childTnLst>
+                                    <p:animMotion origin="layout" path="M 0 0 C -0.02640213 0 -0.02640213 0 -0.05280427 0 E" pathEditMode="relative" ptsTypes="">
+                                      <p:cBhvr>
+                                        <p:cTn id="15" dur="500" fill="hold"/>
+                                        <p:tgtEl>
+                                          <p:spTgt spid="6"/>
+                                        </p:tgtEl>
+                                        <p:attrNameLst>
+                                          <p:attrName>ppt_x</p:attrName>
+                                          <p:attrName>ppt_y</p:attrName>
+                                        </p:attrNameLst>
+                                      </p:cBhvr>
+                                    </p:animMotion>
+                                  </p:childTnLst>
+                                </p:cTn>
+                              </p:par>
+                              <p:par>
+                                <p:cTn id="16" presetID="6" presetClass="emph" presetSubtype="0" fill="hold" grpId="1" nodeType="withEffect">
+                                  <p:stCondLst>
+                                    <p:cond delay="0"/>
+                                  </p:stCondLst>
+                                  <p:childTnLst>
+                                    <p:animScale>
+                                      <p:cBhvr>
+                                        <p:cTn id="17" dur="500" fill="hold"/>
+                                        <p:tgtEl>
+                                          <p:spTgt spid="6"/>
+                                        </p:tgtEl>
+                                      </p:cBhvr>
+                                      <p:by x="77252" y="100000"/>
+                                    </p:animScale>
+                                  </p:childTnLst>
+                                </p:cTn>
+                              </p:par>
+                              <p:par>
+                                <p:cTn id="18" presetID="42" presetClass="path" presetSubtype="0" fill="hold" grpId="0" nodeType="withEffect">
+                                  <p:stCondLst>
+                                    <p:cond delay="0"/>
+                                  </p:stCondLst>
+                                  <p:childTnLst>
+                                    <p:animMotion origin="layout" path="M 0 0 C 0.02576755 0 0.02576755 0 0.05153511 0 E" pathEditMode="relative" ptsTypes="">
+                                      <p:cBhvr>
+                                        <p:cTn id="19" dur="500" fill="hold"/>
+                                        <p:tgtEl>
+                                          <p:spTgt spid="7"/>
+                                        </p:tgtEl>
+                                        <p:attrNameLst>
+                                          <p:attrName>ppt_x</p:attrName>
+                                          <p:attrName>ppt_y</p:attrName>
+                                        </p:attrNameLst>
+                                      </p:cBhvr>
+                                    </p:animMotion>
+                                  </p:childTnLst>
+                                </p:cTn>
+                              </p:par>
+                              <p:par>
+                                <p:cTn id="20" presetID="42" presetClass="path" presetSubtype="0" fill="hold" grpId="0" nodeType="withEffect">
+                                  <p:stCondLst>
+                                    <p:cond delay="0"/>
+                                  </p:stCondLst>
+                                  <p:childTnLst>
+                                    <p:animMotion origin="layout" path="M 0 0 C -0.07938597 0 -0.07938597 0 -0.1587719 0 E" pathEditMode="relative" ptsTypes="">
+                                      <p:cBhvr>
+                                        <p:cTn id="21" dur="500" fill="hold"/>
+                                        <p:tgtEl>
+                                          <p:spTgt spid="8"/>
+                                        </p:tgtEl>
+                                        <p:attrNameLst>
+                                          <p:attrName>ppt_x</p:attrName>
+                                          <p:attrName>ppt_y</p:attrName>
+                                        </p:attrNameLst>
+                                      </p:cBhvr>
+                                    </p:animMotion>
+                                  </p:childTnLst>
+                                </p:cTn>
+                              </p:par>
+                              <p:par>
+                                <p:cTn id="22" presetID="42" presetClass="path" presetSubtype="0" fill="hold" grpId="0" nodeType="withEffect">
+                                  <p:stCondLst>
+                                    <p:cond delay="0"/>
+                                  </p:stCondLst>
+                                  <p:childTnLst>
+                                    <p:animMotion origin="layout" path="M 0 0 C 0 -0.078646 0 -0.078646 0 -0.157292 E" pathEditMode="relative" ptsTypes="">
+                                      <p:cBhvr>
+                                        <p:cTn id="23" dur="500" fill="hold"/>
+                                        <p:tgtEl>
+                                          <p:spTgt spid="9"/>
+                                        </p:tgtEl>
+                                        <p:attrNameLst>
+                                          <p:attrName>ppt_x</p:attrName>
+                                          <p:attrName>ppt_y</p:attrName>
+                                        </p:attrNameLst>
+                                      </p:cBhvr>
+                                    </p:animMotion>
+                                  </p:childTnLst>
+                                </p:cTn>
+                              </p:par>
+                              <p:par>
+                                <p:cTn id="24" presetID="42" presetClass="path" presetSubtype="0" fill="hold" grpId="0" nodeType="withEffect">
+                                  <p:stCondLst>
+                                    <p:cond delay="0"/>
+                                  </p:stCondLst>
+                                  <p:childTnLst>
+                                    <p:animMotion origin="layout" path="M 0 0 C 0 0.07923681 0 0.07923681 0 0.1584736 E" pathEditMode="relative" ptsTypes="">
+                                      <p:cBhvr>
+                                        <p:cTn id="25" dur="500" fill="hold"/>
+                                        <p:tgtEl>
+                                          <p:spTgt spid="10"/>
+                                        </p:tgtEl>
+                                        <p:attrNameLst>
+                                          <p:attrName>ppt_x</p:attrName>
+                                          <p:attrName>ppt_y</p:attrName>
+                                        </p:attrNameLst>
+                                      </p:cBhvr>
+                                    </p:animMotion>
+                                  </p:childTnLst>
+                                </p:cTn>
+                              </p:par>
+                            </p:childTnLst>
+                          </p:cTn>
+                        </p:par>
+                      </p:childTnLst>
+                    </p:cTn>
+                  </p:par>
+                </p:childTnLst>
+              </p:cTn>
+              <p:prevCondLst>
+                <p:cond evt="onPrev" delay="0">
+                  <p:tgtEl>
+                    <p:sldTgt/>
+                  </p:tgtEl>
+                </p:cond>
+              </p:prevCondLst>
+              <p:nextCondLst>
+                <p:cond evt="onNext" delay="0">
+                  <p:tgtEl>
+                    <p:sldTgt/>
+                  </p:tgtEl>
+                </p:cond>
+              </p:nextCondLst>
+            </p:seq>
+          </p:childTnLst>
+        </p:cTn>
+      </p:par>
+    </p:tnLst>
+    <p:bldLst>
+      <p:bldP spid="2" grpId="0" animBg="1"/>
+      <p:bldP spid="2" grpId="1" animBg="1"/>
+      <p:bldP spid="6" grpId="0" animBg="1"/>
+      <p:bldP spid="6" grpId="1" animBg="1"/>
+      <p:bldP spid="7" grpId="0" animBg="1"/>
+      <p:bldP spid="8" grpId="0" animBg="1"/>
+      <p:bldP spid="9" grpId="0" animBg="1"/>
+      <p:bldP spid="10" grpId="0" animBg="1"/>
+    </p:bldLst>
+  </p:timing>
+</p:sld>
+</file>
+
+<file path=ppt/slides/slide14.xml><?xml version="1.0" encoding="utf-8"?>
+<p:sld xmlns:a="http://schemas.openxmlformats.org/drawingml/2006/main" xmlns:r="http://schemas.openxmlformats.org/officeDocument/2006/relationships" xmlns:p="http://schemas.openxmlformats.org/presentationml/2006/main">
+  <p:cSld name="PPSlideEnd_201604241934487975_bf00560">
+    <p:spTree>
+      <p:nvGrpSpPr>
+        <p:cNvPr id="1" name=""/>
+        <p:cNvGrpSpPr/>
+        <p:nvPr/>
+      </p:nvGrpSpPr>
+      <p:grpSpPr>
+        <a:xfrm>
+          <a:off x="0" y="0"/>
+          <a:ext cx="0" cy="0"/>
+          <a:chOff x="0" y="0"/>
+          <a:chExt cx="0" cy="0"/>
+        </a:xfrm>
+      </p:grpSpPr>
+      <p:sp>
+        <p:nvSpPr>
+          <p:cNvPr id="2" name="v"/>
+          <p:cNvSpPr/>
+          <p:nvPr/>
+        </p:nvSpPr>
+        <p:spPr>
+          <a:xfrm>
+            <a:off x="1543542" y="1412776"/>
+            <a:ext cx="954501" cy="3953203"/>
+          </a:xfrm>
+          <a:prstGeom prst="rect">
+            <a:avLst/>
+          </a:prstGeom>
+          <a:solidFill>
+            <a:schemeClr val="accent1">
+              <a:lumMod val="20000"/>
+              <a:lumOff val="80000"/>
+            </a:schemeClr>
+          </a:solidFill>
+          <a:ln>
+            <a:noFill/>
+          </a:ln>
+        </p:spPr>
+        <p:style>
+          <a:lnRef idx="2">
+            <a:schemeClr val="accent1">
+              <a:shade val="50000"/>
+            </a:schemeClr>
+          </a:lnRef>
+          <a:fillRef idx="1">
+            <a:schemeClr val="accent1"/>
+          </a:fillRef>
+          <a:effectRef idx="0">
+            <a:schemeClr val="accent1"/>
+          </a:effectRef>
+          <a:fontRef idx="minor">
+            <a:schemeClr val="lt1"/>
+          </a:fontRef>
+        </p:style>
+        <p:txBody>
+          <a:bodyPr rtlCol="0" anchor="ctr"/>
+          <a:lstStyle/>
+          <a:p>
+            <a:pPr algn="ctr"/>
+            <a:endParaRPr lang="en-SG"/>
+          </a:p>
+        </p:txBody>
+      </p:sp>
+      <p:sp>
+        <p:nvSpPr>
+          <p:cNvPr id="4" name="TextBox 5"/>
+          <p:cNvSpPr txBox="1"/>
+          <p:nvPr/>
+        </p:nvSpPr>
+        <p:spPr>
+          <a:xfrm>
+            <a:off x="2467662" y="2465020"/>
+            <a:ext cx="5992770" cy="1107996"/>
+          </a:xfrm>
+          <a:prstGeom prst="rect">
+            <a:avLst/>
+          </a:prstGeom>
+          <a:noFill/>
+        </p:spPr>
+        <p:txBody>
+          <a:bodyPr wrap="square" rtlCol="0">
+            <a:spAutoFit/>
+          </a:bodyPr>
+          <a:lstStyle/>
+          <a:p>
+            <a:r>
+              <a:rPr lang="en-US" sz="6600" b="1" dirty="0">
+                <a:solidFill>
+                  <a:schemeClr val="tx2">
+                    <a:lumMod val="60000"/>
+                    <a:lumOff val="40000"/>
+                  </a:schemeClr>
+                </a:solidFill>
+              </a:rPr>
+              <a:t>… and more!</a:t>
+            </a:r>
+            <a:endParaRPr lang="en-SG" sz="6600" b="1" dirty="0">
+              <a:solidFill>
+                <a:schemeClr val="tx2">
+                  <a:lumMod val="60000"/>
+                  <a:lumOff val="40000"/>
+                </a:schemeClr>
+              </a:solidFill>
+            </a:endParaRPr>
+          </a:p>
+        </p:txBody>
+      </p:sp>
+      <p:sp>
+        <p:nvSpPr>
+          <p:cNvPr id="6" name="Rectangle 5"/>
+          <p:cNvSpPr/>
+          <p:nvPr/>
+        </p:nvSpPr>
+        <p:spPr>
+          <a:xfrm>
+            <a:off x="855535" y="3698027"/>
+            <a:ext cx="6452770" cy="974114"/>
+          </a:xfrm>
+          <a:prstGeom prst="rect">
+            <a:avLst/>
+          </a:prstGeom>
+          <a:solidFill>
+            <a:schemeClr val="accent1">
+              <a:lumMod val="20000"/>
+              <a:lumOff val="80000"/>
+            </a:schemeClr>
+          </a:solidFill>
+          <a:ln>
+            <a:noFill/>
+          </a:ln>
+        </p:spPr>
+        <p:style>
+          <a:lnRef idx="2">
+            <a:schemeClr val="accent1">
+              <a:shade val="50000"/>
+            </a:schemeClr>
+          </a:lnRef>
+          <a:fillRef idx="1">
+            <a:schemeClr val="accent1"/>
+          </a:fillRef>
+          <a:effectRef idx="0">
+            <a:schemeClr val="accent1"/>
+          </a:effectRef>
+          <a:fontRef idx="minor">
+            <a:schemeClr val="lt1"/>
+          </a:fontRef>
+        </p:style>
+        <p:txBody>
+          <a:bodyPr rtlCol="0" anchor="ctr"/>
+          <a:lstStyle/>
+          <a:p>
+            <a:pPr algn="ctr"/>
+            <a:endParaRPr lang="en-SG"/>
+          </a:p>
+        </p:txBody>
+      </p:sp>
+      <p:sp>
+        <p:nvSpPr>
+          <p:cNvPr id="7" name="Down Arrow 6"/>
+          <p:cNvSpPr/>
+          <p:nvPr/>
+        </p:nvSpPr>
+        <p:spPr>
+          <a:xfrm rot="5400000">
+            <a:off x="-76157" y="3820992"/>
+            <a:ext cx="1871385" cy="734554"/>
+          </a:xfrm>
+          <a:prstGeom prst="downArrow">
+            <a:avLst/>
+          </a:prstGeom>
+          <a:solidFill>
+            <a:schemeClr val="accent1">
+              <a:lumMod val="20000"/>
+              <a:lumOff val="80000"/>
+            </a:schemeClr>
+          </a:solidFill>
+          <a:ln>
+            <a:noFill/>
+          </a:ln>
+        </p:spPr>
+        <p:style>
+          <a:lnRef idx="2">
+            <a:schemeClr val="accent1">
+              <a:shade val="50000"/>
+            </a:schemeClr>
+          </a:lnRef>
+          <a:fillRef idx="1">
+            <a:schemeClr val="accent1"/>
+          </a:fillRef>
+          <a:effectRef idx="0">
+            <a:schemeClr val="accent1"/>
+          </a:effectRef>
+          <a:fontRef idx="minor">
+            <a:schemeClr val="lt1"/>
+          </a:fontRef>
+        </p:style>
+        <p:txBody>
+          <a:bodyPr rtlCol="0" anchor="ctr"/>
+          <a:lstStyle/>
+          <a:p>
+            <a:pPr algn="ctr"/>
+            <a:endParaRPr lang="en-SG"/>
+          </a:p>
+        </p:txBody>
+      </p:sp>
+      <p:sp>
+        <p:nvSpPr>
+          <p:cNvPr id="8" name="Down Arrow 7"/>
+          <p:cNvSpPr/>
+          <p:nvPr/>
+        </p:nvSpPr>
+        <p:spPr>
+          <a:xfrm rot="16200000">
+            <a:off x="6353723" y="3817807"/>
+            <a:ext cx="1871385" cy="734554"/>
+          </a:xfrm>
+          <a:prstGeom prst="downArrow">
+            <a:avLst/>
+          </a:prstGeom>
+          <a:solidFill>
+            <a:schemeClr val="accent1">
+              <a:lumMod val="20000"/>
+              <a:lumOff val="80000"/>
+            </a:schemeClr>
+          </a:solidFill>
+          <a:ln>
+            <a:noFill/>
+          </a:ln>
+        </p:spPr>
+        <p:style>
+          <a:lnRef idx="2">
+            <a:schemeClr val="accent1">
+              <a:shade val="50000"/>
+            </a:schemeClr>
+          </a:lnRef>
+          <a:fillRef idx="1">
+            <a:schemeClr val="accent1"/>
+          </a:fillRef>
+          <a:effectRef idx="0">
+            <a:schemeClr val="accent1"/>
+          </a:effectRef>
+          <a:fontRef idx="minor">
+            <a:schemeClr val="lt1"/>
+          </a:fontRef>
+        </p:style>
+        <p:txBody>
+          <a:bodyPr rtlCol="0" anchor="ctr"/>
+          <a:lstStyle/>
+          <a:p>
+            <a:pPr algn="ctr"/>
+            <a:endParaRPr lang="en-SG"/>
+          </a:p>
+        </p:txBody>
+      </p:sp>
+      <p:sp>
+        <p:nvSpPr>
+          <p:cNvPr id="9" name="Down Arrow 8"/>
+          <p:cNvSpPr/>
+          <p:nvPr/>
+        </p:nvSpPr>
+        <p:spPr>
+          <a:xfrm>
+            <a:off x="1085100" y="5000113"/>
+            <a:ext cx="1871385" cy="734554"/>
+          </a:xfrm>
+          <a:prstGeom prst="downArrow">
+            <a:avLst/>
+          </a:prstGeom>
+          <a:solidFill>
+            <a:schemeClr val="accent1">
+              <a:lumMod val="20000"/>
+              <a:lumOff val="80000"/>
+            </a:schemeClr>
+          </a:solidFill>
+          <a:ln>
+            <a:noFill/>
+          </a:ln>
+        </p:spPr>
+        <p:style>
+          <a:lnRef idx="2">
+            <a:schemeClr val="accent1">
+              <a:shade val="50000"/>
+            </a:schemeClr>
+          </a:lnRef>
+          <a:fillRef idx="1">
+            <a:schemeClr val="accent1"/>
+          </a:fillRef>
+          <a:effectRef idx="0">
+            <a:schemeClr val="accent1"/>
+          </a:effectRef>
+          <a:fontRef idx="minor">
+            <a:schemeClr val="lt1"/>
+          </a:fontRef>
+        </p:style>
+        <p:txBody>
+          <a:bodyPr rtlCol="0" anchor="ctr"/>
+          <a:lstStyle/>
+          <a:p>
+            <a:pPr algn="ctr"/>
+            <a:endParaRPr lang="en-SG"/>
+          </a:p>
+        </p:txBody>
+      </p:sp>
+      <p:sp>
+        <p:nvSpPr>
+          <p:cNvPr id="10" name="Down Arrow 9"/>
+          <p:cNvSpPr/>
+          <p:nvPr/>
+        </p:nvSpPr>
+        <p:spPr>
+          <a:xfrm rot="10800000">
+            <a:off x="1079907" y="1131437"/>
+            <a:ext cx="1871385" cy="734554"/>
+          </a:xfrm>
+          <a:prstGeom prst="downArrow">
+            <a:avLst/>
+          </a:prstGeom>
+          <a:solidFill>
+            <a:schemeClr val="accent1">
+              <a:lumMod val="20000"/>
+              <a:lumOff val="80000"/>
+            </a:schemeClr>
+          </a:solidFill>
+          <a:ln>
+            <a:noFill/>
+          </a:ln>
+        </p:spPr>
+        <p:style>
+          <a:lnRef idx="2">
+            <a:schemeClr val="accent1">
+              <a:shade val="50000"/>
+            </a:schemeClr>
+          </a:lnRef>
+          <a:fillRef idx="1">
+            <a:schemeClr val="accent1"/>
+          </a:fillRef>
+          <a:effectRef idx="0">
+            <a:schemeClr val="accent1"/>
+          </a:effectRef>
+          <a:fontRef idx="minor">
+            <a:schemeClr val="lt1"/>
+          </a:fontRef>
+        </p:style>
+        <p:txBody>
+          <a:bodyPr rtlCol="0" anchor="ctr"/>
+          <a:lstStyle/>
+          <a:p>
+            <a:pPr algn="ctr"/>
+            <a:endParaRPr lang="en-SG"/>
+          </a:p>
+        </p:txBody>
+      </p:sp>
+    </p:spTree>
+    <p:extLst>
+      <p:ext uri="{BB962C8B-B14F-4D97-AF65-F5344CB8AC3E}">
+        <p14:creationId xmlns:p14="http://schemas.microsoft.com/office/powerpoint/2010/main" val="447511041"/>
+      </p:ext>
+    </p:extLst>
+  </p:cSld>
+  <p:clrMapOvr>
+    <a:masterClrMapping/>
+  </p:clrMapOvr>
+  <mc:AlternateContent xmlns:mc="http://schemas.openxmlformats.org/markup-compatibility/2006" xmlns:p14="http://schemas.microsoft.com/office/powerpoint/2010/main">
+    <mc:Choice Requires="p14">
+      <p:transition spd="med" p14:dur="700" advTm="0">
+        <p:fade/>
+      </p:transition>
+    </mc:Choice>
+    <mc:Fallback xmlns="">
+      <p:transition spd="med" advTm="0">
+        <p:fade/>
+      </p:transition>
+    </mc:Fallback>
+  </mc:AlternateContent>
+</p:sld>
+</file>
+
+<file path=ppt/slides/slide15.xml><?xml version="1.0" encoding="utf-8"?>
+<p:sld xmlns:a="http://schemas.openxmlformats.org/drawingml/2006/main" xmlns:r="http://schemas.openxmlformats.org/officeDocument/2006/relationships" xmlns:p="http://schemas.openxmlformats.org/presentationml/2006/main" show="0">
+  <p:cSld name="PPTLabsAcknowledgementSlide">
+    <p:spTree>
+      <p:nvGrpSpPr>
+        <p:cNvPr id="1" name=""/>
+        <p:cNvGrpSpPr/>
+        <p:nvPr/>
+      </p:nvGrpSpPr>
+      <p:grpSpPr>
+        <a:xfrm>
+          <a:off x="0" y="0"/>
+          <a:ext cx="0" cy="0"/>
+          <a:chOff x="0" y="0"/>
+          <a:chExt cx="0" cy="0"/>
+        </a:xfrm>
+      </p:grpSpPr>
+      <p:pic>
+        <p:nvPicPr>
+          <p:cNvPr id="2" name="Picture 1"/>
+          <p:cNvPicPr>
+            <a:picLocks/>
+          </p:cNvPicPr>
+          <p:nvPr/>
+        </p:nvPicPr>
+        <p:blipFill>
+          <a:blip r:embed="rId2" cstate="email">
+            <a:extLst>
+              <a:ext uri="{28A0092B-C50C-407E-A947-70E740481C1C}">
+                <a14:useLocalDpi xmlns:a14="http://schemas.microsoft.com/office/drawing/2010/main"/>
+              </a:ext>
+            </a:extLst>
+          </a:blip>
+          <a:stretch>
+            <a:fillRect/>
+          </a:stretch>
+        </p:blipFill>
+        <p:spPr>
+          <a:xfrm>
+            <a:off x="649224" y="992124"/>
+            <a:ext cx="7845552" cy="4873752"/>
+          </a:xfrm>
+          <a:prstGeom prst="rect">
+            <a:avLst/>
+          </a:prstGeom>
+        </p:spPr>
+      </p:pic>
+    </p:spTree>
+    <p:extLst>
+      <p:ext uri="{BB962C8B-B14F-4D97-AF65-F5344CB8AC3E}">
+        <p14:creationId xmlns:p14="http://schemas.microsoft.com/office/powerpoint/2010/main" val="723496563"/>
+      </p:ext>
+    </p:extLst>
+  </p:cSld>
+  <p:clrMapOvr>
+    <a:masterClrMapping/>
+  </p:clrMapOvr>
+  <mc:AlternateContent xmlns:mc="http://schemas.openxmlformats.org/markup-compatibility/2006" xmlns:p14="http://schemas.microsoft.com/office/powerpoint/2010/main">
+    <mc:Choice Requires="p14">
+      <p:transition spd="slow" p14:dur="2000" advTm="2000"/>
+    </mc:Choice>
+    <mc:Fallback xmlns="">
+      <p:transition spd="slow" advTm="2000"/>
+    </mc:Fallback>
+  </mc:AlternateContent>
+</p:sld>
+</file>
+
+<file path=ppt/slides/slide2.xml><?xml version="1.0" encoding="utf-8"?>
 <p:sld xmlns:a="http://schemas.openxmlformats.org/drawingml/2006/main" xmlns:r="http://schemas.openxmlformats.org/officeDocument/2006/relationships" xmlns:p="http://schemas.openxmlformats.org/presentationml/2006/main">
   <p:cSld name="PPSlideAnimated201604241904345585">
     <p:spTree>
@@ -8862,7 +7618,7 @@
           <a:lstStyle/>
           <a:p>
             <a:r>
-              <a:rPr lang="en-US" sz="6600" b="1" dirty="0" smtClean="0">
+              <a:rPr lang="en-US" sz="6600" b="1" dirty="0">
                 <a:solidFill>
                   <a:schemeClr val="tx2">
                     <a:lumMod val="60000"/>
@@ -9441,7 +8197,7 @@
 </p:sld>
 </file>
 
-<file path=ppt/slides/slide4.xml><?xml version="1.0" encoding="utf-8"?>
+<file path=ppt/slides/slide3.xml><?xml version="1.0" encoding="utf-8"?>
 <p:sld xmlns:a="http://schemas.openxmlformats.org/drawingml/2006/main" xmlns:r="http://schemas.openxmlformats.org/officeDocument/2006/relationships" xmlns:p="http://schemas.openxmlformats.org/presentationml/2006/main">
   <p:cSld name="PPSlideEnd_201604241904345715_bdb511d">
     <p:spTree>
@@ -9537,7 +8293,7 @@
           <a:lstStyle/>
           <a:p>
             <a:r>
-              <a:rPr lang="en-US" sz="6600" b="1" dirty="0" smtClean="0">
+              <a:rPr lang="en-US" sz="6600" b="1" dirty="0">
                 <a:solidFill>
                   <a:schemeClr val="tx2">
                     <a:lumMod val="60000"/>
@@ -9976,7 +8732,7 @@
 </p:sld>
 </file>
 
-<file path=ppt/slides/slide5.xml><?xml version="1.0" encoding="utf-8"?>
+<file path=ppt/slides/slide4.xml><?xml version="1.0" encoding="utf-8"?>
 <p:sld xmlns:a="http://schemas.openxmlformats.org/drawingml/2006/main" xmlns:r="http://schemas.openxmlformats.org/officeDocument/2006/relationships" xmlns:p="http://schemas.openxmlformats.org/presentationml/2006/main">
   <p:cSld>
     <p:spTree>
@@ -10188,7 +8944,7 @@
           <a:lstStyle/>
           <a:p>
             <a:r>
-              <a:rPr lang="en-US" sz="6600" b="1" dirty="0" smtClean="0">
+              <a:rPr lang="en-US" sz="6600" b="1" dirty="0">
                 <a:solidFill>
                   <a:schemeClr val="tx2">
                     <a:lumMod val="60000"/>
@@ -10634,7 +9390,7 @@
 </p:sld>
 </file>
 
-<file path=ppt/slides/slide6.xml><?xml version="1.0" encoding="utf-8"?>
+<file path=ppt/slides/slide5.xml><?xml version="1.0" encoding="utf-8"?>
 <p:sld xmlns:a="http://schemas.openxmlformats.org/drawingml/2006/main" xmlns:r="http://schemas.openxmlformats.org/officeDocument/2006/relationships" xmlns:p="http://schemas.openxmlformats.org/presentationml/2006/main">
   <p:cSld name="PPSlideAnimated201604241828528693">
     <p:spTree>
@@ -10846,7 +9602,7 @@
           <a:lstStyle/>
           <a:p>
             <a:r>
-              <a:rPr lang="en-US" sz="6600" b="1" dirty="0" smtClean="0">
+              <a:rPr lang="en-US" sz="6600" b="1" dirty="0">
                 <a:solidFill>
                   <a:schemeClr val="tx2">
                     <a:lumMod val="60000"/>
@@ -11210,7 +9966,7 @@
 </p:sld>
 </file>
 
-<file path=ppt/slides/slide7.xml><?xml version="1.0" encoding="utf-8"?>
+<file path=ppt/slides/slide6.xml><?xml version="1.0" encoding="utf-8"?>
 <p:sld xmlns:a="http://schemas.openxmlformats.org/drawingml/2006/main" xmlns:r="http://schemas.openxmlformats.org/officeDocument/2006/relationships" xmlns:p="http://schemas.openxmlformats.org/presentationml/2006/main">
   <p:cSld name="PPSlideEnd_201604241828528823_b9585a3">
     <p:spTree>
@@ -11422,7 +10178,7 @@
           <a:lstStyle/>
           <a:p>
             <a:r>
-              <a:rPr lang="en-US" sz="6600" b="1" dirty="0" smtClean="0">
+              <a:rPr lang="en-US" sz="6600" b="1" dirty="0">
                 <a:solidFill>
                   <a:schemeClr val="tx2">
                     <a:lumMod val="60000"/>
@@ -11755,7 +10511,7 @@
 </p:sld>
 </file>
 
-<file path=ppt/slides/slide8.xml><?xml version="1.0" encoding="utf-8"?>
+<file path=ppt/slides/slide7.xml><?xml version="1.0" encoding="utf-8"?>
 <p:sld xmlns:a="http://schemas.openxmlformats.org/drawingml/2006/main" xmlns:r="http://schemas.openxmlformats.org/officeDocument/2006/relationships" xmlns:p="http://schemas.openxmlformats.org/presentationml/2006/main">
   <p:cSld name="PPSlideStart_201604241831307581_8c0ba85">
     <p:spTree>
@@ -11967,7 +10723,7 @@
           <a:lstStyle/>
           <a:p>
             <a:r>
-              <a:rPr lang="en-US" sz="6600" b="1" dirty="0" smtClean="0">
+              <a:rPr lang="en-US" sz="6600" b="1" dirty="0">
                 <a:solidFill>
                   <a:schemeClr val="tx2">
                     <a:lumMod val="60000"/>
@@ -12331,7 +11087,7 @@
 </p:sld>
 </file>
 
-<file path=ppt/slides/slide9.xml><?xml version="1.0" encoding="utf-8"?>
+<file path=ppt/slides/slide8.xml><?xml version="1.0" encoding="utf-8"?>
 <p:sld xmlns:a="http://schemas.openxmlformats.org/drawingml/2006/main" xmlns:r="http://schemas.openxmlformats.org/officeDocument/2006/relationships" xmlns:p="http://schemas.openxmlformats.org/presentationml/2006/main">
   <p:cSld name="PPSlideAnimated201604241831307461">
     <p:spTree>
@@ -12543,7 +11299,7 @@
           <a:lstStyle/>
           <a:p>
             <a:r>
-              <a:rPr lang="en-US" sz="6600" b="1" dirty="0" smtClean="0">
+              <a:rPr lang="en-US" sz="6600" b="1" dirty="0">
                 <a:solidFill>
                   <a:schemeClr val="tx2">
                     <a:lumMod val="60000"/>
@@ -12852,6 +11608,825 @@
                                       </p:cBhvr>
                                       <p:by x="61698" y="100000"/>
                                     </p:animScale>
+                                  </p:childTnLst>
+                                </p:cTn>
+                              </p:par>
+                            </p:childTnLst>
+                          </p:cTn>
+                        </p:par>
+                      </p:childTnLst>
+                    </p:cTn>
+                  </p:par>
+                </p:childTnLst>
+              </p:cTn>
+              <p:prevCondLst>
+                <p:cond evt="onPrev" delay="0">
+                  <p:tgtEl>
+                    <p:sldTgt/>
+                  </p:tgtEl>
+                </p:cond>
+              </p:prevCondLst>
+              <p:nextCondLst>
+                <p:cond evt="onNext" delay="0">
+                  <p:tgtEl>
+                    <p:sldTgt/>
+                  </p:tgtEl>
+                </p:cond>
+              </p:nextCondLst>
+            </p:seq>
+          </p:childTnLst>
+        </p:cTn>
+      </p:par>
+    </p:tnLst>
+  </p:timing>
+</p:sld>
+</file>
+
+<file path=ppt/slides/slide9.xml><?xml version="1.0" encoding="utf-8"?>
+<p:sld xmlns:a="http://schemas.openxmlformats.org/drawingml/2006/main" xmlns:r="http://schemas.openxmlformats.org/officeDocument/2006/relationships" xmlns:p="http://schemas.openxmlformats.org/presentationml/2006/main">
+  <p:cSld name="PPSlideEnd_201604241831307581_7564a0a">
+    <p:spTree>
+      <p:nvGrpSpPr>
+        <p:cNvPr id="1" name=""/>
+        <p:cNvGrpSpPr/>
+        <p:nvPr/>
+      </p:nvGrpSpPr>
+      <p:grpSpPr>
+        <a:xfrm>
+          <a:off x="0" y="0"/>
+          <a:ext cx="0" cy="0"/>
+          <a:chOff x="0" y="0"/>
+          <a:chExt cx="0" cy="0"/>
+        </a:xfrm>
+      </p:grpSpPr>
+      <p:pic>
+        <p:nvPicPr>
+          <p:cNvPr id="3" name="Picture 5" descr="C:\Users\dcsdcr\AppData\Local\Microsoft\Windows\Temporary Internet Files\Content.IE5\GG0SFF8P\box-cartone[1].png"/>
+          <p:cNvPicPr>
+            <a:picLocks noChangeArrowheads="1"/>
+          </p:cNvPicPr>
+          <p:nvPr/>
+        </p:nvPicPr>
+        <p:blipFill rotWithShape="1">
+          <a:blip r:embed="rId2" cstate="email">
+            <a:duotone>
+              <a:schemeClr val="accent1">
+                <a:shade val="45000"/>
+                <a:satMod val="135000"/>
+              </a:schemeClr>
+              <a:prstClr val="white"/>
+            </a:duotone>
+            <a:extLst>
+              <a:ext uri="{BEBA8EAE-BF5A-486C-A8C5-ECC9F3942E4B}">
+                <a14:imgProps xmlns:a14="http://schemas.microsoft.com/office/drawing/2010/main">
+                  <a14:imgLayer r:embed="rId3">
+                    <a14:imgEffect>
+                      <a14:brightnessContrast bright="40000"/>
+                    </a14:imgEffect>
+                  </a14:imgLayer>
+                </a14:imgProps>
+              </a:ext>
+              <a:ext uri="{28A0092B-C50C-407E-A947-70E740481C1C}">
+                <a14:useLocalDpi xmlns:a14="http://schemas.microsoft.com/office/drawing/2010/main"/>
+              </a:ext>
+            </a:extLst>
+          </a:blip>
+          <a:srcRect/>
+          <a:stretch/>
+        </p:blipFill>
+        <p:spPr bwMode="auto">
+          <a:xfrm>
+            <a:off x="3059832" y="3823321"/>
+            <a:ext cx="2232248" cy="1681804"/>
+          </a:xfrm>
+          <a:prstGeom prst="rect">
+            <a:avLst/>
+          </a:prstGeom>
+          <a:noFill/>
+          <a:effectLst>
+            <a:outerShdw blurRad="63500" sx="102000" sy="102000" algn="ctr" rotWithShape="0">
+              <a:prstClr val="black">
+                <a:alpha val="40000"/>
+              </a:prstClr>
+            </a:outerShdw>
+          </a:effectLst>
+          <a:extLst>
+            <a:ext uri="{909E8E84-426E-40DD-AFC4-6F175D3DCCD1}">
+              <a14:hiddenFill xmlns:a14="http://schemas.microsoft.com/office/drawing/2010/main">
+                <a:solidFill>
+                  <a:srgbClr val="FFFFFF"/>
+                </a:solidFill>
+              </a14:hiddenFill>
+            </a:ext>
+          </a:extLst>
+        </p:spPr>
+      </p:pic>
+      <p:pic>
+        <p:nvPicPr>
+          <p:cNvPr id="4" name="Picture 6" descr="C:\Users\dcsdcr\AppData\Local\Microsoft\Windows\Temporary Internet Files\Content.IE5\QX27U4HQ\Open-Cardboard-Box[1].png"/>
+          <p:cNvPicPr>
+            <a:picLocks noChangeArrowheads="1"/>
+          </p:cNvPicPr>
+          <p:nvPr/>
+        </p:nvPicPr>
+        <p:blipFill>
+          <a:blip r:embed="rId4" cstate="email">
+            <a:duotone>
+              <a:prstClr val="black"/>
+              <a:schemeClr val="accent1">
+                <a:tint val="45000"/>
+                <a:satMod val="400000"/>
+              </a:schemeClr>
+            </a:duotone>
+            <a:extLst>
+              <a:ext uri="{28A0092B-C50C-407E-A947-70E740481C1C}">
+                <a14:useLocalDpi xmlns:a14="http://schemas.microsoft.com/office/drawing/2010/main"/>
+              </a:ext>
+            </a:extLst>
+          </a:blip>
+          <a:srcRect/>
+          <a:stretch>
+            <a:fillRect/>
+          </a:stretch>
+        </p:blipFill>
+        <p:spPr bwMode="auto">
+          <a:xfrm>
+            <a:off x="539552" y="3823320"/>
+            <a:ext cx="2232248" cy="1681804"/>
+          </a:xfrm>
+          <a:prstGeom prst="rect">
+            <a:avLst/>
+          </a:prstGeom>
+          <a:noFill/>
+          <a:effectLst>
+            <a:outerShdw blurRad="63500" sx="102000" sy="102000" algn="ctr" rotWithShape="0">
+              <a:prstClr val="black">
+                <a:alpha val="40000"/>
+              </a:prstClr>
+            </a:outerShdw>
+          </a:effectLst>
+          <a:extLst>
+            <a:ext uri="{909E8E84-426E-40DD-AFC4-6F175D3DCCD1}">
+              <a14:hiddenFill xmlns:a14="http://schemas.microsoft.com/office/drawing/2010/main">
+                <a:solidFill>
+                  <a:srgbClr val="FFFFFF"/>
+                </a:solidFill>
+              </a14:hiddenFill>
+            </a:ext>
+          </a:extLst>
+        </p:spPr>
+      </p:pic>
+      <p:pic>
+        <p:nvPicPr>
+          <p:cNvPr id="5" name="Picture 7" descr="C:\Users\dcsdcr\AppData\Local\Microsoft\Windows\Temporary Internet Files\Content.IE5\ERLOFNC8\open-box[1].png"/>
+          <p:cNvPicPr>
+            <a:picLocks noChangeArrowheads="1"/>
+          </p:cNvPicPr>
+          <p:nvPr/>
+        </p:nvPicPr>
+        <p:blipFill>
+          <a:blip r:embed="rId5" cstate="email">
+            <a:duotone>
+              <a:schemeClr val="accent1">
+                <a:shade val="45000"/>
+                <a:satMod val="135000"/>
+              </a:schemeClr>
+              <a:prstClr val="white"/>
+            </a:duotone>
+            <a:extLst>
+              <a:ext uri="{28A0092B-C50C-407E-A947-70E740481C1C}">
+                <a14:useLocalDpi xmlns:a14="http://schemas.microsoft.com/office/drawing/2010/main"/>
+              </a:ext>
+            </a:extLst>
+          </a:blip>
+          <a:srcRect/>
+          <a:stretch>
+            <a:fillRect/>
+          </a:stretch>
+        </p:blipFill>
+        <p:spPr bwMode="auto">
+          <a:xfrm>
+            <a:off x="6111357" y="3796400"/>
+            <a:ext cx="2232248" cy="1681804"/>
+          </a:xfrm>
+          <a:prstGeom prst="rect">
+            <a:avLst/>
+          </a:prstGeom>
+          <a:noFill/>
+          <a:effectLst>
+            <a:outerShdw blurRad="63500" sx="102000" sy="102000" algn="ctr" rotWithShape="0">
+              <a:prstClr val="black">
+                <a:alpha val="40000"/>
+              </a:prstClr>
+            </a:outerShdw>
+          </a:effectLst>
+          <a:extLst>
+            <a:ext uri="{909E8E84-426E-40DD-AFC4-6F175D3DCCD1}">
+              <a14:hiddenFill xmlns:a14="http://schemas.microsoft.com/office/drawing/2010/main">
+                <a:solidFill>
+                  <a:srgbClr val="FFFFFF"/>
+                </a:solidFill>
+              </a14:hiddenFill>
+            </a:ext>
+          </a:extLst>
+        </p:spPr>
+      </p:pic>
+      <p:sp>
+        <p:nvSpPr>
+          <p:cNvPr id="6" name="TextBox 5"/>
+          <p:cNvSpPr txBox="1"/>
+          <p:nvPr/>
+        </p:nvSpPr>
+        <p:spPr>
+          <a:xfrm>
+            <a:off x="827584" y="332656"/>
+            <a:ext cx="7488832" cy="1107996"/>
+          </a:xfrm>
+          <a:prstGeom prst="rect">
+            <a:avLst/>
+          </a:prstGeom>
+          <a:noFill/>
+        </p:spPr>
+        <p:txBody>
+          <a:bodyPr wrap="square" rtlCol="0">
+            <a:spAutoFit/>
+          </a:bodyPr>
+          <a:lstStyle/>
+          <a:p>
+            <a:r>
+              <a:rPr lang="en-US" sz="6600" b="1" dirty="0">
+                <a:solidFill>
+                  <a:schemeClr val="tx2">
+                    <a:lumMod val="60000"/>
+                    <a:lumOff val="40000"/>
+                  </a:schemeClr>
+                </a:solidFill>
+              </a:rPr>
+              <a:t>Same width</a:t>
+            </a:r>
+            <a:endParaRPr lang="en-SG" sz="6600" b="1" dirty="0">
+              <a:solidFill>
+                <a:schemeClr val="tx2">
+                  <a:lumMod val="60000"/>
+                  <a:lumOff val="40000"/>
+                </a:schemeClr>
+              </a:solidFill>
+            </a:endParaRPr>
+          </a:p>
+        </p:txBody>
+      </p:sp>
+      <p:cxnSp>
+        <p:nvCxnSpPr>
+          <p:cNvPr id="12" name="Straight Connector 7"/>
+          <p:cNvCxnSpPr/>
+          <p:nvPr/>
+        </p:nvCxnSpPr>
+        <p:spPr>
+          <a:xfrm flipH="1">
+            <a:off x="539552" y="3573016"/>
+            <a:ext cx="2232248" cy="0"/>
+          </a:xfrm>
+          <a:prstGeom prst="line">
+            <a:avLst/>
+          </a:prstGeom>
+          <a:ln w="76200">
+            <a:headEnd type="triangle" w="med" len="med"/>
+            <a:tailEnd type="triangle" w="med" len="med"/>
+          </a:ln>
+        </p:spPr>
+        <p:style>
+          <a:lnRef idx="1">
+            <a:schemeClr val="accent1"/>
+          </a:lnRef>
+          <a:fillRef idx="0">
+            <a:schemeClr val="accent1"/>
+          </a:fillRef>
+          <a:effectRef idx="0">
+            <a:schemeClr val="accent1"/>
+          </a:effectRef>
+          <a:fontRef idx="minor">
+            <a:schemeClr val="tx1"/>
+          </a:fontRef>
+        </p:style>
+      </p:cxnSp>
+      <p:cxnSp>
+        <p:nvCxnSpPr>
+          <p:cNvPr id="14" name="Straight Connector 12"/>
+          <p:cNvCxnSpPr/>
+          <p:nvPr/>
+        </p:nvCxnSpPr>
+        <p:spPr>
+          <a:xfrm rot="16200000">
+            <a:off x="1799692" y="4467061"/>
+            <a:ext cx="1944216" cy="0"/>
+          </a:xfrm>
+          <a:prstGeom prst="line">
+            <a:avLst/>
+          </a:prstGeom>
+          <a:ln w="57150">
+            <a:prstDash val="sysDot"/>
+          </a:ln>
+        </p:spPr>
+        <p:style>
+          <a:lnRef idx="1">
+            <a:schemeClr val="accent1"/>
+          </a:lnRef>
+          <a:fillRef idx="0">
+            <a:schemeClr val="accent1"/>
+          </a:fillRef>
+          <a:effectRef idx="0">
+            <a:schemeClr val="accent1"/>
+          </a:effectRef>
+          <a:fontRef idx="minor">
+            <a:schemeClr val="tx1"/>
+          </a:fontRef>
+        </p:style>
+      </p:cxnSp>
+      <p:cxnSp>
+        <p:nvCxnSpPr>
+          <p:cNvPr id="17" name="Straight Connector 12"/>
+          <p:cNvCxnSpPr/>
+          <p:nvPr/>
+        </p:nvCxnSpPr>
+        <p:spPr>
+          <a:xfrm rot="16200000">
+            <a:off x="-432556" y="4473116"/>
+            <a:ext cx="1944216" cy="0"/>
+          </a:xfrm>
+          <a:prstGeom prst="line">
+            <a:avLst/>
+          </a:prstGeom>
+          <a:ln w="57150">
+            <a:prstDash val="sysDot"/>
+          </a:ln>
+        </p:spPr>
+        <p:style>
+          <a:lnRef idx="1">
+            <a:schemeClr val="accent1"/>
+          </a:lnRef>
+          <a:fillRef idx="0">
+            <a:schemeClr val="accent1"/>
+          </a:fillRef>
+          <a:effectRef idx="0">
+            <a:schemeClr val="accent1"/>
+          </a:effectRef>
+          <a:fontRef idx="minor">
+            <a:schemeClr val="tx1"/>
+          </a:fontRef>
+        </p:style>
+      </p:cxnSp>
+      <p:cxnSp>
+        <p:nvCxnSpPr>
+          <p:cNvPr id="9" name="Straight Connector 7"/>
+          <p:cNvCxnSpPr/>
+          <p:nvPr/>
+        </p:nvCxnSpPr>
+        <p:spPr>
+          <a:xfrm flipH="1">
+            <a:off x="3059832" y="3573016"/>
+            <a:ext cx="2232248" cy="0"/>
+          </a:xfrm>
+          <a:prstGeom prst="line">
+            <a:avLst/>
+          </a:prstGeom>
+          <a:ln w="76200">
+            <a:headEnd type="triangle" w="med" len="med"/>
+            <a:tailEnd type="triangle" w="med" len="med"/>
+          </a:ln>
+        </p:spPr>
+        <p:style>
+          <a:lnRef idx="1">
+            <a:schemeClr val="accent1"/>
+          </a:lnRef>
+          <a:fillRef idx="0">
+            <a:schemeClr val="accent1"/>
+          </a:fillRef>
+          <a:effectRef idx="0">
+            <a:schemeClr val="accent1"/>
+          </a:effectRef>
+          <a:fontRef idx="minor">
+            <a:schemeClr val="tx1"/>
+          </a:fontRef>
+        </p:style>
+      </p:cxnSp>
+      <p:cxnSp>
+        <p:nvCxnSpPr>
+          <p:cNvPr id="10" name="Straight Connector 12"/>
+          <p:cNvCxnSpPr/>
+          <p:nvPr/>
+        </p:nvCxnSpPr>
+        <p:spPr>
+          <a:xfrm rot="16200000">
+            <a:off x="4319972" y="4467061"/>
+            <a:ext cx="1944216" cy="0"/>
+          </a:xfrm>
+          <a:prstGeom prst="line">
+            <a:avLst/>
+          </a:prstGeom>
+          <a:ln w="57150">
+            <a:prstDash val="sysDot"/>
+          </a:ln>
+        </p:spPr>
+        <p:style>
+          <a:lnRef idx="1">
+            <a:schemeClr val="accent1"/>
+          </a:lnRef>
+          <a:fillRef idx="0">
+            <a:schemeClr val="accent1"/>
+          </a:fillRef>
+          <a:effectRef idx="0">
+            <a:schemeClr val="accent1"/>
+          </a:effectRef>
+          <a:fontRef idx="minor">
+            <a:schemeClr val="tx1"/>
+          </a:fontRef>
+        </p:style>
+      </p:cxnSp>
+      <p:cxnSp>
+        <p:nvCxnSpPr>
+          <p:cNvPr id="11" name="Straight Connector 12"/>
+          <p:cNvCxnSpPr/>
+          <p:nvPr/>
+        </p:nvCxnSpPr>
+        <p:spPr>
+          <a:xfrm rot="16200000">
+            <a:off x="2087724" y="4473116"/>
+            <a:ext cx="1944216" cy="0"/>
+          </a:xfrm>
+          <a:prstGeom prst="line">
+            <a:avLst/>
+          </a:prstGeom>
+          <a:ln w="57150">
+            <a:prstDash val="sysDot"/>
+          </a:ln>
+        </p:spPr>
+        <p:style>
+          <a:lnRef idx="1">
+            <a:schemeClr val="accent1"/>
+          </a:lnRef>
+          <a:fillRef idx="0">
+            <a:schemeClr val="accent1"/>
+          </a:fillRef>
+          <a:effectRef idx="0">
+            <a:schemeClr val="accent1"/>
+          </a:effectRef>
+          <a:fontRef idx="minor">
+            <a:schemeClr val="tx1"/>
+          </a:fontRef>
+        </p:style>
+      </p:cxnSp>
+      <p:cxnSp>
+        <p:nvCxnSpPr>
+          <p:cNvPr id="13" name="Straight Connector 7"/>
+          <p:cNvCxnSpPr/>
+          <p:nvPr/>
+        </p:nvCxnSpPr>
+        <p:spPr>
+          <a:xfrm flipH="1">
+            <a:off x="6101585" y="3573016"/>
+            <a:ext cx="2232248" cy="0"/>
+          </a:xfrm>
+          <a:prstGeom prst="line">
+            <a:avLst/>
+          </a:prstGeom>
+          <a:ln w="76200">
+            <a:headEnd type="triangle" w="med" len="med"/>
+            <a:tailEnd type="triangle" w="med" len="med"/>
+          </a:ln>
+        </p:spPr>
+        <p:style>
+          <a:lnRef idx="1">
+            <a:schemeClr val="accent1"/>
+          </a:lnRef>
+          <a:fillRef idx="0">
+            <a:schemeClr val="accent1"/>
+          </a:fillRef>
+          <a:effectRef idx="0">
+            <a:schemeClr val="accent1"/>
+          </a:effectRef>
+          <a:fontRef idx="minor">
+            <a:schemeClr val="tx1"/>
+          </a:fontRef>
+        </p:style>
+      </p:cxnSp>
+      <p:cxnSp>
+        <p:nvCxnSpPr>
+          <p:cNvPr id="15" name="Straight Connector 12"/>
+          <p:cNvCxnSpPr/>
+          <p:nvPr/>
+        </p:nvCxnSpPr>
+        <p:spPr>
+          <a:xfrm rot="16200000">
+            <a:off x="7361725" y="4467061"/>
+            <a:ext cx="1944216" cy="0"/>
+          </a:xfrm>
+          <a:prstGeom prst="line">
+            <a:avLst/>
+          </a:prstGeom>
+          <a:ln w="57150">
+            <a:prstDash val="sysDot"/>
+          </a:ln>
+        </p:spPr>
+        <p:style>
+          <a:lnRef idx="1">
+            <a:schemeClr val="accent1"/>
+          </a:lnRef>
+          <a:fillRef idx="0">
+            <a:schemeClr val="accent1"/>
+          </a:fillRef>
+          <a:effectRef idx="0">
+            <a:schemeClr val="accent1"/>
+          </a:effectRef>
+          <a:fontRef idx="minor">
+            <a:schemeClr val="tx1"/>
+          </a:fontRef>
+        </p:style>
+      </p:cxnSp>
+      <p:cxnSp>
+        <p:nvCxnSpPr>
+          <p:cNvPr id="16" name="Straight Connector 12"/>
+          <p:cNvCxnSpPr/>
+          <p:nvPr/>
+        </p:nvCxnSpPr>
+        <p:spPr>
+          <a:xfrm rot="16200000">
+            <a:off x="5129477" y="4473116"/>
+            <a:ext cx="1944216" cy="0"/>
+          </a:xfrm>
+          <a:prstGeom prst="line">
+            <a:avLst/>
+          </a:prstGeom>
+          <a:ln w="57150">
+            <a:prstDash val="sysDot"/>
+          </a:ln>
+        </p:spPr>
+        <p:style>
+          <a:lnRef idx="1">
+            <a:schemeClr val="accent1"/>
+          </a:lnRef>
+          <a:fillRef idx="0">
+            <a:schemeClr val="accent1"/>
+          </a:fillRef>
+          <a:effectRef idx="0">
+            <a:schemeClr val="accent1"/>
+          </a:effectRef>
+          <a:fontRef idx="minor">
+            <a:schemeClr val="tx1"/>
+          </a:fontRef>
+        </p:style>
+      </p:cxnSp>
+    </p:spTree>
+    <p:extLst>
+      <p:ext uri="{BB962C8B-B14F-4D97-AF65-F5344CB8AC3E}">
+        <p14:creationId xmlns:p14="http://schemas.microsoft.com/office/powerpoint/2010/main" val="2584794426"/>
+      </p:ext>
+    </p:extLst>
+  </p:cSld>
+  <p:clrMapOvr>
+    <a:masterClrMapping/>
+  </p:clrMapOvr>
+  <mc:AlternateContent xmlns:mc="http://schemas.openxmlformats.org/markup-compatibility/2006" xmlns:p14="http://schemas.microsoft.com/office/powerpoint/2010/main">
+    <mc:Choice Requires="p14">
+      <p:transition spd="med" p14:dur="700" advTm="2000">
+        <p:fade/>
+      </p:transition>
+    </mc:Choice>
+    <mc:Fallback xmlns="">
+      <p:transition spd="med" advTm="2000">
+        <p:fade/>
+      </p:transition>
+    </mc:Fallback>
+  </mc:AlternateContent>
+  <p:timing>
+    <p:tnLst>
+      <p:par>
+        <p:cTn id="1" dur="indefinite" restart="never" nodeType="tmRoot">
+          <p:childTnLst>
+            <p:seq concurrent="1" nextAc="seek">
+              <p:cTn id="2" dur="indefinite" nodeType="mainSeq">
+                <p:childTnLst>
+                  <p:par>
+                    <p:cTn id="3" fill="hold">
+                      <p:stCondLst>
+                        <p:cond delay="indefinite"/>
+                        <p:cond evt="onBegin" delay="0">
+                          <p:tn val="2"/>
+                        </p:cond>
+                      </p:stCondLst>
+                      <p:childTnLst>
+                        <p:par>
+                          <p:cTn id="4" fill="hold">
+                            <p:stCondLst>
+                              <p:cond delay="0"/>
+                            </p:stCondLst>
+                            <p:childTnLst>
+                              <p:par>
+                                <p:cTn id="5" presetID="10" presetClass="entr" presetSubtype="0" fill="hold" nodeType="afterEffect">
+                                  <p:stCondLst>
+                                    <p:cond delay="0"/>
+                                  </p:stCondLst>
+                                  <p:childTnLst>
+                                    <p:set>
+                                      <p:cBhvr>
+                                        <p:cTn id="6" dur="1" fill="hold">
+                                          <p:stCondLst>
+                                            <p:cond delay="0"/>
+                                          </p:stCondLst>
+                                        </p:cTn>
+                                        <p:tgtEl>
+                                          <p:spTgt spid="11"/>
+                                        </p:tgtEl>
+                                        <p:attrNameLst>
+                                          <p:attrName>style.visibility</p:attrName>
+                                        </p:attrNameLst>
+                                      </p:cBhvr>
+                                      <p:to>
+                                        <p:strVal val="visible"/>
+                                      </p:to>
+                                    </p:set>
+                                    <p:animEffect transition="in" filter="fade">
+                                      <p:cBhvr>
+                                        <p:cTn id="7" dur="500"/>
+                                        <p:tgtEl>
+                                          <p:spTgt spid="11"/>
+                                        </p:tgtEl>
+                                      </p:cBhvr>
+                                    </p:animEffect>
+                                  </p:childTnLst>
+                                </p:cTn>
+                              </p:par>
+                              <p:par>
+                                <p:cTn id="8" presetID="10" presetClass="entr" presetSubtype="0" fill="hold" nodeType="withEffect">
+                                  <p:stCondLst>
+                                    <p:cond delay="0"/>
+                                  </p:stCondLst>
+                                  <p:childTnLst>
+                                    <p:set>
+                                      <p:cBhvr>
+                                        <p:cTn id="9" dur="1" fill="hold">
+                                          <p:stCondLst>
+                                            <p:cond delay="0"/>
+                                          </p:stCondLst>
+                                        </p:cTn>
+                                        <p:tgtEl>
+                                          <p:spTgt spid="9"/>
+                                        </p:tgtEl>
+                                        <p:attrNameLst>
+                                          <p:attrName>style.visibility</p:attrName>
+                                        </p:attrNameLst>
+                                      </p:cBhvr>
+                                      <p:to>
+                                        <p:strVal val="visible"/>
+                                      </p:to>
+                                    </p:set>
+                                    <p:animEffect transition="in" filter="fade">
+                                      <p:cBhvr>
+                                        <p:cTn id="10" dur="500"/>
+                                        <p:tgtEl>
+                                          <p:spTgt spid="9"/>
+                                        </p:tgtEl>
+                                      </p:cBhvr>
+                                    </p:animEffect>
+                                  </p:childTnLst>
+                                </p:cTn>
+                              </p:par>
+                              <p:par>
+                                <p:cTn id="11" presetID="10" presetClass="entr" presetSubtype="0" fill="hold" nodeType="withEffect">
+                                  <p:stCondLst>
+                                    <p:cond delay="0"/>
+                                  </p:stCondLst>
+                                  <p:childTnLst>
+                                    <p:set>
+                                      <p:cBhvr>
+                                        <p:cTn id="12" dur="1" fill="hold">
+                                          <p:stCondLst>
+                                            <p:cond delay="0"/>
+                                          </p:stCondLst>
+                                        </p:cTn>
+                                        <p:tgtEl>
+                                          <p:spTgt spid="10"/>
+                                        </p:tgtEl>
+                                        <p:attrNameLst>
+                                          <p:attrName>style.visibility</p:attrName>
+                                        </p:attrNameLst>
+                                      </p:cBhvr>
+                                      <p:to>
+                                        <p:strVal val="visible"/>
+                                      </p:to>
+                                    </p:set>
+                                    <p:animEffect transition="in" filter="fade">
+                                      <p:cBhvr>
+                                        <p:cTn id="13" dur="500"/>
+                                        <p:tgtEl>
+                                          <p:spTgt spid="10"/>
+                                        </p:tgtEl>
+                                      </p:cBhvr>
+                                    </p:animEffect>
+                                  </p:childTnLst>
+                                </p:cTn>
+                              </p:par>
+                              <p:par>
+                                <p:cTn id="14" presetID="10" presetClass="entr" presetSubtype="0" fill="hold" nodeType="withEffect">
+                                  <p:stCondLst>
+                                    <p:cond delay="0"/>
+                                  </p:stCondLst>
+                                  <p:childTnLst>
+                                    <p:set>
+                                      <p:cBhvr>
+                                        <p:cTn id="15" dur="1" fill="hold">
+                                          <p:stCondLst>
+                                            <p:cond delay="0"/>
+                                          </p:stCondLst>
+                                        </p:cTn>
+                                        <p:tgtEl>
+                                          <p:spTgt spid="16"/>
+                                        </p:tgtEl>
+                                        <p:attrNameLst>
+                                          <p:attrName>style.visibility</p:attrName>
+                                        </p:attrNameLst>
+                                      </p:cBhvr>
+                                      <p:to>
+                                        <p:strVal val="visible"/>
+                                      </p:to>
+                                    </p:set>
+                                    <p:animEffect transition="in" filter="fade">
+                                      <p:cBhvr>
+                                        <p:cTn id="16" dur="500"/>
+                                        <p:tgtEl>
+                                          <p:spTgt spid="16"/>
+                                        </p:tgtEl>
+                                      </p:cBhvr>
+                                    </p:animEffect>
+                                  </p:childTnLst>
+                                </p:cTn>
+                              </p:par>
+                              <p:par>
+                                <p:cTn id="17" presetID="10" presetClass="entr" presetSubtype="0" fill="hold" nodeType="withEffect">
+                                  <p:stCondLst>
+                                    <p:cond delay="0"/>
+                                  </p:stCondLst>
+                                  <p:childTnLst>
+                                    <p:set>
+                                      <p:cBhvr>
+                                        <p:cTn id="18" dur="1" fill="hold">
+                                          <p:stCondLst>
+                                            <p:cond delay="0"/>
+                                          </p:stCondLst>
+                                        </p:cTn>
+                                        <p:tgtEl>
+                                          <p:spTgt spid="13"/>
+                                        </p:tgtEl>
+                                        <p:attrNameLst>
+                                          <p:attrName>style.visibility</p:attrName>
+                                        </p:attrNameLst>
+                                      </p:cBhvr>
+                                      <p:to>
+                                        <p:strVal val="visible"/>
+                                      </p:to>
+                                    </p:set>
+                                    <p:animEffect transition="in" filter="fade">
+                                      <p:cBhvr>
+                                        <p:cTn id="19" dur="500"/>
+                                        <p:tgtEl>
+                                          <p:spTgt spid="13"/>
+                                        </p:tgtEl>
+                                      </p:cBhvr>
+                                    </p:animEffect>
+                                  </p:childTnLst>
+                                </p:cTn>
+                              </p:par>
+                              <p:par>
+                                <p:cTn id="20" presetID="10" presetClass="entr" presetSubtype="0" fill="hold" nodeType="withEffect">
+                                  <p:stCondLst>
+                                    <p:cond delay="0"/>
+                                  </p:stCondLst>
+                                  <p:childTnLst>
+                                    <p:set>
+                                      <p:cBhvr>
+                                        <p:cTn id="21" dur="1" fill="hold">
+                                          <p:stCondLst>
+                                            <p:cond delay="0"/>
+                                          </p:stCondLst>
+                                        </p:cTn>
+                                        <p:tgtEl>
+                                          <p:spTgt spid="15"/>
+                                        </p:tgtEl>
+                                        <p:attrNameLst>
+                                          <p:attrName>style.visibility</p:attrName>
+                                        </p:attrNameLst>
+                                      </p:cBhvr>
+                                      <p:to>
+                                        <p:strVal val="visible"/>
+                                      </p:to>
+                                    </p:set>
+                                    <p:animEffect transition="in" filter="fade">
+                                      <p:cBhvr>
+                                        <p:cTn id="22" dur="500"/>
+                                        <p:tgtEl>
+                                          <p:spTgt spid="15"/>
+                                        </p:tgtEl>
+                                      </p:cBhvr>
+                                    </p:animEffect>
                                   </p:childTnLst>
                                 </p:cTn>
                               </p:par>
